--- a/DUNE first presentation.pptx
+++ b/DUNE first presentation.pptx
@@ -5,29 +5,33 @@
     <p:sldMasterId id="2147483648" r:id="rId3"/>
   </p:sldMasterIdLst>
   <p:notesMasterIdLst>
-    <p:notesMasterId r:id="rId21"/>
+    <p:notesMasterId r:id="rId25"/>
   </p:notesMasterIdLst>
   <p:handoutMasterIdLst>
-    <p:handoutMasterId r:id="rId22"/>
+    <p:handoutMasterId r:id="rId26"/>
   </p:handoutMasterIdLst>
   <p:sldIdLst>
-    <p:sldId id="391" r:id="rId4"/>
-    <p:sldId id="356" r:id="rId5"/>
-    <p:sldId id="378" r:id="rId6"/>
-    <p:sldId id="379" r:id="rId7"/>
-    <p:sldId id="380" r:id="rId8"/>
-    <p:sldId id="390" r:id="rId9"/>
-    <p:sldId id="385" r:id="rId10"/>
-    <p:sldId id="386" r:id="rId11"/>
-    <p:sldId id="387" r:id="rId12"/>
-    <p:sldId id="389" r:id="rId13"/>
-    <p:sldId id="388" r:id="rId14"/>
-    <p:sldId id="383" r:id="rId15"/>
-    <p:sldId id="384" r:id="rId16"/>
-    <p:sldId id="393" r:id="rId17"/>
-    <p:sldId id="392" r:id="rId18"/>
-    <p:sldId id="381" r:id="rId19"/>
-    <p:sldId id="382" r:id="rId20"/>
+    <p:sldId id="310" r:id="rId4"/>
+    <p:sldId id="391" r:id="rId5"/>
+    <p:sldId id="356" r:id="rId6"/>
+    <p:sldId id="378" r:id="rId7"/>
+    <p:sldId id="379" r:id="rId8"/>
+    <p:sldId id="380" r:id="rId9"/>
+    <p:sldId id="390" r:id="rId10"/>
+    <p:sldId id="385" r:id="rId11"/>
+    <p:sldId id="394" r:id="rId12"/>
+    <p:sldId id="386" r:id="rId13"/>
+    <p:sldId id="387" r:id="rId14"/>
+    <p:sldId id="397" r:id="rId15"/>
+    <p:sldId id="388" r:id="rId16"/>
+    <p:sldId id="383" r:id="rId17"/>
+    <p:sldId id="384" r:id="rId18"/>
+    <p:sldId id="396" r:id="rId19"/>
+    <p:sldId id="395" r:id="rId20"/>
+    <p:sldId id="392" r:id="rId21"/>
+    <p:sldId id="393" r:id="rId22"/>
+    <p:sldId id="381" r:id="rId23"/>
+    <p:sldId id="382" r:id="rId24"/>
   </p:sldIdLst>
   <p:sldSz cx="12192000" cy="6858000"/>
   <p:notesSz cx="6858000" cy="9144000"/>
@@ -250,7 +254,7 @@
             <a:pPr rtl="0"/>
             <a:fld id="{444DDF42-EA81-4D58-9E48-71D338B26FAC}" type="datetime1">
               <a:rPr lang="it-IT" smtClean="0"/>
-              <a:t>16/09/2020</a:t>
+              <a:t>18/09/2020</a:t>
             </a:fld>
             <a:endParaRPr lang="it-IT" dirty="0"/>
           </a:p>
@@ -431,7 +435,7 @@
             <a:fld id="{FABFCAD0-C8D4-46EE-8714-3DAE081602B2}" type="datetime1">
               <a:rPr lang="it-IT" smtClean="0"/>
               <a:pPr/>
-              <a:t>16/09/2020</a:t>
+              <a:t>18/09/2020</a:t>
             </a:fld>
             <a:endParaRPr lang="it-IT" dirty="0"/>
           </a:p>
@@ -6520,12 +6524,43 @@
           <a:chExt cx="0" cy="0"/>
         </a:xfrm>
       </p:grpSpPr>
+      <p:pic>
+        <p:nvPicPr>
+          <p:cNvPr id="6" name="Segnaposto immagine 5" descr="Immagine che contiene interni, edificio, giallo, metallo&#10;&#10;Descrizione generata automaticamente">
+            <a:extLst>
+              <a:ext uri="{FF2B5EF4-FFF2-40B4-BE49-F238E27FC236}">
+                <a16:creationId xmlns:a16="http://schemas.microsoft.com/office/drawing/2014/main" id="{E63C5246-3650-4D64-B842-401AA4C2BF86}"/>
+              </a:ext>
+            </a:extLst>
+          </p:cNvPr>
+          <p:cNvPicPr>
+            <a:picLocks noGrp="1" noChangeAspect="1"/>
+          </p:cNvPicPr>
+          <p:nvPr>
+            <p:ph type="pic" sz="quarter" idx="13"/>
+          </p:nvPr>
+        </p:nvPicPr>
+        <p:blipFill>
+          <a:blip r:embed="rId2">
+            <a:extLst>
+              <a:ext uri="{28A0092B-C50C-407E-A947-70E740481C1C}">
+                <a14:useLocalDpi xmlns:a14="http://schemas.microsoft.com/office/drawing/2010/main" val="0"/>
+              </a:ext>
+            </a:extLst>
+          </a:blip>
+          <a:srcRect l="39252" r="39252"/>
+          <a:stretch>
+            <a:fillRect/>
+          </a:stretch>
+        </p:blipFill>
+        <p:spPr/>
+      </p:pic>
       <p:sp>
         <p:nvSpPr>
-          <p:cNvPr id="2" name="Titolo 1">
-            <a:extLst>
-              <a:ext uri="{FF2B5EF4-FFF2-40B4-BE49-F238E27FC236}">
-                <a16:creationId xmlns:a16="http://schemas.microsoft.com/office/drawing/2014/main" id="{AEA5083B-CC27-4F1C-AD03-E3DBEC1C9E78}"/>
+          <p:cNvPr id="3" name="Titolo 2">
+            <a:extLst>
+              <a:ext uri="{FF2B5EF4-FFF2-40B4-BE49-F238E27FC236}">
+                <a16:creationId xmlns:a16="http://schemas.microsoft.com/office/drawing/2014/main" id="{8CA3E6AF-9360-4700-9F73-9738B24E7EB2}"/>
               </a:ext>
             </a:extLst>
           </p:cNvPr>
@@ -6533,361 +6568,181 @@
             <a:spLocks noGrp="1"/>
           </p:cNvSpPr>
           <p:nvPr>
-            <p:ph type="title"/>
+            <p:ph type="ctrTitle"/>
           </p:nvPr>
         </p:nvSpPr>
         <p:spPr>
           <a:xfrm>
-            <a:off x="431999" y="413238"/>
-            <a:ext cx="9198117" cy="450762"/>
+            <a:off x="175505" y="4649177"/>
+            <a:ext cx="7124315" cy="1272229"/>
+          </a:xfrm>
+        </p:spPr>
+        <p:txBody>
+          <a:bodyPr/>
+          <a:lstStyle/>
+          <a:p>
+            <a:pPr>
+              <a:lnSpc>
+                <a:spcPct val="100000"/>
+              </a:lnSpc>
+            </a:pPr>
+            <a:r>
+              <a:rPr lang="en-US" sz="2800" dirty="0">
+                <a:solidFill>
+                  <a:schemeClr val="accent1"/>
+                </a:solidFill>
+              </a:rPr>
+              <a:t>Plans for improving </a:t>
+            </a:r>
+            <a:r>
+              <a:rPr lang="en-US" sz="2800" dirty="0" err="1">
+                <a:solidFill>
+                  <a:schemeClr val="accent1"/>
+                </a:solidFill>
+              </a:rPr>
+              <a:t>HPgTPC</a:t>
+            </a:r>
+            <a:r>
+              <a:rPr lang="en-US" sz="2800" dirty="0">
+                <a:solidFill>
+                  <a:schemeClr val="accent1"/>
+                </a:solidFill>
+              </a:rPr>
+              <a:t> tracking: </a:t>
+            </a:r>
+            <a:r>
+              <a:rPr lang="en-US" sz="2800" dirty="0">
+                <a:solidFill>
+                  <a:schemeClr val="accent6">
+                    <a:lumMod val="50000"/>
+                  </a:schemeClr>
+                </a:solidFill>
+              </a:rPr>
+              <a:t>revisiting </a:t>
+            </a:r>
+            <a:r>
+              <a:rPr lang="en-US" sz="2800" dirty="0" err="1">
+                <a:solidFill>
+                  <a:schemeClr val="accent6">
+                    <a:lumMod val="50000"/>
+                  </a:schemeClr>
+                </a:solidFill>
+              </a:rPr>
+              <a:t>LAr</a:t>
+            </a:r>
+            <a:r>
+              <a:rPr lang="en-US" sz="2800" dirty="0">
+                <a:solidFill>
+                  <a:schemeClr val="accent6">
+                    <a:lumMod val="50000"/>
+                  </a:schemeClr>
+                </a:solidFill>
+              </a:rPr>
+              <a:t>-to-</a:t>
+            </a:r>
+            <a:r>
+              <a:rPr lang="en-US" sz="2800" dirty="0" err="1">
+                <a:solidFill>
+                  <a:schemeClr val="accent6">
+                    <a:lumMod val="50000"/>
+                  </a:schemeClr>
+                </a:solidFill>
+              </a:rPr>
+              <a:t>GAr</a:t>
+            </a:r>
+            <a:r>
+              <a:rPr lang="en-US" sz="2800" dirty="0">
+                <a:solidFill>
+                  <a:schemeClr val="accent6">
+                    <a:lumMod val="50000"/>
+                  </a:schemeClr>
+                </a:solidFill>
+              </a:rPr>
+              <a:t> muon momentum reconstruction</a:t>
+            </a:r>
+            <a:endParaRPr lang="en-US" sz="2800" b="0" dirty="0">
+              <a:solidFill>
+                <a:schemeClr val="accent6">
+                  <a:lumMod val="50000"/>
+                </a:schemeClr>
+              </a:solidFill>
+            </a:endParaRPr>
+          </a:p>
+        </p:txBody>
+      </p:sp>
+      <p:sp>
+        <p:nvSpPr>
+          <p:cNvPr id="4" name="Sottotitolo 3">
+            <a:extLst>
+              <a:ext uri="{FF2B5EF4-FFF2-40B4-BE49-F238E27FC236}">
+                <a16:creationId xmlns:a16="http://schemas.microsoft.com/office/drawing/2014/main" id="{107FD5F3-D3C7-4065-BC7E-341307D67C99}"/>
+              </a:ext>
+            </a:extLst>
+          </p:cNvPr>
+          <p:cNvSpPr>
+            <a:spLocks noGrp="1"/>
+          </p:cNvSpPr>
+          <p:nvPr>
+            <p:ph type="subTitle" idx="1"/>
+          </p:nvPr>
+        </p:nvSpPr>
+        <p:spPr>
+          <a:xfrm>
+            <a:off x="8751949" y="4650538"/>
+            <a:ext cx="2211524" cy="1192039"/>
+          </a:xfrm>
+          <a:solidFill>
+            <a:schemeClr val="accent1">
+              <a:lumMod val="40000"/>
+              <a:lumOff val="60000"/>
+            </a:schemeClr>
+          </a:solidFill>
+        </p:spPr>
+        <p:txBody>
+          <a:bodyPr/>
+          <a:lstStyle/>
+          <a:p>
+            <a:r>
+              <a:rPr lang="it-IT" dirty="0"/>
+              <a:t>Presents:                    Federico Battisti</a:t>
+            </a:r>
+          </a:p>
+        </p:txBody>
+      </p:sp>
+      <p:pic>
+        <p:nvPicPr>
+          <p:cNvPr id="2" name="Picture 1">
+            <a:extLst>
+              <a:ext uri="{FF2B5EF4-FFF2-40B4-BE49-F238E27FC236}">
+                <a16:creationId xmlns:a16="http://schemas.microsoft.com/office/drawing/2014/main" id="{6B8F9D0A-6591-413D-BF47-95B4421337DF}"/>
+              </a:ext>
+            </a:extLst>
+          </p:cNvPr>
+          <p:cNvPicPr>
+            <a:picLocks noChangeAspect="1"/>
+          </p:cNvPicPr>
+          <p:nvPr/>
+        </p:nvPicPr>
+        <p:blipFill>
+          <a:blip r:embed="rId3"/>
+          <a:stretch>
+            <a:fillRect/>
+          </a:stretch>
+        </p:blipFill>
+        <p:spPr>
+          <a:xfrm>
+            <a:off x="7559909" y="4650539"/>
+            <a:ext cx="1192039" cy="1192039"/>
           </a:xfrm>
           <a:prstGeom prst="rect">
             <a:avLst/>
           </a:prstGeom>
         </p:spPr>
-        <p:txBody>
-          <a:bodyPr rtlCol="0" anchor="ctr">
-            <a:normAutofit/>
-          </a:bodyPr>
-          <a:lstStyle/>
-          <a:p>
-            <a:pPr rtl="0"/>
-            <a:r>
-              <a:rPr lang="it-IT" dirty="0"/>
-              <a:t>Immidiate goals</a:t>
-            </a:r>
-          </a:p>
-        </p:txBody>
-      </p:sp>
-      <mc:AlternateContent xmlns:mc="http://schemas.openxmlformats.org/markup-compatibility/2006">
-        <mc:Choice xmlns:a14="http://schemas.microsoft.com/office/drawing/2010/main" Requires="a14">
-          <p:sp>
-            <p:nvSpPr>
-              <p:cNvPr id="3" name="TextBox 2">
-                <a:extLst>
-                  <a:ext uri="{FF2B5EF4-FFF2-40B4-BE49-F238E27FC236}">
-                    <a16:creationId xmlns:a16="http://schemas.microsoft.com/office/drawing/2014/main" id="{EC437B08-CF6A-46CA-B5D9-F1267286FC73}"/>
-                  </a:ext>
-                </a:extLst>
-              </p:cNvPr>
-              <p:cNvSpPr txBox="1"/>
-              <p:nvPr/>
-            </p:nvSpPr>
-            <p:spPr>
-              <a:xfrm>
-                <a:off x="709585" y="1985495"/>
-                <a:ext cx="10772830" cy="2887009"/>
-              </a:xfrm>
-              <a:prstGeom prst="rect">
-                <a:avLst/>
-              </a:prstGeom>
-              <a:noFill/>
-            </p:spPr>
-            <p:txBody>
-              <a:bodyPr wrap="square" rtlCol="0">
-                <a:spAutoFit/>
-              </a:bodyPr>
-              <a:lstStyle/>
-              <a:p>
-                <a:pPr marL="285750" indent="-285750">
-                  <a:buFont typeface="Arial" panose="020B0604020202020204" pitchFamily="34" charset="0"/>
-                  <a:buChar char="•"/>
-                </a:pPr>
-                <a:r>
-                  <a:rPr lang="it-IT" sz="2000" dirty="0">
-                    <a:solidFill>
-                      <a:schemeClr val="tx1"/>
-                    </a:solidFill>
-                  </a:rPr>
-                  <a:t>The </a:t>
-                </a:r>
-                <a:r>
-                  <a:rPr lang="it-IT" sz="2000" dirty="0">
-                    <a:solidFill>
-                      <a:srgbClr val="FF0000"/>
-                    </a:solidFill>
-                  </a:rPr>
-                  <a:t>ND-GAr</a:t>
-                </a:r>
-                <a:r>
-                  <a:rPr lang="it-IT" sz="2000" dirty="0">
-                    <a:solidFill>
-                      <a:schemeClr val="tx1"/>
-                    </a:solidFill>
-                  </a:rPr>
-                  <a:t> </a:t>
-                </a:r>
-                <a:r>
-                  <a:rPr lang="it-IT" sz="2000" dirty="0">
-                    <a:solidFill>
-                      <a:srgbClr val="FF0000"/>
-                    </a:solidFill>
-                  </a:rPr>
-                  <a:t>tracking capabilities </a:t>
-                </a:r>
-                <a:r>
-                  <a:rPr lang="it-IT" sz="2000" dirty="0">
-                    <a:solidFill>
-                      <a:schemeClr val="tx1"/>
-                    </a:solidFill>
-                  </a:rPr>
-                  <a:t>need to be carefully studied and benchmarked</a:t>
-                </a:r>
-              </a:p>
-              <a:p>
-                <a:pPr marL="285750" indent="-285750">
-                  <a:buFont typeface="Arial" panose="020B0604020202020204" pitchFamily="34" charset="0"/>
-                  <a:buChar char="•"/>
-                </a:pPr>
-                <a:r>
-                  <a:rPr lang="it-IT" sz="2000" dirty="0">
-                    <a:solidFill>
-                      <a:schemeClr val="tx1"/>
-                    </a:solidFill>
-                  </a:rPr>
-                  <a:t>Specifically the </a:t>
-                </a:r>
-                <a:r>
-                  <a:rPr lang="it-IT" sz="2000" dirty="0">
-                    <a:solidFill>
-                      <a:srgbClr val="FF0000"/>
-                    </a:solidFill>
-                  </a:rPr>
-                  <a:t>momentum reconstruction algorithms</a:t>
-                </a:r>
-                <a:r>
-                  <a:rPr lang="it-IT" sz="2000" dirty="0">
-                    <a:solidFill>
-                      <a:schemeClr val="tx1"/>
-                    </a:solidFill>
-                  </a:rPr>
-                  <a:t>, involving </a:t>
-                </a:r>
-                <a:r>
-                  <a:rPr lang="it-IT" sz="2000" dirty="0">
-                    <a:solidFill>
-                      <a:srgbClr val="FF0000"/>
-                    </a:solidFill>
-                  </a:rPr>
-                  <a:t>extended Kalman filter</a:t>
-                </a:r>
-                <a:r>
-                  <a:rPr lang="it-IT" sz="2000" dirty="0">
-                    <a:solidFill>
-                      <a:schemeClr val="tx1"/>
-                    </a:solidFill>
-                  </a:rPr>
-                  <a:t>, need to be evaluated in their efficacy and potentially improved</a:t>
-                </a:r>
-              </a:p>
-              <a:p>
-                <a:pPr marL="285750" indent="-285750">
-                  <a:buFont typeface="Arial" panose="020B0604020202020204" pitchFamily="34" charset="0"/>
-                  <a:buChar char="•"/>
-                </a:pPr>
-                <a:r>
-                  <a:rPr lang="it-IT" sz="2000" dirty="0">
-                    <a:solidFill>
-                      <a:schemeClr val="tx1"/>
-                    </a:solidFill>
-                  </a:rPr>
-                  <a:t>The easiest sample to study for this purpose is the sample of </a:t>
-                </a:r>
-                <a:r>
-                  <a:rPr lang="it-IT" sz="2000" dirty="0">
-                    <a:solidFill>
-                      <a:srgbClr val="FF0000"/>
-                    </a:solidFill>
-                  </a:rPr>
-                  <a:t>muons produced in </a:t>
-                </a:r>
-                <a14:m>
-                  <m:oMath xmlns:m="http://schemas.openxmlformats.org/officeDocument/2006/math">
-                    <m:sSub>
-                      <m:sSubPr>
-                        <m:ctrlPr>
-                          <a:rPr lang="it-IT" sz="2000" b="0" i="1" smtClean="0">
-                            <a:solidFill>
-                              <a:srgbClr val="FF0000"/>
-                            </a:solidFill>
-                            <a:latin typeface="Cambria Math" panose="02040503050406030204" pitchFamily="18" charset="0"/>
-                          </a:rPr>
-                        </m:ctrlPr>
-                      </m:sSubPr>
-                      <m:e>
-                        <m:r>
-                          <a:rPr lang="it-IT" sz="2000" b="0" i="1" smtClean="0">
-                            <a:solidFill>
-                              <a:srgbClr val="FF0000"/>
-                            </a:solidFill>
-                            <a:latin typeface="Cambria Math" panose="02040503050406030204" pitchFamily="18" charset="0"/>
-                          </a:rPr>
-                          <m:t>𝜈</m:t>
-                        </m:r>
-                      </m:e>
-                      <m:sub>
-                        <m:r>
-                          <a:rPr lang="it-IT" sz="2000" b="0" i="1" smtClean="0">
-                            <a:solidFill>
-                              <a:srgbClr val="FF0000"/>
-                            </a:solidFill>
-                            <a:latin typeface="Cambria Math" panose="02040503050406030204" pitchFamily="18" charset="0"/>
-                          </a:rPr>
-                          <m:t>𝜇</m:t>
-                        </m:r>
-                      </m:sub>
-                    </m:sSub>
-                    <m:r>
-                      <a:rPr lang="it-IT" sz="2000" b="0" i="1" smtClean="0">
-                        <a:solidFill>
-                          <a:srgbClr val="FF0000"/>
-                        </a:solidFill>
-                        <a:latin typeface="Cambria Math" panose="02040503050406030204" pitchFamily="18" charset="0"/>
-                      </a:rPr>
-                      <m:t>(</m:t>
-                    </m:r>
-                    <m:r>
-                      <a:rPr lang="it-IT" sz="2000" b="0" i="1" smtClean="0">
-                        <a:solidFill>
-                          <a:srgbClr val="FF0000"/>
-                        </a:solidFill>
-                        <a:latin typeface="Cambria Math" panose="02040503050406030204" pitchFamily="18" charset="0"/>
-                      </a:rPr>
-                      <m:t>𝐶𝐶</m:t>
-                    </m:r>
-                    <m:r>
-                      <a:rPr lang="it-IT" sz="2000" b="0" i="1" smtClean="0">
-                        <a:solidFill>
-                          <a:srgbClr val="FF0000"/>
-                        </a:solidFill>
-                        <a:latin typeface="Cambria Math" panose="02040503050406030204" pitchFamily="18" charset="0"/>
-                      </a:rPr>
-                      <m:t>)</m:t>
-                    </m:r>
-                  </m:oMath>
-                </a14:m>
-                <a:r>
-                  <a:rPr lang="en-US" sz="2000" dirty="0">
-                    <a:solidFill>
-                      <a:srgbClr val="FF0000"/>
-                    </a:solidFill>
-                  </a:rPr>
-                  <a:t> interactions in the </a:t>
-                </a:r>
-                <a:r>
-                  <a:rPr lang="en-US" sz="2000" dirty="0" err="1">
-                    <a:solidFill>
-                      <a:srgbClr val="FF0000"/>
-                    </a:solidFill>
-                  </a:rPr>
-                  <a:t>ArgonCube</a:t>
-                </a:r>
-                <a:r>
-                  <a:rPr lang="en-US" sz="2000" dirty="0">
-                    <a:solidFill>
-                      <a:srgbClr val="FF0000"/>
-                    </a:solidFill>
-                  </a:rPr>
-                  <a:t> that then reach the Gas Argon TPC</a:t>
-                </a:r>
-              </a:p>
-              <a:p>
-                <a:pPr marL="285750" indent="-285750">
-                  <a:buFont typeface="Arial" panose="020B0604020202020204" pitchFamily="34" charset="0"/>
-                  <a:buChar char="•"/>
-                </a:pPr>
-                <a:r>
-                  <a:rPr lang="en-US" sz="2000" dirty="0"/>
-                  <a:t>In order to correctly evaluate ND-</a:t>
-                </a:r>
-                <a:r>
-                  <a:rPr lang="en-US" sz="2000" dirty="0" err="1"/>
-                  <a:t>GAr's</a:t>
-                </a:r>
-                <a:r>
-                  <a:rPr lang="en-US" sz="2000" dirty="0"/>
-                  <a:t> capability as a muon spectrometer of ND-</a:t>
-                </a:r>
-                <a:r>
-                  <a:rPr lang="en-US" sz="2000" dirty="0" err="1"/>
-                  <a:t>LAr</a:t>
-                </a:r>
-                <a:r>
-                  <a:rPr lang="en-US" sz="2000" dirty="0"/>
-                  <a:t>, the L-to-G propagation of tracks needs to be understood</a:t>
-                </a:r>
-                <a:endParaRPr lang="en-US" sz="2000" dirty="0">
-                  <a:solidFill>
-                    <a:schemeClr val="tx1"/>
-                  </a:solidFill>
-                </a:endParaRPr>
-              </a:p>
-              <a:p>
-                <a:pPr marL="285750" indent="-285750">
-                  <a:buFont typeface="Arial" panose="020B0604020202020204" pitchFamily="34" charset="0"/>
-                  <a:buChar char="•"/>
-                </a:pPr>
-                <a:r>
-                  <a:rPr lang="en-US" sz="2000" dirty="0">
-                    <a:solidFill>
-                      <a:schemeClr val="tx1"/>
-                    </a:solidFill>
-                  </a:rPr>
-                  <a:t>One of the first step in this endeavor would be to learn how these samples are produced by the experts and being able to reproduce them</a:t>
-                </a:r>
-              </a:p>
-            </p:txBody>
-          </p:sp>
-        </mc:Choice>
-        <mc:Fallback>
-          <p:sp>
-            <p:nvSpPr>
-              <p:cNvPr id="3" name="TextBox 2">
-                <a:extLst>
-                  <a:ext uri="{FF2B5EF4-FFF2-40B4-BE49-F238E27FC236}">
-                    <a16:creationId xmlns:a16="http://schemas.microsoft.com/office/drawing/2014/main" id="{EC437B08-CF6A-46CA-B5D9-F1267286FC73}"/>
-                  </a:ext>
-                </a:extLst>
-              </p:cNvPr>
-              <p:cNvSpPr txBox="1">
-                <a:spLocks noRot="1" noChangeAspect="1" noMove="1" noResize="1" noEditPoints="1" noAdjustHandles="1" noChangeArrowheads="1" noChangeShapeType="1" noTextEdit="1"/>
-              </p:cNvSpPr>
-              <p:nvPr/>
-            </p:nvSpPr>
-            <p:spPr>
-              <a:xfrm>
-                <a:off x="709585" y="1985495"/>
-                <a:ext cx="10772830" cy="2887009"/>
-              </a:xfrm>
-              <a:prstGeom prst="rect">
-                <a:avLst/>
-              </a:prstGeom>
-              <a:blipFill>
-                <a:blip r:embed="rId2"/>
-                <a:stretch>
-                  <a:fillRect l="-509" t="-1268" r="-57" b="-2960"/>
-                </a:stretch>
-              </a:blipFill>
-            </p:spPr>
-            <p:txBody>
-              <a:bodyPr/>
-              <a:lstStyle/>
-              <a:p>
-                <a:r>
-                  <a:rPr lang="en-US">
-                    <a:noFill/>
-                  </a:rPr>
-                  <a:t> </a:t>
-                </a:r>
-              </a:p>
-            </p:txBody>
-          </p:sp>
-        </mc:Fallback>
-      </mc:AlternateContent>
+      </p:pic>
     </p:spTree>
     <p:extLst>
       <p:ext uri="{BB962C8B-B14F-4D97-AF65-F5344CB8AC3E}">
-        <p14:creationId xmlns:p14="http://schemas.microsoft.com/office/powerpoint/2010/main" val="2999134951"/>
+        <p14:creationId xmlns:p14="http://schemas.microsoft.com/office/powerpoint/2010/main" val="1490867096"/>
       </p:ext>
     </p:extLst>
   </p:cSld>
@@ -6931,10 +6786,6 @@
           </p:nvPr>
         </p:nvSpPr>
         <p:spPr>
-          <a:xfrm>
-            <a:off x="431999" y="413238"/>
-            <a:ext cx="9198117" cy="450762"/>
-          </a:xfrm>
           <a:prstGeom prst="rect">
             <a:avLst/>
           </a:prstGeom>
@@ -6948,7 +6799,7 @@
             <a:pPr rtl="0"/>
             <a:r>
               <a:rPr lang="it-IT" dirty="0"/>
-              <a:t>ENERGY LOSS as a function ofINITIAL MOMENTUM</a:t>
+              <a:t>ENERGY LOSS as a function of INITIAL MOMENTUM</a:t>
             </a:r>
           </a:p>
         </p:txBody>
@@ -6970,10 +6821,6 @@
           </p:nvPr>
         </p:nvSpPr>
         <p:spPr>
-          <a:xfrm>
-            <a:off x="11772820" y="6032417"/>
-            <a:ext cx="278418" cy="274324"/>
-          </a:xfrm>
           <a:prstGeom prst="rect">
             <a:avLst/>
           </a:prstGeom>
@@ -7002,6 +6849,151 @@
           </a:p>
         </p:txBody>
       </p:sp>
+      <p:sp>
+        <p:nvSpPr>
+          <p:cNvPr id="3" name="TextBox 2">
+            <a:extLst>
+              <a:ext uri="{FF2B5EF4-FFF2-40B4-BE49-F238E27FC236}">
+                <a16:creationId xmlns:a16="http://schemas.microsoft.com/office/drawing/2014/main" id="{EC437B08-CF6A-46CA-B5D9-F1267286FC73}"/>
+              </a:ext>
+            </a:extLst>
+          </p:cNvPr>
+          <p:cNvSpPr txBox="1"/>
+          <p:nvPr/>
+        </p:nvSpPr>
+        <p:spPr>
+          <a:xfrm>
+            <a:off x="421912" y="953123"/>
+            <a:ext cx="11340822" cy="369332"/>
+          </a:xfrm>
+          <a:prstGeom prst="rect">
+            <a:avLst/>
+          </a:prstGeom>
+          <a:noFill/>
+        </p:spPr>
+        <p:txBody>
+          <a:bodyPr wrap="square" rtlCol="0">
+            <a:spAutoFit/>
+          </a:bodyPr>
+          <a:lstStyle/>
+          <a:p>
+            <a:pPr marL="285750" indent="-285750">
+              <a:buFont typeface="Arial" panose="020B0604020202020204" pitchFamily="34" charset="0"/>
+              <a:buChar char="•"/>
+            </a:pPr>
+            <a:r>
+              <a:rPr lang="it-IT" dirty="0"/>
+              <a:t>We then take the MPV for each distribution and plot them them as a function of initial momentum</a:t>
+            </a:r>
+            <a:endParaRPr lang="en-US" dirty="0"/>
+          </a:p>
+        </p:txBody>
+      </p:sp>
+      <p:pic>
+        <p:nvPicPr>
+          <p:cNvPr id="7" name="Picture 6" descr="A screenshot of a cell phone&#10;&#10;Description automatically generated">
+            <a:extLst>
+              <a:ext uri="{FF2B5EF4-FFF2-40B4-BE49-F238E27FC236}">
+                <a16:creationId xmlns:a16="http://schemas.microsoft.com/office/drawing/2014/main" id="{300DEB47-2D3D-4AC2-8171-1910FE60FBC4}"/>
+              </a:ext>
+            </a:extLst>
+          </p:cNvPr>
+          <p:cNvPicPr>
+            <a:picLocks noChangeAspect="1"/>
+          </p:cNvPicPr>
+          <p:nvPr/>
+        </p:nvPicPr>
+        <p:blipFill>
+          <a:blip r:embed="rId2">
+            <a:extLst>
+              <a:ext uri="{28A0092B-C50C-407E-A947-70E740481C1C}">
+                <a14:useLocalDpi xmlns:a14="http://schemas.microsoft.com/office/drawing/2010/main" val="0"/>
+              </a:ext>
+            </a:extLst>
+          </a:blip>
+          <a:stretch>
+            <a:fillRect/>
+          </a:stretch>
+        </p:blipFill>
+        <p:spPr>
+          <a:xfrm>
+            <a:off x="2828153" y="1495826"/>
+            <a:ext cx="6528339" cy="5063061"/>
+          </a:xfrm>
+          <a:prstGeom prst="rect">
+            <a:avLst/>
+          </a:prstGeom>
+        </p:spPr>
+      </p:pic>
+    </p:spTree>
+    <p:extLst>
+      <p:ext uri="{BB962C8B-B14F-4D97-AF65-F5344CB8AC3E}">
+        <p14:creationId xmlns:p14="http://schemas.microsoft.com/office/powerpoint/2010/main" val="3360979172"/>
+      </p:ext>
+    </p:extLst>
+  </p:cSld>
+  <p:clrMapOvr>
+    <a:masterClrMapping/>
+  </p:clrMapOvr>
+</p:sld>
+</file>
+
+<file path=ppt/slides/slide11.xml><?xml version="1.0" encoding="utf-8"?>
+<p:sld xmlns:a="http://schemas.openxmlformats.org/drawingml/2006/main" xmlns:r="http://schemas.openxmlformats.org/officeDocument/2006/relationships" xmlns:p="http://schemas.openxmlformats.org/presentationml/2006/main">
+  <p:cSld>
+    <p:spTree>
+      <p:nvGrpSpPr>
+        <p:cNvPr id="1" name=""/>
+        <p:cNvGrpSpPr/>
+        <p:nvPr/>
+      </p:nvGrpSpPr>
+      <p:grpSpPr>
+        <a:xfrm>
+          <a:off x="0" y="0"/>
+          <a:ext cx="0" cy="0"/>
+          <a:chOff x="0" y="0"/>
+          <a:chExt cx="0" cy="0"/>
+        </a:xfrm>
+      </p:grpSpPr>
+      <p:sp>
+        <p:nvSpPr>
+          <p:cNvPr id="2" name="Titolo 1">
+            <a:extLst>
+              <a:ext uri="{FF2B5EF4-FFF2-40B4-BE49-F238E27FC236}">
+                <a16:creationId xmlns:a16="http://schemas.microsoft.com/office/drawing/2014/main" id="{AEA5083B-CC27-4F1C-AD03-E3DBEC1C9E78}"/>
+              </a:ext>
+            </a:extLst>
+          </p:cNvPr>
+          <p:cNvSpPr>
+            <a:spLocks noGrp="1"/>
+          </p:cNvSpPr>
+          <p:nvPr>
+            <p:ph type="title"/>
+          </p:nvPr>
+        </p:nvSpPr>
+        <p:spPr>
+          <a:xfrm>
+            <a:off x="431999" y="413238"/>
+            <a:ext cx="10376678" cy="450762"/>
+          </a:xfrm>
+          <a:prstGeom prst="rect">
+            <a:avLst/>
+          </a:prstGeom>
+        </p:spPr>
+        <p:txBody>
+          <a:bodyPr rtlCol="0" anchor="ctr">
+            <a:normAutofit/>
+          </a:bodyPr>
+          <a:lstStyle/>
+          <a:p>
+            <a:pPr rtl="0"/>
+            <a:r>
+              <a:rPr lang="it-IT" dirty="0"/>
+              <a:t>ENERGY LOSS as a function of traversed material</a:t>
+            </a:r>
+          </a:p>
+        </p:txBody>
+      </p:sp>
       <mc:AlternateContent xmlns:mc="http://schemas.openxmlformats.org/markup-compatibility/2006">
         <mc:Choice xmlns:a14="http://schemas.microsoft.com/office/drawing/2010/main" Requires="a14">
           <p:sp>
@@ -7010,6 +7002,536 @@
                 <a:extLst>
                   <a:ext uri="{FF2B5EF4-FFF2-40B4-BE49-F238E27FC236}">
                     <a16:creationId xmlns:a16="http://schemas.microsoft.com/office/drawing/2014/main" id="{EC437B08-CF6A-46CA-B5D9-F1267286FC73}"/>
+                  </a:ext>
+                </a:extLst>
+              </p:cNvPr>
+              <p:cNvSpPr txBox="1"/>
+              <p:nvPr/>
+            </p:nvSpPr>
+            <p:spPr>
+              <a:xfrm>
+                <a:off x="950857" y="2305615"/>
+                <a:ext cx="10290286" cy="2246769"/>
+              </a:xfrm>
+              <a:prstGeom prst="rect">
+                <a:avLst/>
+              </a:prstGeom>
+              <a:noFill/>
+            </p:spPr>
+            <p:txBody>
+              <a:bodyPr wrap="square" rtlCol="0">
+                <a:spAutoFit/>
+              </a:bodyPr>
+              <a:lstStyle/>
+              <a:p>
+                <a:pPr marL="342900" indent="-342900">
+                  <a:buSzPct val="100000"/>
+                  <a:buFont typeface="Times New Roman" panose="02020603050405020304" pitchFamily="18" charset="0"/>
+                  <a:buChar char="•"/>
+                </a:pPr>
+                <a:r>
+                  <a:rPr lang="it-IT" sz="2000" dirty="0"/>
+                  <a:t>We then wanted to study the difference in </a:t>
+                </a:r>
+                <a:r>
+                  <a:rPr lang="it-IT" sz="2000" dirty="0">
+                    <a:solidFill>
+                      <a:srgbClr val="FF0000"/>
+                    </a:solidFill>
+                  </a:rPr>
+                  <a:t>muon energy loss </a:t>
+                </a:r>
+                <a14:m>
+                  <m:oMath xmlns:m="http://schemas.openxmlformats.org/officeDocument/2006/math">
+                    <m:r>
+                      <m:rPr>
+                        <m:sty m:val="p"/>
+                      </m:rPr>
+                      <a:rPr lang="it-IT" sz="2000" b="0" i="0" smtClean="0">
+                        <a:solidFill>
+                          <a:srgbClr val="FF0000"/>
+                        </a:solidFill>
+                        <a:latin typeface="Cambria Math" panose="02040503050406030204" pitchFamily="18" charset="0"/>
+                      </a:rPr>
+                      <m:t>Δ</m:t>
+                    </m:r>
+                    <m:r>
+                      <a:rPr lang="it-IT" sz="2000" b="0" i="1" smtClean="0">
+                        <a:solidFill>
+                          <a:srgbClr val="FF0000"/>
+                        </a:solidFill>
+                        <a:latin typeface="Cambria Math" panose="02040503050406030204" pitchFamily="18" charset="0"/>
+                      </a:rPr>
+                      <m:t>𝐸</m:t>
+                    </m:r>
+                    <m:r>
+                      <a:rPr lang="it-IT" sz="2000" b="0" i="1" smtClean="0">
+                        <a:solidFill>
+                          <a:srgbClr val="FF0000"/>
+                        </a:solidFill>
+                        <a:latin typeface="Cambria Math" panose="02040503050406030204" pitchFamily="18" charset="0"/>
+                      </a:rPr>
+                      <m:t>(</m:t>
+                    </m:r>
+                    <m:r>
+                      <m:rPr>
+                        <m:sty m:val="p"/>
+                      </m:rPr>
+                      <a:rPr lang="it-IT" sz="2000" b="0" i="1" smtClean="0">
+                        <a:solidFill>
+                          <a:srgbClr val="FF0000"/>
+                        </a:solidFill>
+                        <a:latin typeface="Cambria Math" panose="02040503050406030204" pitchFamily="18" charset="0"/>
+                      </a:rPr>
+                      <m:t>GeV</m:t>
+                    </m:r>
+                    <m:r>
+                      <a:rPr lang="it-IT" sz="2000" b="0" i="1" smtClean="0">
+                        <a:solidFill>
+                          <a:srgbClr val="FF0000"/>
+                        </a:solidFill>
+                        <a:latin typeface="Cambria Math" panose="02040503050406030204" pitchFamily="18" charset="0"/>
+                      </a:rPr>
+                      <m:t>)</m:t>
+                    </m:r>
+                  </m:oMath>
+                </a14:m>
+                <a:r>
+                  <a:rPr lang="it-IT" sz="2000" dirty="0"/>
+                  <a:t> </a:t>
+                </a:r>
+                <a:r>
+                  <a:rPr lang="it-IT" sz="2000" dirty="0">
+                    <a:solidFill>
+                      <a:srgbClr val="FF0000"/>
+                    </a:solidFill>
+                  </a:rPr>
+                  <a:t>as a function of the amount of traversed ECAL material</a:t>
+                </a:r>
+                <a:r>
+                  <a:rPr lang="it-IT" sz="2000" dirty="0"/>
+                  <a:t>.</a:t>
+                </a:r>
+              </a:p>
+              <a:p>
+                <a:pPr marL="285750" indent="-285750">
+                  <a:buFont typeface="Arial" panose="020B0604020202020204" pitchFamily="34" charset="0"/>
+                  <a:buChar char="•"/>
+                </a:pPr>
+                <a:r>
+                  <a:rPr lang="it-IT" sz="2000" dirty="0"/>
+                  <a:t> The most immidiate way to do it was to produce upstream muon samples (z=-500cm), whose initial momentum formed an </a:t>
+                </a:r>
+                <a:r>
+                  <a:rPr lang="it-IT" sz="2000" dirty="0">
+                    <a:solidFill>
+                      <a:srgbClr val="FF0000"/>
+                    </a:solidFill>
+                  </a:rPr>
+                  <a:t>increasingly larger angle with the z axis</a:t>
+                </a:r>
+                <a:r>
+                  <a:rPr lang="it-IT" sz="2000" dirty="0"/>
+                  <a:t>. </a:t>
+                </a:r>
+              </a:p>
+              <a:p>
+                <a:pPr marL="285750" indent="-285750">
+                  <a:buFont typeface="Arial" panose="020B0604020202020204" pitchFamily="34" charset="0"/>
+                  <a:buChar char="•"/>
+                </a:pPr>
+                <a:r>
+                  <a:rPr lang="it-IT" sz="2000" dirty="0"/>
+                  <a:t>Specifically I added a small px component, so that the particles formed angles uniformily distributed in </a:t>
+                </a:r>
+                <a:r>
+                  <a:rPr lang="it-IT" sz="2000" dirty="0">
+                    <a:solidFill>
+                      <a:srgbClr val="FF0000"/>
+                    </a:solidFill>
+                  </a:rPr>
+                  <a:t>spans of </a:t>
+                </a:r>
+                <a14:m>
+                  <m:oMath xmlns:m="http://schemas.openxmlformats.org/officeDocument/2006/math">
+                    <m:sSup>
+                      <m:sSupPr>
+                        <m:ctrlPr>
+                          <a:rPr lang="it-IT" sz="2000" b="0" i="1" smtClean="0">
+                            <a:solidFill>
+                              <a:srgbClr val="FF0000"/>
+                            </a:solidFill>
+                            <a:latin typeface="Cambria Math" panose="02040503050406030204" pitchFamily="18" charset="0"/>
+                          </a:rPr>
+                        </m:ctrlPr>
+                      </m:sSupPr>
+                      <m:e>
+                        <m:r>
+                          <a:rPr lang="it-IT" sz="2000" b="0" i="1" smtClean="0">
+                            <a:solidFill>
+                              <a:srgbClr val="FF0000"/>
+                            </a:solidFill>
+                            <a:latin typeface="Cambria Math" panose="02040503050406030204" pitchFamily="18" charset="0"/>
+                          </a:rPr>
+                          <m:t>5</m:t>
+                        </m:r>
+                      </m:e>
+                      <m:sup>
+                        <m:r>
+                          <a:rPr lang="it-IT" sz="2000" b="0" i="1" smtClean="0">
+                            <a:solidFill>
+                              <a:srgbClr val="FF0000"/>
+                            </a:solidFill>
+                            <a:latin typeface="Cambria Math" panose="02040503050406030204" pitchFamily="18" charset="0"/>
+                          </a:rPr>
+                          <m:t>∘</m:t>
+                        </m:r>
+                      </m:sup>
+                    </m:sSup>
+                  </m:oMath>
+                </a14:m>
+                <a:r>
+                  <a:rPr lang="it-IT" sz="2000" dirty="0">
+                    <a:solidFill>
+                      <a:srgbClr val="FF0000"/>
+                    </a:solidFill>
+                  </a:rPr>
+                  <a:t> from </a:t>
+                </a:r>
+                <a14:m>
+                  <m:oMath xmlns:m="http://schemas.openxmlformats.org/officeDocument/2006/math">
+                    <m:sSup>
+                      <m:sSupPr>
+                        <m:ctrlPr>
+                          <a:rPr lang="it-IT" sz="2000" i="1">
+                            <a:solidFill>
+                              <a:srgbClr val="FF0000"/>
+                            </a:solidFill>
+                            <a:latin typeface="Cambria Math" panose="02040503050406030204" pitchFamily="18" charset="0"/>
+                          </a:rPr>
+                        </m:ctrlPr>
+                      </m:sSupPr>
+                      <m:e>
+                        <m:r>
+                          <a:rPr lang="it-IT" sz="2000" b="0" i="1" smtClean="0">
+                            <a:solidFill>
+                              <a:srgbClr val="FF0000"/>
+                            </a:solidFill>
+                            <a:latin typeface="Cambria Math" panose="02040503050406030204" pitchFamily="18" charset="0"/>
+                          </a:rPr>
+                          <m:t>0</m:t>
+                        </m:r>
+                      </m:e>
+                      <m:sup>
+                        <m:r>
+                          <a:rPr lang="it-IT" sz="2000" i="1">
+                            <a:solidFill>
+                              <a:srgbClr val="FF0000"/>
+                            </a:solidFill>
+                            <a:latin typeface="Cambria Math" panose="02040503050406030204" pitchFamily="18" charset="0"/>
+                          </a:rPr>
+                          <m:t>∘</m:t>
+                        </m:r>
+                      </m:sup>
+                    </m:sSup>
+                  </m:oMath>
+                </a14:m>
+                <a:r>
+                  <a:rPr lang="it-IT" sz="2000" dirty="0">
+                    <a:solidFill>
+                      <a:srgbClr val="FF0000"/>
+                    </a:solidFill>
+                  </a:rPr>
+                  <a:t> to </a:t>
+                </a:r>
+                <a14:m>
+                  <m:oMath xmlns:m="http://schemas.openxmlformats.org/officeDocument/2006/math">
+                    <m:sSup>
+                      <m:sSupPr>
+                        <m:ctrlPr>
+                          <a:rPr lang="it-IT" sz="2000" i="1">
+                            <a:solidFill>
+                              <a:srgbClr val="FF0000"/>
+                            </a:solidFill>
+                            <a:latin typeface="Cambria Math" panose="02040503050406030204" pitchFamily="18" charset="0"/>
+                          </a:rPr>
+                        </m:ctrlPr>
+                      </m:sSupPr>
+                      <m:e>
+                        <m:r>
+                          <a:rPr lang="it-IT" sz="2000" b="0" i="1" smtClean="0">
+                            <a:solidFill>
+                              <a:srgbClr val="FF0000"/>
+                            </a:solidFill>
+                            <a:latin typeface="Cambria Math" panose="02040503050406030204" pitchFamily="18" charset="0"/>
+                          </a:rPr>
+                          <m:t>25</m:t>
+                        </m:r>
+                      </m:e>
+                      <m:sup>
+                        <m:r>
+                          <a:rPr lang="it-IT" sz="2000" i="1">
+                            <a:solidFill>
+                              <a:srgbClr val="FF0000"/>
+                            </a:solidFill>
+                            <a:latin typeface="Cambria Math" panose="02040503050406030204" pitchFamily="18" charset="0"/>
+                          </a:rPr>
+                          <m:t>∘</m:t>
+                        </m:r>
+                      </m:sup>
+                    </m:sSup>
+                  </m:oMath>
+                </a14:m>
+                <a:endParaRPr lang="it-IT" sz="2000" dirty="0"/>
+              </a:p>
+              <a:p>
+                <a:pPr marL="285750" indent="-285750">
+                  <a:buFont typeface="Arial" panose="020B0604020202020204" pitchFamily="34" charset="0"/>
+                  <a:buChar char="•"/>
+                </a:pPr>
+                <a:r>
+                  <a:rPr lang="en-US" sz="2000" dirty="0"/>
+                  <a:t>Each sample contained 1000 muons having a total initial momentum of 3 GeV</a:t>
+                </a:r>
+              </a:p>
+            </p:txBody>
+          </p:sp>
+        </mc:Choice>
+        <mc:Fallback>
+          <p:sp>
+            <p:nvSpPr>
+              <p:cNvPr id="3" name="TextBox 2">
+                <a:extLst>
+                  <a:ext uri="{FF2B5EF4-FFF2-40B4-BE49-F238E27FC236}">
+                    <a16:creationId xmlns:a16="http://schemas.microsoft.com/office/drawing/2014/main" id="{EC437B08-CF6A-46CA-B5D9-F1267286FC73}"/>
+                  </a:ext>
+                </a:extLst>
+              </p:cNvPr>
+              <p:cNvSpPr txBox="1">
+                <a:spLocks noRot="1" noChangeAspect="1" noMove="1" noResize="1" noEditPoints="1" noAdjustHandles="1" noChangeArrowheads="1" noChangeShapeType="1" noTextEdit="1"/>
+              </p:cNvSpPr>
+              <p:nvPr/>
+            </p:nvSpPr>
+            <p:spPr>
+              <a:xfrm>
+                <a:off x="950857" y="2305615"/>
+                <a:ext cx="10290286" cy="2246769"/>
+              </a:xfrm>
+              <a:prstGeom prst="rect">
+                <a:avLst/>
+              </a:prstGeom>
+              <a:blipFill>
+                <a:blip r:embed="rId2"/>
+                <a:stretch>
+                  <a:fillRect l="-533" t="-1355" b="-3794"/>
+                </a:stretch>
+              </a:blipFill>
+            </p:spPr>
+            <p:txBody>
+              <a:bodyPr/>
+              <a:lstStyle/>
+              <a:p>
+                <a:r>
+                  <a:rPr lang="en-US">
+                    <a:noFill/>
+                  </a:rPr>
+                  <a:t> </a:t>
+                </a:r>
+              </a:p>
+            </p:txBody>
+          </p:sp>
+        </mc:Fallback>
+      </mc:AlternateContent>
+      <p:sp>
+        <p:nvSpPr>
+          <p:cNvPr id="4" name="Slide Number Placeholder 4">
+            <a:extLst>
+              <a:ext uri="{FF2B5EF4-FFF2-40B4-BE49-F238E27FC236}">
+                <a16:creationId xmlns:a16="http://schemas.microsoft.com/office/drawing/2014/main" id="{1CA0F97A-FAF9-4C54-9DB3-55E88ED769CF}"/>
+              </a:ext>
+            </a:extLst>
+          </p:cNvPr>
+          <p:cNvSpPr>
+            <a:spLocks noGrp="1"/>
+          </p:cNvSpPr>
+          <p:nvPr>
+            <p:ph type="sldNum" sz="quarter" idx="33"/>
+          </p:nvPr>
+        </p:nvSpPr>
+        <p:spPr>
+          <a:xfrm>
+            <a:off x="11772820" y="6401750"/>
+            <a:ext cx="278418" cy="274324"/>
+          </a:xfrm>
+        </p:spPr>
+        <p:txBody>
+          <a:bodyPr/>
+          <a:lstStyle/>
+          <a:p>
+            <a:pPr rtl="0"/>
+            <a:fld id="{19B51A1E-902D-48AF-9020-955120F399B6}" type="slidenum">
+              <a:rPr lang="it-IT" smtClean="0"/>
+              <a:pPr rtl="0"/>
+              <a:t>11</a:t>
+            </a:fld>
+            <a:endParaRPr lang="it-IT" dirty="0"/>
+          </a:p>
+        </p:txBody>
+      </p:sp>
+    </p:spTree>
+    <p:extLst>
+      <p:ext uri="{BB962C8B-B14F-4D97-AF65-F5344CB8AC3E}">
+        <p14:creationId xmlns:p14="http://schemas.microsoft.com/office/powerpoint/2010/main" val="371137732"/>
+      </p:ext>
+    </p:extLst>
+  </p:cSld>
+  <p:clrMapOvr>
+    <a:masterClrMapping/>
+  </p:clrMapOvr>
+</p:sld>
+</file>
+
+<file path=ppt/slides/slide12.xml><?xml version="1.0" encoding="utf-8"?>
+<p:sld xmlns:a="http://schemas.openxmlformats.org/drawingml/2006/main" xmlns:r="http://schemas.openxmlformats.org/officeDocument/2006/relationships" xmlns:p="http://schemas.openxmlformats.org/presentationml/2006/main">
+  <p:cSld>
+    <p:spTree>
+      <p:nvGrpSpPr>
+        <p:cNvPr id="1" name=""/>
+        <p:cNvGrpSpPr/>
+        <p:nvPr/>
+      </p:nvGrpSpPr>
+      <p:grpSpPr>
+        <a:xfrm>
+          <a:off x="0" y="0"/>
+          <a:ext cx="0" cy="0"/>
+          <a:chOff x="0" y="0"/>
+          <a:chExt cx="0" cy="0"/>
+        </a:xfrm>
+      </p:grpSpPr>
+      <p:sp>
+        <p:nvSpPr>
+          <p:cNvPr id="5" name="Slide Number Placeholder 4">
+            <a:extLst>
+              <a:ext uri="{FF2B5EF4-FFF2-40B4-BE49-F238E27FC236}">
+                <a16:creationId xmlns:a16="http://schemas.microsoft.com/office/drawing/2014/main" id="{70908AB7-82F0-4EBB-B3B6-3D2E21EDA9F2}"/>
+              </a:ext>
+            </a:extLst>
+          </p:cNvPr>
+          <p:cNvSpPr>
+            <a:spLocks noGrp="1"/>
+          </p:cNvSpPr>
+          <p:nvPr>
+            <p:ph type="sldNum" sz="quarter" idx="33"/>
+          </p:nvPr>
+        </p:nvSpPr>
+        <p:spPr/>
+        <p:txBody>
+          <a:bodyPr/>
+          <a:lstStyle/>
+          <a:p>
+            <a:pPr rtl="0"/>
+            <a:fld id="{19B51A1E-902D-48AF-9020-955120F399B6}" type="slidenum">
+              <a:rPr lang="it-IT" smtClean="0"/>
+              <a:pPr rtl="0"/>
+              <a:t>12</a:t>
+            </a:fld>
+            <a:endParaRPr lang="it-IT" dirty="0"/>
+          </a:p>
+        </p:txBody>
+      </p:sp>
+      <p:sp>
+        <p:nvSpPr>
+          <p:cNvPr id="23" name="Title 22">
+            <a:extLst>
+              <a:ext uri="{FF2B5EF4-FFF2-40B4-BE49-F238E27FC236}">
+                <a16:creationId xmlns:a16="http://schemas.microsoft.com/office/drawing/2014/main" id="{8511BD0C-FA90-4E19-A12F-A3EB6A499E9F}"/>
+              </a:ext>
+            </a:extLst>
+          </p:cNvPr>
+          <p:cNvSpPr>
+            <a:spLocks noGrp="1"/>
+          </p:cNvSpPr>
+          <p:nvPr>
+            <p:ph type="title"/>
+          </p:nvPr>
+        </p:nvSpPr>
+        <p:spPr>
+          <a:xfrm>
+            <a:off x="431999" y="413238"/>
+            <a:ext cx="10845601" cy="450762"/>
+          </a:xfrm>
+        </p:spPr>
+        <p:txBody>
+          <a:bodyPr/>
+          <a:lstStyle/>
+          <a:p>
+            <a:r>
+              <a:rPr lang="it-IT" dirty="0"/>
+              <a:t>ENERGY LOSS AS A FUNCTION OF traversed material</a:t>
+            </a:r>
+            <a:endParaRPr lang="en-US" dirty="0"/>
+          </a:p>
+        </p:txBody>
+      </p:sp>
+      <p:sp>
+        <p:nvSpPr>
+          <p:cNvPr id="24" name="Titolo 1">
+            <a:extLst>
+              <a:ext uri="{FF2B5EF4-FFF2-40B4-BE49-F238E27FC236}">
+                <a16:creationId xmlns:a16="http://schemas.microsoft.com/office/drawing/2014/main" id="{4290F780-8B7C-4E7D-BDA9-7F311380FFDA}"/>
+              </a:ext>
+            </a:extLst>
+          </p:cNvPr>
+          <p:cNvSpPr txBox="1">
+            <a:spLocks/>
+          </p:cNvSpPr>
+          <p:nvPr/>
+        </p:nvSpPr>
+        <p:spPr>
+          <a:xfrm>
+            <a:off x="2362399" y="819463"/>
+            <a:ext cx="9198117" cy="450762"/>
+          </a:xfrm>
+          <a:prstGeom prst="rect">
+            <a:avLst/>
+          </a:prstGeom>
+        </p:spPr>
+        <p:txBody>
+          <a:bodyPr vert="horz" lIns="0" tIns="0" rIns="0" bIns="0" rtlCol="0" anchor="ctr">
+            <a:normAutofit/>
+          </a:bodyPr>
+          <a:lstStyle>
+            <a:lvl1pPr algn="l" defTabSz="914400" rtl="0" eaLnBrk="1" latinLnBrk="0" hangingPunct="1">
+              <a:lnSpc>
+                <a:spcPct val="90000"/>
+              </a:lnSpc>
+              <a:spcBef>
+                <a:spcPct val="0"/>
+              </a:spcBef>
+              <a:buNone/>
+              <a:defRPr sz="2800" b="1" kern="1200" cap="all" spc="-150" baseline="0">
+                <a:solidFill>
+                  <a:schemeClr val="tx1"/>
+                </a:solidFill>
+                <a:latin typeface="+mj-lt"/>
+                <a:ea typeface="+mj-ea"/>
+                <a:cs typeface="+mj-cs"/>
+              </a:defRPr>
+            </a:lvl1pPr>
+          </a:lstStyle>
+          <a:p>
+            <a:endParaRPr lang="it-IT" dirty="0"/>
+          </a:p>
+        </p:txBody>
+      </p:sp>
+      <mc:AlternateContent xmlns:mc="http://schemas.openxmlformats.org/markup-compatibility/2006">
+        <mc:Choice xmlns:a14="http://schemas.microsoft.com/office/drawing/2010/main" Requires="a14">
+          <p:sp>
+            <p:nvSpPr>
+              <p:cNvPr id="26" name="TextBox 25">
+                <a:extLst>
+                  <a:ext uri="{FF2B5EF4-FFF2-40B4-BE49-F238E27FC236}">
+                    <a16:creationId xmlns:a16="http://schemas.microsoft.com/office/drawing/2014/main" id="{AF60DF95-11C4-4A97-9C20-CD9885A9E1BF}"/>
                   </a:ext>
                 </a:extLst>
               </p:cNvPr>
@@ -7088,10 +7610,10 @@
         <mc:Fallback>
           <p:sp>
             <p:nvSpPr>
-              <p:cNvPr id="3" name="TextBox 2">
+              <p:cNvPr id="26" name="TextBox 25">
                 <a:extLst>
                   <a:ext uri="{FF2B5EF4-FFF2-40B4-BE49-F238E27FC236}">
-                    <a16:creationId xmlns:a16="http://schemas.microsoft.com/office/drawing/2014/main" id="{EC437B08-CF6A-46CA-B5D9-F1267286FC73}"/>
+                    <a16:creationId xmlns:a16="http://schemas.microsoft.com/office/drawing/2014/main" id="{AF60DF95-11C4-4A97-9C20-CD9885A9E1BF}"/>
                   </a:ext>
                 </a:extLst>
               </p:cNvPr>
@@ -7132,10 +7654,10 @@
       </mc:AlternateContent>
       <p:pic>
         <p:nvPicPr>
-          <p:cNvPr id="7" name="Picture 6" descr="A close up of text on a white background&#10;&#10;Description automatically generated">
-            <a:extLst>
-              <a:ext uri="{FF2B5EF4-FFF2-40B4-BE49-F238E27FC236}">
-                <a16:creationId xmlns:a16="http://schemas.microsoft.com/office/drawing/2014/main" id="{98DF8A32-72A7-46D8-A3F2-5956290ACDDB}"/>
+          <p:cNvPr id="27" name="Picture 26" descr="A close up of text on a white background&#10;&#10;Description automatically generated">
+            <a:extLst>
+              <a:ext uri="{FF2B5EF4-FFF2-40B4-BE49-F238E27FC236}">
+                <a16:creationId xmlns:a16="http://schemas.microsoft.com/office/drawing/2014/main" id="{9CFCC6F1-BC8C-4677-B07C-1ED292D1F1E3}"/>
               </a:ext>
             </a:extLst>
           </p:cNvPr>
@@ -7158,7 +7680,7 @@
         </p:blipFill>
         <p:spPr>
           <a:xfrm>
-            <a:off x="1865198" y="1593241"/>
+            <a:off x="1535962" y="1575392"/>
             <a:ext cx="2911772" cy="2258228"/>
           </a:xfrm>
           <a:prstGeom prst="rect">
@@ -7168,10 +7690,10 @@
       </p:pic>
       <p:pic>
         <p:nvPicPr>
-          <p:cNvPr id="9" name="Picture 8" descr="A close up of text on a white background&#10;&#10;Description automatically generated">
-            <a:extLst>
-              <a:ext uri="{FF2B5EF4-FFF2-40B4-BE49-F238E27FC236}">
-                <a16:creationId xmlns:a16="http://schemas.microsoft.com/office/drawing/2014/main" id="{2C9B0DC5-908B-4091-BB44-126CE6AA6A5B}"/>
+          <p:cNvPr id="28" name="Picture 27" descr="A close up of text on a white background&#10;&#10;Description automatically generated">
+            <a:extLst>
+              <a:ext uri="{FF2B5EF4-FFF2-40B4-BE49-F238E27FC236}">
+                <a16:creationId xmlns:a16="http://schemas.microsoft.com/office/drawing/2014/main" id="{1B99F7C8-9AC3-4DFB-A4D6-245D506B8B3F}"/>
               </a:ext>
             </a:extLst>
           </p:cNvPr>
@@ -7194,7 +7716,7 @@
         </p:blipFill>
         <p:spPr>
           <a:xfrm>
-            <a:off x="4875516" y="1601406"/>
+            <a:off x="4621646" y="1583557"/>
             <a:ext cx="2911772" cy="2258228"/>
           </a:xfrm>
           <a:prstGeom prst="rect">
@@ -7204,10 +7726,10 @@
       </p:pic>
       <p:pic>
         <p:nvPicPr>
-          <p:cNvPr id="13" name="Picture 12" descr="A close up of text on a white background&#10;&#10;Description automatically generated">
-            <a:extLst>
-              <a:ext uri="{FF2B5EF4-FFF2-40B4-BE49-F238E27FC236}">
-                <a16:creationId xmlns:a16="http://schemas.microsoft.com/office/drawing/2014/main" id="{52EE75AD-C361-42ED-A0A4-B36173332682}"/>
+          <p:cNvPr id="29" name="Picture 28" descr="A close up of text on a white background&#10;&#10;Description automatically generated">
+            <a:extLst>
+              <a:ext uri="{FF2B5EF4-FFF2-40B4-BE49-F238E27FC236}">
+                <a16:creationId xmlns:a16="http://schemas.microsoft.com/office/drawing/2014/main" id="{33883F8E-217A-428D-BC8F-EB6B914262C2}"/>
               </a:ext>
             </a:extLst>
           </p:cNvPr>
@@ -7230,7 +7752,7 @@
         </p:blipFill>
         <p:spPr>
           <a:xfrm>
-            <a:off x="7961200" y="1593241"/>
+            <a:off x="7707330" y="1575392"/>
             <a:ext cx="2911772" cy="2258228"/>
           </a:xfrm>
           <a:prstGeom prst="rect">
@@ -7240,10 +7762,10 @@
       </p:pic>
       <p:pic>
         <p:nvPicPr>
-          <p:cNvPr id="17" name="Picture 16" descr="A close up of text on a white background&#10;&#10;Description automatically generated">
-            <a:extLst>
-              <a:ext uri="{FF2B5EF4-FFF2-40B4-BE49-F238E27FC236}">
-                <a16:creationId xmlns:a16="http://schemas.microsoft.com/office/drawing/2014/main" id="{E38FD033-1962-40A3-8ED3-93DCC6E282B3}"/>
+          <p:cNvPr id="30" name="Picture 29" descr="A close up of text on a white background&#10;&#10;Description automatically generated">
+            <a:extLst>
+              <a:ext uri="{FF2B5EF4-FFF2-40B4-BE49-F238E27FC236}">
+                <a16:creationId xmlns:a16="http://schemas.microsoft.com/office/drawing/2014/main" id="{D074A442-ECCF-4AD9-A314-D25EFD1F95EB}"/>
               </a:ext>
             </a:extLst>
           </p:cNvPr>
@@ -7266,7 +7788,7 @@
         </p:blipFill>
         <p:spPr>
           <a:xfrm>
-            <a:off x="2825524" y="4048513"/>
+            <a:off x="3067214" y="4038829"/>
             <a:ext cx="2911772" cy="2258228"/>
           </a:xfrm>
           <a:prstGeom prst="rect">
@@ -7276,10 +7798,10 @@
       </p:pic>
       <p:pic>
         <p:nvPicPr>
-          <p:cNvPr id="21" name="Picture 20" descr="A close up of a map&#10;&#10;Description automatically generated">
-            <a:extLst>
-              <a:ext uri="{FF2B5EF4-FFF2-40B4-BE49-F238E27FC236}">
-                <a16:creationId xmlns:a16="http://schemas.microsoft.com/office/drawing/2014/main" id="{E8ECE34E-3B6A-4C78-97D3-A1375D755A0E}"/>
+          <p:cNvPr id="31" name="Picture 30" descr="A close up of a map&#10;&#10;Description automatically generated">
+            <a:extLst>
+              <a:ext uri="{FF2B5EF4-FFF2-40B4-BE49-F238E27FC236}">
+                <a16:creationId xmlns:a16="http://schemas.microsoft.com/office/drawing/2014/main" id="{D6497871-73B6-4855-8311-E363718A9A7D}"/>
               </a:ext>
             </a:extLst>
           </p:cNvPr>
@@ -7302,7 +7824,7 @@
         </p:blipFill>
         <p:spPr>
           <a:xfrm>
-            <a:off x="6331402" y="4127480"/>
+            <a:off x="6200836" y="4030664"/>
             <a:ext cx="2911772" cy="2258228"/>
           </a:xfrm>
           <a:prstGeom prst="rect">
@@ -7313,7 +7835,7 @@
     </p:spTree>
     <p:extLst>
       <p:ext uri="{BB962C8B-B14F-4D97-AF65-F5344CB8AC3E}">
-        <p14:creationId xmlns:p14="http://schemas.microsoft.com/office/powerpoint/2010/main" val="3069150854"/>
+        <p14:creationId xmlns:p14="http://schemas.microsoft.com/office/powerpoint/2010/main" val="2202769753"/>
       </p:ext>
     </p:extLst>
   </p:cSld>
@@ -7323,7 +7845,7 @@
 </p:sld>
 </file>
 
-<file path=ppt/slides/slide11.xml><?xml version="1.0" encoding="utf-8"?>
+<file path=ppt/slides/slide13.xml><?xml version="1.0" encoding="utf-8"?>
 <p:sld xmlns:a="http://schemas.openxmlformats.org/drawingml/2006/main" xmlns:r="http://schemas.openxmlformats.org/officeDocument/2006/relationships" xmlns:p="http://schemas.openxmlformats.org/presentationml/2006/main">
   <p:cSld>
     <p:spTree>
@@ -7359,7 +7881,7 @@
         <p:spPr>
           <a:xfrm>
             <a:off x="431999" y="413238"/>
-            <a:ext cx="9198117" cy="450762"/>
+            <a:ext cx="10345416" cy="450762"/>
           </a:xfrm>
           <a:prstGeom prst="rect">
             <a:avLst/>
@@ -7374,7 +7896,7 @@
             <a:pPr rtl="0"/>
             <a:r>
               <a:rPr lang="it-IT" dirty="0"/>
-              <a:t>ENERGY LOSS as a function ofINITIAL MOMENTUM</a:t>
+              <a:t>ENERGY LOSS as a function of traversed Material</a:t>
             </a:r>
           </a:p>
         </p:txBody>
@@ -7396,10 +7918,6 @@
           </p:nvPr>
         </p:nvSpPr>
         <p:spPr>
-          <a:xfrm>
-            <a:off x="11772820" y="6401750"/>
-            <a:ext cx="278418" cy="274324"/>
-          </a:xfrm>
           <a:prstGeom prst="rect">
             <a:avLst/>
           </a:prstGeom>
@@ -7422,7 +7940,7 @@
                   <a:spcPts val="600"/>
                 </a:spcAft>
               </a:pPr>
-              <a:t>11</a:t>
+              <a:t>13</a:t>
             </a:fld>
             <a:endParaRPr lang="it-IT"/>
           </a:p>
@@ -7503,8 +8021,8 @@
           </a:prstGeom>
         </p:spPr>
       </p:pic>
-      <mc:AlternateContent xmlns:mc="http://schemas.openxmlformats.org/markup-compatibility/2006">
-        <mc:Choice xmlns:a14="http://schemas.microsoft.com/office/drawing/2010/main" Requires="a14">
+      <mc:AlternateContent xmlns:mc="http://schemas.openxmlformats.org/markup-compatibility/2006" xmlns:a14="http://schemas.microsoft.com/office/drawing/2010/main">
+        <mc:Choice Requires="a14">
           <p:sp>
             <p:nvSpPr>
               <p:cNvPr id="5" name="TextBox 4">
@@ -7520,7 +8038,7 @@
             <p:spPr>
               <a:xfrm>
                 <a:off x="7693346" y="1967706"/>
-                <a:ext cx="3842799" cy="2567819"/>
+                <a:ext cx="3842799" cy="2445862"/>
               </a:xfrm>
               <a:prstGeom prst="rect">
                 <a:avLst/>
@@ -7758,6 +8276,86 @@
                         </m:f>
                       </m:e>
                     </m:d>
+                    <m:r>
+                      <a:rPr lang="it-IT" b="0" i="1" smtClean="0">
+                        <a:solidFill>
+                          <a:srgbClr val="FF0000"/>
+                        </a:solidFill>
+                        <a:latin typeface="Cambria Math" panose="02040503050406030204" pitchFamily="18" charset="0"/>
+                      </a:rPr>
+                      <m:t>=</m:t>
+                    </m:r>
+                    <m:f>
+                      <m:fPr>
+                        <m:ctrlPr>
+                          <a:rPr lang="it-IT" b="0" i="1" smtClean="0">
+                            <a:solidFill>
+                              <a:srgbClr val="FF0000"/>
+                            </a:solidFill>
+                            <a:latin typeface="Cambria Math" panose="02040503050406030204" pitchFamily="18" charset="0"/>
+                          </a:rPr>
+                        </m:ctrlPr>
+                      </m:fPr>
+                      <m:num>
+                        <m:sSub>
+                          <m:sSubPr>
+                            <m:ctrlPr>
+                              <a:rPr lang="it-IT" b="0" i="1" smtClean="0">
+                                <a:solidFill>
+                                  <a:srgbClr val="FF0000"/>
+                                </a:solidFill>
+                                <a:latin typeface="Cambria Math" panose="02040503050406030204" pitchFamily="18" charset="0"/>
+                              </a:rPr>
+                            </m:ctrlPr>
+                          </m:sSubPr>
+                          <m:e>
+                            <m:r>
+                              <a:rPr lang="it-IT" b="0" i="1" smtClean="0">
+                                <a:solidFill>
+                                  <a:srgbClr val="FF0000"/>
+                                </a:solidFill>
+                                <a:latin typeface="Cambria Math" panose="02040503050406030204" pitchFamily="18" charset="0"/>
+                              </a:rPr>
+                              <m:t>𝑝</m:t>
+                            </m:r>
+                          </m:e>
+                          <m:sub>
+                            <m:r>
+                              <a:rPr lang="it-IT" b="0" i="1" smtClean="0">
+                                <a:solidFill>
+                                  <a:srgbClr val="FF0000"/>
+                                </a:solidFill>
+                                <a:latin typeface="Cambria Math" panose="02040503050406030204" pitchFamily="18" charset="0"/>
+                              </a:rPr>
+                              <m:t>0</m:t>
+                            </m:r>
+                          </m:sub>
+                        </m:sSub>
+                      </m:num>
+                      <m:den>
+                        <m:r>
+                          <m:rPr>
+                            <m:sty m:val="p"/>
+                          </m:rPr>
+                          <a:rPr lang="it-IT" b="0" i="1" smtClean="0">
+                            <a:solidFill>
+                              <a:srgbClr val="FF0000"/>
+                            </a:solidFill>
+                            <a:latin typeface="Cambria Math" panose="02040503050406030204" pitchFamily="18" charset="0"/>
+                          </a:rPr>
+                          <m:t>cos</m:t>
+                        </m:r>
+                        <m:r>
+                          <a:rPr lang="it-IT" b="0" i="1" smtClean="0">
+                            <a:solidFill>
+                              <a:srgbClr val="FF0000"/>
+                            </a:solidFill>
+                            <a:latin typeface="Cambria Math" panose="02040503050406030204" pitchFamily="18" charset="0"/>
+                          </a:rPr>
+                          <m:t>𝜃</m:t>
+                        </m:r>
+                      </m:den>
+                    </m:f>
                   </m:oMath>
                 </a14:m>
                 <a:r>
@@ -7867,100 +8465,12 @@
                     </m:d>
                   </m:oMath>
                 </a14:m>
-                <a:r>
-                  <a:rPr lang="en-US" dirty="0"/>
-                  <a:t> where </a:t>
-                </a:r>
-                <a14:m>
-                  <m:oMath xmlns:m="http://schemas.openxmlformats.org/officeDocument/2006/math">
-                    <m:sSub>
-                      <m:sSubPr>
-                        <m:ctrlPr>
-                          <a:rPr lang="it-IT" b="0" i="1" smtClean="0">
-                            <a:latin typeface="Cambria Math" panose="02040503050406030204" pitchFamily="18" charset="0"/>
-                          </a:rPr>
-                        </m:ctrlPr>
-                      </m:sSubPr>
-                      <m:e>
-                        <m:r>
-                          <a:rPr lang="it-IT" b="0" i="1" smtClean="0">
-                            <a:latin typeface="Cambria Math" panose="02040503050406030204" pitchFamily="18" charset="0"/>
-                          </a:rPr>
-                          <m:t>𝑝</m:t>
-                        </m:r>
-                      </m:e>
-                      <m:sub>
-                        <m:r>
-                          <a:rPr lang="it-IT" b="0" i="1" smtClean="0">
-                            <a:latin typeface="Cambria Math" panose="02040503050406030204" pitchFamily="18" charset="0"/>
-                          </a:rPr>
-                          <m:t>0</m:t>
-                        </m:r>
-                      </m:sub>
-                    </m:sSub>
-                    <m:r>
-                      <a:rPr lang="it-IT" b="0" i="1" smtClean="0">
-                        <a:latin typeface="Cambria Math" panose="02040503050406030204" pitchFamily="18" charset="0"/>
-                      </a:rPr>
-                      <m:t>=</m:t>
-                    </m:r>
-                    <m:f>
-                      <m:fPr>
-                        <m:ctrlPr>
-                          <a:rPr lang="it-IT" b="0" i="1" smtClean="0">
-                            <a:latin typeface="Cambria Math" panose="02040503050406030204" pitchFamily="18" charset="0"/>
-                          </a:rPr>
-                        </m:ctrlPr>
-                      </m:fPr>
-                      <m:num>
-                        <m:r>
-                          <a:rPr lang="it-IT" b="0" i="1" smtClean="0">
-                            <a:latin typeface="Cambria Math" panose="02040503050406030204" pitchFamily="18" charset="0"/>
-                          </a:rPr>
-                          <m:t>𝑑𝐸</m:t>
-                        </m:r>
-                      </m:num>
-                      <m:den>
-                        <m:r>
-                          <a:rPr lang="it-IT" b="0" i="1" smtClean="0">
-                            <a:latin typeface="Cambria Math" panose="02040503050406030204" pitchFamily="18" charset="0"/>
-                          </a:rPr>
-                          <m:t>𝑑𝑥</m:t>
-                        </m:r>
-                      </m:den>
-                    </m:f>
-                    <m:r>
-                      <a:rPr lang="it-IT" b="0" i="1" smtClean="0">
-                        <a:latin typeface="Cambria Math" panose="02040503050406030204" pitchFamily="18" charset="0"/>
-                      </a:rPr>
-                      <m:t>×</m:t>
-                    </m:r>
-                    <m:r>
-                      <m:rPr>
-                        <m:sty m:val="p"/>
-                      </m:rPr>
-                      <a:rPr lang="it-IT" b="0" i="0" smtClean="0">
-                        <a:latin typeface="Cambria Math" panose="02040503050406030204" pitchFamily="18" charset="0"/>
-                      </a:rPr>
-                      <m:t>Δ</m:t>
-                    </m:r>
-                    <m:r>
-                      <a:rPr lang="it-IT" b="0" i="1" smtClean="0">
-                        <a:latin typeface="Cambria Math" panose="02040503050406030204" pitchFamily="18" charset="0"/>
-                      </a:rPr>
-                      <m:t>𝑥</m:t>
-                    </m:r>
-                  </m:oMath>
-                </a14:m>
-                <a:r>
-                  <a:rPr lang="en-US" dirty="0"/>
-                  <a:t> .</a:t>
-                </a:r>
+                <a:endParaRPr lang="en-US" dirty="0"/>
               </a:p>
             </p:txBody>
           </p:sp>
         </mc:Choice>
-        <mc:Fallback>
+        <mc:Fallback xmlns="">
           <p:sp>
             <p:nvSpPr>
               <p:cNvPr id="5" name="TextBox 4">
@@ -7978,7 +8488,7 @@
             <p:spPr>
               <a:xfrm>
                 <a:off x="7693346" y="1967706"/>
-                <a:ext cx="3842799" cy="2567819"/>
+                <a:ext cx="3842799" cy="2445862"/>
               </a:xfrm>
               <a:prstGeom prst="rect">
                 <a:avLst/>
@@ -7986,7 +8496,7 @@
               <a:blipFill>
                 <a:blip r:embed="rId3"/>
                 <a:stretch>
-                  <a:fillRect l="-1270" t="-1425" r="-2857" b="-475"/>
+                  <a:fillRect l="-1270" t="-1496" r="-2222" b="-3242"/>
                 </a:stretch>
               </a:blipFill>
             </p:spPr>
@@ -8018,7 +8528,7 @@
 </p:sld>
 </file>
 
-<file path=ppt/slides/slide12.xml><?xml version="1.0" encoding="utf-8"?>
+<file path=ppt/slides/slide14.xml><?xml version="1.0" encoding="utf-8"?>
 <p:sld xmlns:a="http://schemas.openxmlformats.org/drawingml/2006/main" xmlns:r="http://schemas.openxmlformats.org/officeDocument/2006/relationships" xmlns:p="http://schemas.openxmlformats.org/presentationml/2006/main">
   <p:cSld>
     <p:spTree>
@@ -8052,10 +8562,6 @@
           </p:nvPr>
         </p:nvSpPr>
         <p:spPr>
-          <a:xfrm>
-            <a:off x="431999" y="413238"/>
-            <a:ext cx="9198117" cy="450762"/>
-          </a:xfrm>
           <a:prstGeom prst="rect">
             <a:avLst/>
           </a:prstGeom>
@@ -8091,10 +8597,6 @@
           </p:nvPr>
         </p:nvSpPr>
         <p:spPr>
-          <a:xfrm>
-            <a:off x="11772820" y="6401750"/>
-            <a:ext cx="278418" cy="274324"/>
-          </a:xfrm>
           <a:prstGeom prst="rect">
             <a:avLst/>
           </a:prstGeom>
@@ -8117,14 +8619,14 @@
                   <a:spcPts val="600"/>
                 </a:spcAft>
               </a:pPr>
-              <a:t>12</a:t>
+              <a:t>14</a:t>
             </a:fld>
             <a:endParaRPr lang="it-IT"/>
           </a:p>
         </p:txBody>
       </p:sp>
-      <mc:AlternateContent xmlns:mc="http://schemas.openxmlformats.org/markup-compatibility/2006">
-        <mc:Choice xmlns:a14="http://schemas.microsoft.com/office/drawing/2010/main" Requires="a14">
+      <mc:AlternateContent xmlns:mc="http://schemas.openxmlformats.org/markup-compatibility/2006" xmlns:a14="http://schemas.microsoft.com/office/drawing/2010/main">
+        <mc:Choice Requires="a14">
           <p:sp>
             <p:nvSpPr>
               <p:cNvPr id="3" name="TextBox 2">
@@ -8371,7 +8873,7 @@
             </p:txBody>
           </p:sp>
         </mc:Choice>
-        <mc:Fallback>
+        <mc:Fallback xmlns="">
           <p:sp>
             <p:nvSpPr>
               <p:cNvPr id="3" name="TextBox 2">
@@ -8429,7 +8931,7 @@
 </p:sld>
 </file>
 
-<file path=ppt/slides/slide13.xml><?xml version="1.0" encoding="utf-8"?>
+<file path=ppt/slides/slide15.xml><?xml version="1.0" encoding="utf-8"?>
 <p:sld xmlns:a="http://schemas.openxmlformats.org/drawingml/2006/main" xmlns:r="http://schemas.openxmlformats.org/officeDocument/2006/relationships" xmlns:p="http://schemas.openxmlformats.org/presentationml/2006/main">
   <p:cSld>
     <p:spTree>
@@ -8463,10 +8965,6 @@
           </p:nvPr>
         </p:nvSpPr>
         <p:spPr>
-          <a:xfrm>
-            <a:off x="431999" y="413238"/>
-            <a:ext cx="9198117" cy="450762"/>
-          </a:xfrm>
           <a:prstGeom prst="rect">
             <a:avLst/>
           </a:prstGeom>
@@ -8482,55 +8980,6 @@
               <a:rPr lang="it-IT" dirty="0"/>
               <a:t>Edep-display examples</a:t>
             </a:r>
-          </a:p>
-        </p:txBody>
-      </p:sp>
-      <p:sp>
-        <p:nvSpPr>
-          <p:cNvPr id="6" name="Segnaposto numero diapositiva 5">
-            <a:extLst>
-              <a:ext uri="{FF2B5EF4-FFF2-40B4-BE49-F238E27FC236}">
-                <a16:creationId xmlns:a16="http://schemas.microsoft.com/office/drawing/2014/main" id="{46D051DA-5DAD-43A7-A238-51C63BA59FEC}"/>
-              </a:ext>
-            </a:extLst>
-          </p:cNvPr>
-          <p:cNvSpPr>
-            <a:spLocks noGrp="1"/>
-          </p:cNvSpPr>
-          <p:nvPr>
-            <p:ph type="sldNum" sz="quarter" idx="33"/>
-          </p:nvPr>
-        </p:nvSpPr>
-        <p:spPr>
-          <a:xfrm>
-            <a:off x="11772820" y="6490527"/>
-            <a:ext cx="278418" cy="274324"/>
-          </a:xfrm>
-          <a:prstGeom prst="rect">
-            <a:avLst/>
-          </a:prstGeom>
-        </p:spPr>
-        <p:txBody>
-          <a:bodyPr rtlCol="0" anchor="ctr">
-            <a:normAutofit/>
-          </a:bodyPr>
-          <a:lstStyle/>
-          <a:p>
-            <a:pPr rtl="0">
-              <a:spcAft>
-                <a:spcPts val="600"/>
-              </a:spcAft>
-            </a:pPr>
-            <a:fld id="{19B51A1E-902D-48AF-9020-955120F399B6}" type="slidenum">
-              <a:rPr lang="it-IT" smtClean="0"/>
-              <a:pPr rtl="0">
-                <a:spcAft>
-                  <a:spcPts val="600"/>
-                </a:spcAft>
-              </a:pPr>
-              <a:t>13</a:t>
-            </a:fld>
-            <a:endParaRPr lang="it-IT"/>
           </a:p>
         </p:txBody>
       </p:sp>
@@ -8570,7 +9019,7 @@
                 </a:pPr>
                 <a:r>
                   <a:rPr lang="it-IT" dirty="0"/>
-                  <a:t>So far I was able to produce the sample, propagate with edep-sim and convert to GarSoft-readable format</a:t>
+                  <a:t>So far, I was able to produce the sample, propagate with edep-sim and convert to GarSoft-readable format</a:t>
                 </a:r>
               </a:p>
               <a:p>
@@ -8862,42 +9311,12 @@
           </a:p>
         </p:txBody>
       </p:sp>
-    </p:spTree>
-    <p:extLst>
-      <p:ext uri="{BB962C8B-B14F-4D97-AF65-F5344CB8AC3E}">
-        <p14:creationId xmlns:p14="http://schemas.microsoft.com/office/powerpoint/2010/main" val="2099147399"/>
-      </p:ext>
-    </p:extLst>
-  </p:cSld>
-  <p:clrMapOvr>
-    <a:masterClrMapping/>
-  </p:clrMapOvr>
-</p:sld>
-</file>
-
-<file path=ppt/slides/slide14.xml><?xml version="1.0" encoding="utf-8"?>
-<p:sld xmlns:a="http://schemas.openxmlformats.org/drawingml/2006/main" xmlns:r="http://schemas.openxmlformats.org/officeDocument/2006/relationships" xmlns:p="http://schemas.openxmlformats.org/presentationml/2006/main">
-  <p:cSld>
-    <p:spTree>
-      <p:nvGrpSpPr>
-        <p:cNvPr id="1" name=""/>
-        <p:cNvGrpSpPr/>
-        <p:nvPr/>
-      </p:nvGrpSpPr>
-      <p:grpSpPr>
-        <a:xfrm>
-          <a:off x="0" y="0"/>
-          <a:ext cx="0" cy="0"/>
-          <a:chOff x="0" y="0"/>
-          <a:chExt cx="0" cy="0"/>
-        </a:xfrm>
-      </p:grpSpPr>
       <p:sp>
         <p:nvSpPr>
-          <p:cNvPr id="2" name="Titolo 1">
-            <a:extLst>
-              <a:ext uri="{FF2B5EF4-FFF2-40B4-BE49-F238E27FC236}">
-                <a16:creationId xmlns:a16="http://schemas.microsoft.com/office/drawing/2014/main" id="{AEA5083B-CC27-4F1C-AD03-E3DBEC1C9E78}"/>
+          <p:cNvPr id="9" name="Segnaposto numero diapositiva 5">
+            <a:extLst>
+              <a:ext uri="{FF2B5EF4-FFF2-40B4-BE49-F238E27FC236}">
+                <a16:creationId xmlns:a16="http://schemas.microsoft.com/office/drawing/2014/main" id="{8F7113B2-3483-499E-AEF2-3962203D61CF}"/>
               </a:ext>
             </a:extLst>
           </p:cNvPr>
@@ -8905,13 +9324,13 @@
             <a:spLocks noGrp="1"/>
           </p:cNvSpPr>
           <p:nvPr>
-            <p:ph type="title"/>
+            <p:ph type="sldNum" sz="quarter" idx="33"/>
           </p:nvPr>
         </p:nvSpPr>
         <p:spPr>
           <a:xfrm>
-            <a:off x="431999" y="413238"/>
-            <a:ext cx="9198117" cy="450762"/>
+            <a:off x="11772820" y="6401750"/>
+            <a:ext cx="278418" cy="274324"/>
           </a:xfrm>
           <a:prstGeom prst="rect">
             <a:avLst/>
@@ -8923,230 +9342,28 @@
           </a:bodyPr>
           <a:lstStyle/>
           <a:p>
-            <a:pPr rtl="0"/>
-            <a:r>
-              <a:rPr lang="it-IT" dirty="0"/>
-              <a:t>PROBLEMS WITH GARSOFT SIMULATION LINE</a:t>
-            </a:r>
-          </a:p>
-        </p:txBody>
-      </p:sp>
-      <p:sp>
-        <p:nvSpPr>
-          <p:cNvPr id="3" name="TextBox 2">
-            <a:extLst>
-              <a:ext uri="{FF2B5EF4-FFF2-40B4-BE49-F238E27FC236}">
-                <a16:creationId xmlns:a16="http://schemas.microsoft.com/office/drawing/2014/main" id="{EC437B08-CF6A-46CA-B5D9-F1267286FC73}"/>
-              </a:ext>
-            </a:extLst>
-          </p:cNvPr>
-          <p:cNvSpPr txBox="1"/>
-          <p:nvPr/>
-        </p:nvSpPr>
-        <p:spPr>
-          <a:xfrm>
-            <a:off x="177553" y="1147720"/>
-            <a:ext cx="11340822" cy="923330"/>
-          </a:xfrm>
-          <a:prstGeom prst="rect">
-            <a:avLst/>
-          </a:prstGeom>
-          <a:noFill/>
-        </p:spPr>
-        <p:txBody>
-          <a:bodyPr wrap="square" rtlCol="0">
-            <a:spAutoFit/>
-          </a:bodyPr>
-          <a:lstStyle/>
-          <a:p>
-            <a:pPr marL="285750" indent="-285750">
-              <a:buFont typeface="Arial" panose="020B0604020202020204" pitchFamily="34" charset="0"/>
-              <a:buChar char="•"/>
+            <a:pPr rtl="0">
+              <a:spcAft>
+                <a:spcPts val="600"/>
+              </a:spcAft>
             </a:pPr>
-            <a:r>
-              <a:rPr lang="it-IT" dirty="0"/>
-              <a:t>After the edep-sim to GarSoft conversion (which exited with art status 0) I tried to follow the Garsoft simulation chain and to input the resulting file in a read-out simulation job: </a:t>
-            </a:r>
-            <a:r>
-              <a:rPr lang="en-US" dirty="0">
-                <a:solidFill>
-                  <a:srgbClr val="00B0F0"/>
-                </a:solidFill>
-              </a:rPr>
-              <a:t>art -c </a:t>
-            </a:r>
-            <a:r>
-              <a:rPr lang="en-US" dirty="0" err="1">
-                <a:solidFill>
-                  <a:srgbClr val="00B0F0"/>
-                </a:solidFill>
-              </a:rPr>
-              <a:t>readoutsimjob.fcl</a:t>
-            </a:r>
-            <a:r>
-              <a:rPr lang="en-US" dirty="0">
-                <a:solidFill>
-                  <a:srgbClr val="00B0F0"/>
-                </a:solidFill>
-              </a:rPr>
-              <a:t> </a:t>
-            </a:r>
-            <a:r>
-              <a:rPr lang="en-US" dirty="0" err="1">
-                <a:solidFill>
-                  <a:srgbClr val="00B0F0"/>
-                </a:solidFill>
-              </a:rPr>
-              <a:t>my_edepsim_converted_out.root</a:t>
-            </a:r>
-            <a:endParaRPr lang="it-IT" dirty="0">
-              <a:solidFill>
-                <a:srgbClr val="00B0F0"/>
-              </a:solidFill>
-            </a:endParaRPr>
-          </a:p>
-          <a:p>
-            <a:pPr marL="285750" indent="-285750">
-              <a:buFont typeface="Arial" panose="020B0604020202020204" pitchFamily="34" charset="0"/>
-              <a:buChar char="•"/>
-            </a:pPr>
-            <a:r>
-              <a:rPr lang="it-IT" dirty="0"/>
-              <a:t>Unfortunately, I get the following error as if there were a file format missmatch: </a:t>
-            </a:r>
-            <a:endParaRPr lang="en-US" dirty="0"/>
-          </a:p>
-        </p:txBody>
-      </p:sp>
-      <p:pic>
-        <p:nvPicPr>
-          <p:cNvPr id="4" name="Picture 3">
-            <a:extLst>
-              <a:ext uri="{FF2B5EF4-FFF2-40B4-BE49-F238E27FC236}">
-                <a16:creationId xmlns:a16="http://schemas.microsoft.com/office/drawing/2014/main" id="{61BCE644-A4AC-4083-8D03-37A897285A2A}"/>
-              </a:ext>
-            </a:extLst>
-          </p:cNvPr>
-          <p:cNvPicPr>
-            <a:picLocks noChangeAspect="1"/>
-          </p:cNvPicPr>
-          <p:nvPr/>
-        </p:nvPicPr>
-        <p:blipFill>
-          <a:blip r:embed="rId2"/>
-          <a:stretch>
-            <a:fillRect/>
-          </a:stretch>
-        </p:blipFill>
-        <p:spPr>
-          <a:xfrm>
-            <a:off x="177553" y="2354770"/>
-            <a:ext cx="11836893" cy="3348441"/>
-          </a:xfrm>
-          <a:prstGeom prst="rect">
-            <a:avLst/>
-          </a:prstGeom>
-        </p:spPr>
-      </p:pic>
-    </p:spTree>
-    <p:extLst>
-      <p:ext uri="{BB962C8B-B14F-4D97-AF65-F5344CB8AC3E}">
-        <p14:creationId xmlns:p14="http://schemas.microsoft.com/office/powerpoint/2010/main" val="1034186740"/>
-      </p:ext>
-    </p:extLst>
-  </p:cSld>
-  <p:clrMapOvr>
-    <a:masterClrMapping/>
-  </p:clrMapOvr>
-</p:sld>
-</file>
-
-<file path=ppt/slides/slide15.xml><?xml version="1.0" encoding="utf-8"?>
-<p:sld xmlns:a="http://schemas.openxmlformats.org/drawingml/2006/main" xmlns:r="http://schemas.openxmlformats.org/officeDocument/2006/relationships" xmlns:p="http://schemas.openxmlformats.org/presentationml/2006/main">
-  <p:cSld>
-    <p:spTree>
-      <p:nvGrpSpPr>
-        <p:cNvPr id="1" name=""/>
-        <p:cNvGrpSpPr/>
-        <p:nvPr/>
-      </p:nvGrpSpPr>
-      <p:grpSpPr>
-        <a:xfrm>
-          <a:off x="0" y="0"/>
-          <a:ext cx="0" cy="0"/>
-          <a:chOff x="0" y="0"/>
-          <a:chExt cx="0" cy="0"/>
-        </a:xfrm>
-      </p:grpSpPr>
-      <p:sp>
-        <p:nvSpPr>
-          <p:cNvPr id="2" name="Title 1">
-            <a:extLst>
-              <a:ext uri="{FF2B5EF4-FFF2-40B4-BE49-F238E27FC236}">
-                <a16:creationId xmlns:a16="http://schemas.microsoft.com/office/drawing/2014/main" id="{2739A688-E18D-43D7-B631-C5D51C65C49A}"/>
-              </a:ext>
-            </a:extLst>
-          </p:cNvPr>
-          <p:cNvSpPr>
-            <a:spLocks noGrp="1"/>
-          </p:cNvSpPr>
-          <p:nvPr>
-            <p:ph type="title"/>
-          </p:nvPr>
-        </p:nvSpPr>
-        <p:spPr>
-          <a:xfrm>
-            <a:off x="4826446" y="3203619"/>
-            <a:ext cx="9198117" cy="450762"/>
-          </a:xfrm>
-        </p:spPr>
-        <p:txBody>
-          <a:bodyPr/>
-          <a:lstStyle/>
-          <a:p>
-            <a:r>
-              <a:rPr lang="it-IT" dirty="0"/>
-              <a:t>EXTRA SLIDES</a:t>
-            </a:r>
-            <a:endParaRPr lang="en-US" dirty="0"/>
-          </a:p>
-        </p:txBody>
-      </p:sp>
-      <p:sp>
-        <p:nvSpPr>
-          <p:cNvPr id="5" name="Slide Number Placeholder 4">
-            <a:extLst>
-              <a:ext uri="{FF2B5EF4-FFF2-40B4-BE49-F238E27FC236}">
-                <a16:creationId xmlns:a16="http://schemas.microsoft.com/office/drawing/2014/main" id="{0C8BEC8E-2BB5-4D89-9AB6-382F37CF6DEF}"/>
-              </a:ext>
-            </a:extLst>
-          </p:cNvPr>
-          <p:cNvSpPr>
-            <a:spLocks noGrp="1"/>
-          </p:cNvSpPr>
-          <p:nvPr>
-            <p:ph type="sldNum" sz="quarter" idx="33"/>
-          </p:nvPr>
-        </p:nvSpPr>
-        <p:spPr/>
-        <p:txBody>
-          <a:bodyPr/>
-          <a:lstStyle/>
-          <a:p>
-            <a:pPr rtl="0"/>
             <a:fld id="{19B51A1E-902D-48AF-9020-955120F399B6}" type="slidenum">
               <a:rPr lang="it-IT" smtClean="0"/>
-              <a:pPr rtl="0"/>
+              <a:pPr rtl="0">
+                <a:spcAft>
+                  <a:spcPts val="600"/>
+                </a:spcAft>
+              </a:pPr>
               <a:t>15</a:t>
             </a:fld>
-            <a:endParaRPr lang="it-IT" dirty="0"/>
+            <a:endParaRPr lang="it-IT"/>
           </a:p>
         </p:txBody>
       </p:sp>
     </p:spTree>
     <p:extLst>
       <p:ext uri="{BB962C8B-B14F-4D97-AF65-F5344CB8AC3E}">
-        <p14:creationId xmlns:p14="http://schemas.microsoft.com/office/powerpoint/2010/main" val="1432001062"/>
+        <p14:creationId xmlns:p14="http://schemas.microsoft.com/office/powerpoint/2010/main" val="2099147399"/>
       </p:ext>
     </p:extLst>
   </p:cSld>
@@ -9190,10 +9407,6 @@
           </p:nvPr>
         </p:nvSpPr>
         <p:spPr>
-          <a:xfrm>
-            <a:off x="431999" y="413238"/>
-            <a:ext cx="9198117" cy="450762"/>
-          </a:xfrm>
           <a:prstGeom prst="rect">
             <a:avLst/>
           </a:prstGeom>
@@ -9207,17 +9420,279 @@
             <a:pPr rtl="0"/>
             <a:r>
               <a:rPr lang="it-IT" dirty="0"/>
-              <a:t>Resolution as a function of y</a:t>
+              <a:t>summary</a:t>
             </a:r>
           </a:p>
         </p:txBody>
       </p:sp>
+      <mc:AlternateContent xmlns:mc="http://schemas.openxmlformats.org/markup-compatibility/2006">
+        <mc:Choice xmlns:a14="http://schemas.microsoft.com/office/drawing/2010/main" Requires="a14">
+          <p:sp>
+            <p:nvSpPr>
+              <p:cNvPr id="3" name="TextBox 2">
+                <a:extLst>
+                  <a:ext uri="{FF2B5EF4-FFF2-40B4-BE49-F238E27FC236}">
+                    <a16:creationId xmlns:a16="http://schemas.microsoft.com/office/drawing/2014/main" id="{EC437B08-CF6A-46CA-B5D9-F1267286FC73}"/>
+                  </a:ext>
+                </a:extLst>
+              </p:cNvPr>
+              <p:cNvSpPr txBox="1"/>
+              <p:nvPr/>
+            </p:nvSpPr>
+            <p:spPr>
+              <a:xfrm>
+                <a:off x="773878" y="1203265"/>
+                <a:ext cx="10644242" cy="2887009"/>
+              </a:xfrm>
+              <a:prstGeom prst="rect">
+                <a:avLst/>
+              </a:prstGeom>
+              <a:noFill/>
+            </p:spPr>
+            <p:txBody>
+              <a:bodyPr wrap="square" rtlCol="0">
+                <a:spAutoFit/>
+              </a:bodyPr>
+              <a:lstStyle/>
+              <a:p>
+                <a:pPr marL="285750" indent="-285750">
+                  <a:buFont typeface="Arial" panose="020B0604020202020204" pitchFamily="34" charset="0"/>
+                  <a:buChar char="•"/>
+                </a:pPr>
+                <a:r>
+                  <a:rPr lang="it-IT" sz="2000" dirty="0"/>
+                  <a:t>Drew </a:t>
+                </a:r>
+                <a:r>
+                  <a:rPr lang="it-IT" sz="2000" dirty="0">
+                    <a:solidFill>
+                      <a:srgbClr val="FF0000"/>
+                    </a:solidFill>
+                  </a:rPr>
+                  <a:t>momentum resolution and energy loss plots </a:t>
+                </a:r>
+                <a:r>
+                  <a:rPr lang="it-IT" sz="2000" dirty="0"/>
+                  <a:t>for two Garsoft samples: one with upstream muons starting outside the Gas TPC, and one inside</a:t>
+                </a:r>
+              </a:p>
+              <a:p>
+                <a:pPr marL="800100" lvl="1" indent="-342900">
+                  <a:buFont typeface="Times New Roman" panose="02020603050405020304" pitchFamily="18" charset="0"/>
+                  <a:buChar char="‣"/>
+                </a:pPr>
+                <a:r>
+                  <a:rPr lang="it-IT" sz="2000" dirty="0">
+                    <a:solidFill>
+                      <a:schemeClr val="accent3"/>
+                    </a:solidFill>
+                  </a:rPr>
+                  <a:t>Identified a bias in momentum reconstruction due to energy loss in ECAL</a:t>
+                </a:r>
+              </a:p>
+              <a:p>
+                <a:pPr marL="285750" indent="-285750">
+                  <a:buFont typeface="Arial" panose="020B0604020202020204" pitchFamily="34" charset="0"/>
+                  <a:buChar char="•"/>
+                </a:pPr>
+                <a:r>
+                  <a:rPr lang="it-IT" sz="2000" dirty="0"/>
+                  <a:t>Repurposed the original simulation code to </a:t>
+                </a:r>
+                <a:r>
+                  <a:rPr lang="it-IT" sz="2000" dirty="0">
+                    <a:solidFill>
+                      <a:srgbClr val="FF0000"/>
+                    </a:solidFill>
+                  </a:rPr>
+                  <a:t>study energy loss dependency on the muon initial momentum and angle</a:t>
+                </a:r>
+                <a:r>
+                  <a:rPr lang="it-IT" sz="2000" dirty="0"/>
+                  <a:t> with respect to the z axis</a:t>
+                </a:r>
+              </a:p>
+              <a:p>
+                <a:pPr marL="800100" lvl="1" indent="-342900">
+                  <a:buFont typeface="Times New Roman" panose="02020603050405020304" pitchFamily="18" charset="0"/>
+                  <a:buChar char="‣"/>
+                </a:pPr>
+                <a:r>
+                  <a:rPr lang="en-US" sz="2000" dirty="0">
+                    <a:solidFill>
+                      <a:schemeClr val="accent3"/>
+                    </a:solidFill>
+                  </a:rPr>
+                  <a:t>Detailed dependence of the energy loss on track parameters can be tabled in the tracking code to correct the reconstruction bias</a:t>
+                </a:r>
+                <a:endParaRPr lang="it-IT" sz="2000" dirty="0">
+                  <a:solidFill>
+                    <a:schemeClr val="accent3"/>
+                  </a:solidFill>
+                </a:endParaRPr>
+              </a:p>
+              <a:p>
+                <a:pPr marL="285750" indent="-285750">
+                  <a:buFont typeface="Arial" panose="020B0604020202020204" pitchFamily="34" charset="0"/>
+                  <a:buChar char="•"/>
+                </a:pPr>
+                <a:r>
+                  <a:rPr lang="it-IT" sz="2000" dirty="0"/>
+                  <a:t>Started simulation chain to generate samples of muons</a:t>
+                </a:r>
+                <a:r>
+                  <a:rPr lang="it-IT" sz="2000" dirty="0">
+                    <a:solidFill>
+                      <a:srgbClr val="FF0000"/>
+                    </a:solidFill>
+                  </a:rPr>
+                  <a:t> </a:t>
+                </a:r>
+                <a:r>
+                  <a:rPr lang="it-IT" sz="2000" dirty="0">
+                    <a:solidFill>
+                      <a:schemeClr val="tx1"/>
+                    </a:solidFill>
+                  </a:rPr>
+                  <a:t>from </a:t>
+                </a:r>
+                <a14:m>
+                  <m:oMath xmlns:m="http://schemas.openxmlformats.org/officeDocument/2006/math">
+                    <m:sSub>
+                      <m:sSubPr>
+                        <m:ctrlPr>
+                          <a:rPr lang="it-IT" sz="2000" i="1">
+                            <a:solidFill>
+                              <a:schemeClr val="tx1"/>
+                            </a:solidFill>
+                            <a:latin typeface="Cambria Math" panose="02040503050406030204" pitchFamily="18" charset="0"/>
+                          </a:rPr>
+                        </m:ctrlPr>
+                      </m:sSubPr>
+                      <m:e>
+                        <m:r>
+                          <a:rPr lang="it-IT" sz="2000" i="1">
+                            <a:solidFill>
+                              <a:schemeClr val="tx1"/>
+                            </a:solidFill>
+                            <a:latin typeface="Cambria Math" panose="02040503050406030204" pitchFamily="18" charset="0"/>
+                          </a:rPr>
+                          <m:t>𝜈</m:t>
+                        </m:r>
+                      </m:e>
+                      <m:sub>
+                        <m:r>
+                          <a:rPr lang="it-IT" sz="2000" i="1">
+                            <a:solidFill>
+                              <a:schemeClr val="tx1"/>
+                            </a:solidFill>
+                            <a:latin typeface="Cambria Math" panose="02040503050406030204" pitchFamily="18" charset="0"/>
+                          </a:rPr>
+                          <m:t>𝜇</m:t>
+                        </m:r>
+                      </m:sub>
+                    </m:sSub>
+                    <m:r>
+                      <a:rPr lang="it-IT" sz="2000" i="1">
+                        <a:solidFill>
+                          <a:schemeClr val="tx1"/>
+                        </a:solidFill>
+                        <a:latin typeface="Cambria Math" panose="02040503050406030204" pitchFamily="18" charset="0"/>
+                      </a:rPr>
+                      <m:t>(</m:t>
+                    </m:r>
+                    <m:r>
+                      <a:rPr lang="it-IT" sz="2000" i="1">
+                        <a:solidFill>
+                          <a:schemeClr val="tx1"/>
+                        </a:solidFill>
+                        <a:latin typeface="Cambria Math" panose="02040503050406030204" pitchFamily="18" charset="0"/>
+                      </a:rPr>
+                      <m:t>𝐶𝐶</m:t>
+                    </m:r>
+                    <m:r>
+                      <a:rPr lang="it-IT" sz="2000" i="1">
+                        <a:solidFill>
+                          <a:schemeClr val="tx1"/>
+                        </a:solidFill>
+                        <a:latin typeface="Cambria Math" panose="02040503050406030204" pitchFamily="18" charset="0"/>
+                      </a:rPr>
+                      <m:t>)</m:t>
+                    </m:r>
+                  </m:oMath>
+                </a14:m>
+                <a:r>
+                  <a:rPr lang="en-US" sz="2000" dirty="0">
+                    <a:solidFill>
+                      <a:schemeClr val="tx1"/>
+                    </a:solidFill>
+                  </a:rPr>
+                  <a:t> interactions in ND Lar that reach </a:t>
+                </a:r>
+                <a:r>
+                  <a:rPr lang="it-IT" sz="2000" dirty="0">
+                    <a:solidFill>
+                      <a:schemeClr val="tx1"/>
+                    </a:solidFill>
+                  </a:rPr>
+                  <a:t>ND GAr</a:t>
+                </a:r>
+                <a:endParaRPr lang="it-IT" sz="2000" dirty="0"/>
+              </a:p>
+            </p:txBody>
+          </p:sp>
+        </mc:Choice>
+        <mc:Fallback>
+          <p:sp>
+            <p:nvSpPr>
+              <p:cNvPr id="3" name="TextBox 2">
+                <a:extLst>
+                  <a:ext uri="{FF2B5EF4-FFF2-40B4-BE49-F238E27FC236}">
+                    <a16:creationId xmlns:a16="http://schemas.microsoft.com/office/drawing/2014/main" id="{EC437B08-CF6A-46CA-B5D9-F1267286FC73}"/>
+                  </a:ext>
+                </a:extLst>
+              </p:cNvPr>
+              <p:cNvSpPr txBox="1">
+                <a:spLocks noRot="1" noChangeAspect="1" noMove="1" noResize="1" noEditPoints="1" noAdjustHandles="1" noChangeArrowheads="1" noChangeShapeType="1" noTextEdit="1"/>
+              </p:cNvSpPr>
+              <p:nvPr/>
+            </p:nvSpPr>
+            <p:spPr>
+              <a:xfrm>
+                <a:off x="773878" y="1203265"/>
+                <a:ext cx="10644242" cy="2887009"/>
+              </a:xfrm>
+              <a:prstGeom prst="rect">
+                <a:avLst/>
+              </a:prstGeom>
+              <a:blipFill>
+                <a:blip r:embed="rId2"/>
+                <a:stretch>
+                  <a:fillRect l="-515" t="-1055" b="-2743"/>
+                </a:stretch>
+              </a:blipFill>
+            </p:spPr>
+            <p:txBody>
+              <a:bodyPr/>
+              <a:lstStyle/>
+              <a:p>
+                <a:r>
+                  <a:rPr lang="en-US">
+                    <a:noFill/>
+                  </a:rPr>
+                  <a:t> </a:t>
+                </a:r>
+              </a:p>
+            </p:txBody>
+          </p:sp>
+        </mc:Fallback>
+      </mc:AlternateContent>
       <p:sp>
         <p:nvSpPr>
-          <p:cNvPr id="6" name="Segnaposto numero diapositiva 5">
-            <a:extLst>
-              <a:ext uri="{FF2B5EF4-FFF2-40B4-BE49-F238E27FC236}">
-                <a16:creationId xmlns:a16="http://schemas.microsoft.com/office/drawing/2014/main" id="{46D051DA-5DAD-43A7-A238-51C63BA59FEC}"/>
+          <p:cNvPr id="4" name="Segnaposto numero diapositiva 5">
+            <a:extLst>
+              <a:ext uri="{FF2B5EF4-FFF2-40B4-BE49-F238E27FC236}">
+                <a16:creationId xmlns:a16="http://schemas.microsoft.com/office/drawing/2014/main" id="{63DF03BD-248E-4EC1-9EFE-4130068C205B}"/>
               </a:ext>
             </a:extLst>
           </p:cNvPr>
@@ -9256,6 +9731,1473 @@
                 </a:spcAft>
               </a:pPr>
               <a:t>16</a:t>
+            </a:fld>
+            <a:endParaRPr lang="it-IT"/>
+          </a:p>
+        </p:txBody>
+      </p:sp>
+      <mc:AlternateContent xmlns:mc="http://schemas.openxmlformats.org/markup-compatibility/2006">
+        <mc:Choice xmlns:a14="http://schemas.microsoft.com/office/drawing/2010/main" Requires="a14">
+          <p:sp>
+            <p:nvSpPr>
+              <p:cNvPr id="6" name="TextBox 5">
+                <a:extLst>
+                  <a:ext uri="{FF2B5EF4-FFF2-40B4-BE49-F238E27FC236}">
+                    <a16:creationId xmlns:a16="http://schemas.microsoft.com/office/drawing/2014/main" id="{2D945E55-C12E-483E-A3FC-129ABE7A152E}"/>
+                  </a:ext>
+                </a:extLst>
+              </p:cNvPr>
+              <p:cNvSpPr txBox="1"/>
+              <p:nvPr/>
+            </p:nvSpPr>
+            <p:spPr>
+              <a:xfrm>
+                <a:off x="709585" y="4832205"/>
+                <a:ext cx="10772829" cy="1015663"/>
+              </a:xfrm>
+              <a:prstGeom prst="rect">
+                <a:avLst/>
+              </a:prstGeom>
+              <a:solidFill>
+                <a:schemeClr val="accent2">
+                  <a:lumMod val="20000"/>
+                  <a:lumOff val="80000"/>
+                </a:schemeClr>
+              </a:solidFill>
+            </p:spPr>
+            <p:txBody>
+              <a:bodyPr wrap="square" rtlCol="0">
+                <a:spAutoFit/>
+              </a:bodyPr>
+              <a:lstStyle/>
+              <a:p>
+                <a:pPr marL="285750" indent="-285750">
+                  <a:buFont typeface="Arial" panose="020B0604020202020204" pitchFamily="34" charset="0"/>
+                  <a:buChar char="•"/>
+                </a:pPr>
+                <a:r>
+                  <a:rPr lang="it-IT" sz="2000" dirty="0"/>
+                  <a:t>Revisiting current Kalman filter </a:t>
+                </a:r>
+                <a:r>
+                  <a:rPr lang="en-US" sz="2000" dirty="0"/>
+                  <a:t>with focus on point-by-point propagation of track parameters to help improve </a:t>
+                </a:r>
+                <a14:m>
+                  <m:oMath xmlns:m="http://schemas.openxmlformats.org/officeDocument/2006/math">
+                    <m:r>
+                      <m:rPr>
+                        <m:sty m:val="p"/>
+                      </m:rPr>
+                      <a:rPr lang="it-IT" sz="2000" b="0" i="1" smtClean="0">
+                        <a:latin typeface="Cambria Math" panose="02040503050406030204" pitchFamily="18" charset="0"/>
+                      </a:rPr>
+                      <m:t>LAr</m:t>
+                    </m:r>
+                    <m:r>
+                      <a:rPr lang="it-IT" sz="2000" b="0" i="1" smtClean="0">
+                        <a:latin typeface="Cambria Math" panose="02040503050406030204" pitchFamily="18" charset="0"/>
+                      </a:rPr>
+                      <m:t>→</m:t>
+                    </m:r>
+                    <m:r>
+                      <m:rPr>
+                        <m:sty m:val="p"/>
+                      </m:rPr>
+                      <a:rPr lang="it-IT" sz="2000" b="0" i="1" smtClean="0">
+                        <a:latin typeface="Cambria Math" panose="02040503050406030204" pitchFamily="18" charset="0"/>
+                      </a:rPr>
+                      <m:t>GAr</m:t>
+                    </m:r>
+                  </m:oMath>
+                </a14:m>
+                <a:r>
+                  <a:rPr lang="en-US" sz="2000" dirty="0"/>
+                  <a:t> global tracking</a:t>
+                </a:r>
+              </a:p>
+              <a:p>
+                <a:pPr marL="285750" indent="-285750">
+                  <a:buFont typeface="Arial" panose="020B0604020202020204" pitchFamily="34" charset="0"/>
+                  <a:buChar char="•"/>
+                </a:pPr>
+                <a:r>
+                  <a:rPr lang="en-US" sz="2000" dirty="0"/>
+                  <a:t>Integrate </a:t>
+                </a:r>
+                <a14:m>
+                  <m:oMath xmlns:m="http://schemas.openxmlformats.org/officeDocument/2006/math">
+                    <m:r>
+                      <m:rPr>
+                        <m:sty m:val="p"/>
+                      </m:rPr>
+                      <a:rPr lang="it-IT" sz="2000" i="1">
+                        <a:latin typeface="Cambria Math" panose="02040503050406030204" pitchFamily="18" charset="0"/>
+                      </a:rPr>
+                      <m:t>LAr</m:t>
+                    </m:r>
+                    <m:r>
+                      <a:rPr lang="it-IT" sz="2000" b="0" i="1" smtClean="0">
+                        <a:latin typeface="Cambria Math" panose="02040503050406030204" pitchFamily="18" charset="0"/>
+                      </a:rPr>
+                      <m:t>+</m:t>
+                    </m:r>
+                    <m:r>
+                      <m:rPr>
+                        <m:sty m:val="p"/>
+                      </m:rPr>
+                      <a:rPr lang="it-IT" sz="2000" i="1">
+                        <a:latin typeface="Cambria Math" panose="02040503050406030204" pitchFamily="18" charset="0"/>
+                      </a:rPr>
+                      <m:t>GAr</m:t>
+                    </m:r>
+                  </m:oMath>
+                </a14:m>
+                <a:r>
+                  <a:rPr lang="en-US" sz="2000" dirty="0"/>
+                  <a:t> simulation with modularized interface </a:t>
+                </a:r>
+              </a:p>
+            </p:txBody>
+          </p:sp>
+        </mc:Choice>
+        <mc:Fallback>
+          <p:sp>
+            <p:nvSpPr>
+              <p:cNvPr id="6" name="TextBox 5">
+                <a:extLst>
+                  <a:ext uri="{FF2B5EF4-FFF2-40B4-BE49-F238E27FC236}">
+                    <a16:creationId xmlns:a16="http://schemas.microsoft.com/office/drawing/2014/main" id="{2D945E55-C12E-483E-A3FC-129ABE7A152E}"/>
+                  </a:ext>
+                </a:extLst>
+              </p:cNvPr>
+              <p:cNvSpPr txBox="1">
+                <a:spLocks noRot="1" noChangeAspect="1" noMove="1" noResize="1" noEditPoints="1" noAdjustHandles="1" noChangeArrowheads="1" noChangeShapeType="1" noTextEdit="1"/>
+              </p:cNvSpPr>
+              <p:nvPr/>
+            </p:nvSpPr>
+            <p:spPr>
+              <a:xfrm>
+                <a:off x="709585" y="4832205"/>
+                <a:ext cx="10772829" cy="1015663"/>
+              </a:xfrm>
+              <a:prstGeom prst="rect">
+                <a:avLst/>
+              </a:prstGeom>
+              <a:blipFill>
+                <a:blip r:embed="rId3"/>
+                <a:stretch>
+                  <a:fillRect l="-509" t="-3614" r="-848" b="-10241"/>
+                </a:stretch>
+              </a:blipFill>
+            </p:spPr>
+            <p:txBody>
+              <a:bodyPr/>
+              <a:lstStyle/>
+              <a:p>
+                <a:r>
+                  <a:rPr lang="en-US">
+                    <a:noFill/>
+                  </a:rPr>
+                  <a:t> </a:t>
+                </a:r>
+              </a:p>
+            </p:txBody>
+          </p:sp>
+        </mc:Fallback>
+      </mc:AlternateContent>
+      <p:sp>
+        <p:nvSpPr>
+          <p:cNvPr id="7" name="TextBox 6">
+            <a:extLst>
+              <a:ext uri="{FF2B5EF4-FFF2-40B4-BE49-F238E27FC236}">
+                <a16:creationId xmlns:a16="http://schemas.microsoft.com/office/drawing/2014/main" id="{40C4BA99-C059-49D9-8CB4-FA0FC6331951}"/>
+              </a:ext>
+            </a:extLst>
+          </p:cNvPr>
+          <p:cNvSpPr txBox="1"/>
+          <p:nvPr/>
+        </p:nvSpPr>
+        <p:spPr>
+          <a:xfrm>
+            <a:off x="709585" y="4492940"/>
+            <a:ext cx="1943100" cy="400110"/>
+          </a:xfrm>
+          <a:prstGeom prst="rect">
+            <a:avLst/>
+          </a:prstGeom>
+          <a:noFill/>
+        </p:spPr>
+        <p:txBody>
+          <a:bodyPr wrap="square" rtlCol="0">
+            <a:spAutoFit/>
+          </a:bodyPr>
+          <a:lstStyle/>
+          <a:p>
+            <a:r>
+              <a:rPr lang="it-IT" sz="2000" dirty="0">
+                <a:solidFill>
+                  <a:schemeClr val="accent3"/>
+                </a:solidFill>
+              </a:rPr>
+              <a:t>NEXT STEPS</a:t>
+            </a:r>
+            <a:endParaRPr lang="en-US" sz="2000" dirty="0">
+              <a:solidFill>
+                <a:schemeClr val="accent3"/>
+              </a:solidFill>
+            </a:endParaRPr>
+          </a:p>
+        </p:txBody>
+      </p:sp>
+    </p:spTree>
+    <p:extLst>
+      <p:ext uri="{BB962C8B-B14F-4D97-AF65-F5344CB8AC3E}">
+        <p14:creationId xmlns:p14="http://schemas.microsoft.com/office/powerpoint/2010/main" val="2043496382"/>
+      </p:ext>
+    </p:extLst>
+  </p:cSld>
+  <p:clrMapOvr>
+    <a:masterClrMapping/>
+  </p:clrMapOvr>
+</p:sld>
+</file>
+
+<file path=ppt/slides/slide17.xml><?xml version="1.0" encoding="utf-8"?>
+<p:sld xmlns:a="http://schemas.openxmlformats.org/drawingml/2006/main" xmlns:r="http://schemas.openxmlformats.org/officeDocument/2006/relationships" xmlns:p="http://schemas.openxmlformats.org/presentationml/2006/main">
+  <p:cSld>
+    <p:spTree>
+      <p:nvGrpSpPr>
+        <p:cNvPr id="1" name=""/>
+        <p:cNvGrpSpPr/>
+        <p:nvPr/>
+      </p:nvGrpSpPr>
+      <p:grpSpPr>
+        <a:xfrm>
+          <a:off x="0" y="0"/>
+          <a:ext cx="0" cy="0"/>
+          <a:chOff x="0" y="0"/>
+          <a:chExt cx="0" cy="0"/>
+        </a:xfrm>
+      </p:grpSpPr>
+      <p:sp>
+        <p:nvSpPr>
+          <p:cNvPr id="5" name="Slide Number Placeholder 4">
+            <a:extLst>
+              <a:ext uri="{FF2B5EF4-FFF2-40B4-BE49-F238E27FC236}">
+                <a16:creationId xmlns:a16="http://schemas.microsoft.com/office/drawing/2014/main" id="{0C8BEC8E-2BB5-4D89-9AB6-382F37CF6DEF}"/>
+              </a:ext>
+            </a:extLst>
+          </p:cNvPr>
+          <p:cNvSpPr>
+            <a:spLocks noGrp="1"/>
+          </p:cNvSpPr>
+          <p:nvPr>
+            <p:ph type="sldNum" sz="quarter" idx="33"/>
+          </p:nvPr>
+        </p:nvSpPr>
+        <p:spPr/>
+        <p:txBody>
+          <a:bodyPr/>
+          <a:lstStyle/>
+          <a:p>
+            <a:pPr rtl="0"/>
+            <a:fld id="{19B51A1E-902D-48AF-9020-955120F399B6}" type="slidenum">
+              <a:rPr lang="it-IT" smtClean="0"/>
+              <a:pPr rtl="0"/>
+              <a:t>17</a:t>
+            </a:fld>
+            <a:endParaRPr lang="it-IT" dirty="0"/>
+          </a:p>
+        </p:txBody>
+      </p:sp>
+      <p:sp>
+        <p:nvSpPr>
+          <p:cNvPr id="3" name="TextBox 2">
+            <a:extLst>
+              <a:ext uri="{FF2B5EF4-FFF2-40B4-BE49-F238E27FC236}">
+                <a16:creationId xmlns:a16="http://schemas.microsoft.com/office/drawing/2014/main" id="{33595A5E-2331-488D-92C6-88A0399EEE75}"/>
+              </a:ext>
+            </a:extLst>
+          </p:cNvPr>
+          <p:cNvSpPr txBox="1"/>
+          <p:nvPr/>
+        </p:nvSpPr>
+        <p:spPr>
+          <a:xfrm>
+            <a:off x="3812959" y="2639307"/>
+            <a:ext cx="4566082" cy="584775"/>
+          </a:xfrm>
+          <a:prstGeom prst="rect">
+            <a:avLst/>
+          </a:prstGeom>
+          <a:noFill/>
+        </p:spPr>
+        <p:txBody>
+          <a:bodyPr wrap="square" rtlCol="0">
+            <a:spAutoFit/>
+          </a:bodyPr>
+          <a:lstStyle/>
+          <a:p>
+            <a:r>
+              <a:rPr lang="it-IT" sz="3200" dirty="0"/>
+              <a:t>Thanks for your attention</a:t>
+            </a:r>
+            <a:endParaRPr lang="en-US" sz="3200" dirty="0"/>
+          </a:p>
+        </p:txBody>
+      </p:sp>
+      <p:sp>
+        <p:nvSpPr>
+          <p:cNvPr id="4" name="Rectangle 3">
+            <a:extLst>
+              <a:ext uri="{FF2B5EF4-FFF2-40B4-BE49-F238E27FC236}">
+                <a16:creationId xmlns:a16="http://schemas.microsoft.com/office/drawing/2014/main" id="{4EE1B488-289C-439E-BDF5-AFB7E1DB4490}"/>
+              </a:ext>
+            </a:extLst>
+          </p:cNvPr>
+          <p:cNvSpPr/>
+          <p:nvPr/>
+        </p:nvSpPr>
+        <p:spPr>
+          <a:xfrm>
+            <a:off x="709585" y="3552230"/>
+            <a:ext cx="10772829" cy="707886"/>
+          </a:xfrm>
+          <a:prstGeom prst="rect">
+            <a:avLst/>
+          </a:prstGeom>
+          <a:solidFill>
+            <a:schemeClr val="accent3">
+              <a:lumMod val="20000"/>
+              <a:lumOff val="80000"/>
+            </a:schemeClr>
+          </a:solidFill>
+        </p:spPr>
+        <p:txBody>
+          <a:bodyPr wrap="square">
+            <a:spAutoFit/>
+          </a:bodyPr>
+          <a:lstStyle/>
+          <a:p>
+            <a:r>
+              <a:rPr lang="it-IT" sz="2000" dirty="0"/>
+              <a:t>Many thanks to Thomas Junk, Tanaz Mohayai, Eldwan E. Brianne, Leo Bellantoni and everyone else for their guidance and support</a:t>
+            </a:r>
+            <a:endParaRPr lang="en-US" sz="2000" dirty="0"/>
+          </a:p>
+        </p:txBody>
+      </p:sp>
+    </p:spTree>
+    <p:extLst>
+      <p:ext uri="{BB962C8B-B14F-4D97-AF65-F5344CB8AC3E}">
+        <p14:creationId xmlns:p14="http://schemas.microsoft.com/office/powerpoint/2010/main" val="4208276025"/>
+      </p:ext>
+    </p:extLst>
+  </p:cSld>
+  <p:clrMapOvr>
+    <a:masterClrMapping/>
+  </p:clrMapOvr>
+</p:sld>
+</file>
+
+<file path=ppt/slides/slide18.xml><?xml version="1.0" encoding="utf-8"?>
+<p:sld xmlns:a="http://schemas.openxmlformats.org/drawingml/2006/main" xmlns:r="http://schemas.openxmlformats.org/officeDocument/2006/relationships" xmlns:p="http://schemas.openxmlformats.org/presentationml/2006/main">
+  <p:cSld>
+    <p:spTree>
+      <p:nvGrpSpPr>
+        <p:cNvPr id="1" name=""/>
+        <p:cNvGrpSpPr/>
+        <p:nvPr/>
+      </p:nvGrpSpPr>
+      <p:grpSpPr>
+        <a:xfrm>
+          <a:off x="0" y="0"/>
+          <a:ext cx="0" cy="0"/>
+          <a:chOff x="0" y="0"/>
+          <a:chExt cx="0" cy="0"/>
+        </a:xfrm>
+      </p:grpSpPr>
+      <p:sp>
+        <p:nvSpPr>
+          <p:cNvPr id="2" name="Title 1">
+            <a:extLst>
+              <a:ext uri="{FF2B5EF4-FFF2-40B4-BE49-F238E27FC236}">
+                <a16:creationId xmlns:a16="http://schemas.microsoft.com/office/drawing/2014/main" id="{2739A688-E18D-43D7-B631-C5D51C65C49A}"/>
+              </a:ext>
+            </a:extLst>
+          </p:cNvPr>
+          <p:cNvSpPr>
+            <a:spLocks noGrp="1"/>
+          </p:cNvSpPr>
+          <p:nvPr>
+            <p:ph type="title"/>
+          </p:nvPr>
+        </p:nvSpPr>
+        <p:spPr>
+          <a:xfrm>
+            <a:off x="4826446" y="3203619"/>
+            <a:ext cx="9198117" cy="450762"/>
+          </a:xfrm>
+        </p:spPr>
+        <p:txBody>
+          <a:bodyPr/>
+          <a:lstStyle/>
+          <a:p>
+            <a:r>
+              <a:rPr lang="it-IT" dirty="0"/>
+              <a:t>EXTRA SLIDES</a:t>
+            </a:r>
+            <a:endParaRPr lang="en-US" dirty="0"/>
+          </a:p>
+        </p:txBody>
+      </p:sp>
+      <p:sp>
+        <p:nvSpPr>
+          <p:cNvPr id="5" name="Slide Number Placeholder 4">
+            <a:extLst>
+              <a:ext uri="{FF2B5EF4-FFF2-40B4-BE49-F238E27FC236}">
+                <a16:creationId xmlns:a16="http://schemas.microsoft.com/office/drawing/2014/main" id="{0C8BEC8E-2BB5-4D89-9AB6-382F37CF6DEF}"/>
+              </a:ext>
+            </a:extLst>
+          </p:cNvPr>
+          <p:cNvSpPr>
+            <a:spLocks noGrp="1"/>
+          </p:cNvSpPr>
+          <p:nvPr>
+            <p:ph type="sldNum" sz="quarter" idx="33"/>
+          </p:nvPr>
+        </p:nvSpPr>
+        <p:spPr/>
+        <p:txBody>
+          <a:bodyPr/>
+          <a:lstStyle/>
+          <a:p>
+            <a:pPr rtl="0"/>
+            <a:fld id="{19B51A1E-902D-48AF-9020-955120F399B6}" type="slidenum">
+              <a:rPr lang="it-IT" smtClean="0"/>
+              <a:pPr rtl="0"/>
+              <a:t>18</a:t>
+            </a:fld>
+            <a:endParaRPr lang="it-IT" dirty="0"/>
+          </a:p>
+        </p:txBody>
+      </p:sp>
+    </p:spTree>
+    <p:extLst>
+      <p:ext uri="{BB962C8B-B14F-4D97-AF65-F5344CB8AC3E}">
+        <p14:creationId xmlns:p14="http://schemas.microsoft.com/office/powerpoint/2010/main" val="1432001062"/>
+      </p:ext>
+    </p:extLst>
+  </p:cSld>
+  <p:clrMapOvr>
+    <a:masterClrMapping/>
+  </p:clrMapOvr>
+</p:sld>
+</file>
+
+<file path=ppt/slides/slide19.xml><?xml version="1.0" encoding="utf-8"?>
+<p:sld xmlns:a="http://schemas.openxmlformats.org/drawingml/2006/main" xmlns:r="http://schemas.openxmlformats.org/officeDocument/2006/relationships" xmlns:p="http://schemas.openxmlformats.org/presentationml/2006/main">
+  <p:cSld>
+    <p:spTree>
+      <p:nvGrpSpPr>
+        <p:cNvPr id="1" name=""/>
+        <p:cNvGrpSpPr/>
+        <p:nvPr/>
+      </p:nvGrpSpPr>
+      <p:grpSpPr>
+        <a:xfrm>
+          <a:off x="0" y="0"/>
+          <a:ext cx="0" cy="0"/>
+          <a:chOff x="0" y="0"/>
+          <a:chExt cx="0" cy="0"/>
+        </a:xfrm>
+      </p:grpSpPr>
+      <p:sp>
+        <p:nvSpPr>
+          <p:cNvPr id="2" name="Titolo 1">
+            <a:extLst>
+              <a:ext uri="{FF2B5EF4-FFF2-40B4-BE49-F238E27FC236}">
+                <a16:creationId xmlns:a16="http://schemas.microsoft.com/office/drawing/2014/main" id="{AEA5083B-CC27-4F1C-AD03-E3DBEC1C9E78}"/>
+              </a:ext>
+            </a:extLst>
+          </p:cNvPr>
+          <p:cNvSpPr>
+            <a:spLocks noGrp="1"/>
+          </p:cNvSpPr>
+          <p:nvPr>
+            <p:ph type="title"/>
+          </p:nvPr>
+        </p:nvSpPr>
+        <p:spPr>
+          <a:prstGeom prst="rect">
+            <a:avLst/>
+          </a:prstGeom>
+        </p:spPr>
+        <p:txBody>
+          <a:bodyPr rtlCol="0" anchor="ctr">
+            <a:normAutofit/>
+          </a:bodyPr>
+          <a:lstStyle/>
+          <a:p>
+            <a:pPr rtl="0"/>
+            <a:r>
+              <a:rPr lang="it-IT" dirty="0"/>
+              <a:t>PROBLEMS WITH GARSOFT SIMULATION LINE</a:t>
+            </a:r>
+          </a:p>
+        </p:txBody>
+      </p:sp>
+      <p:sp>
+        <p:nvSpPr>
+          <p:cNvPr id="3" name="TextBox 2">
+            <a:extLst>
+              <a:ext uri="{FF2B5EF4-FFF2-40B4-BE49-F238E27FC236}">
+                <a16:creationId xmlns:a16="http://schemas.microsoft.com/office/drawing/2014/main" id="{EC437B08-CF6A-46CA-B5D9-F1267286FC73}"/>
+              </a:ext>
+            </a:extLst>
+          </p:cNvPr>
+          <p:cNvSpPr txBox="1"/>
+          <p:nvPr/>
+        </p:nvSpPr>
+        <p:spPr>
+          <a:xfrm>
+            <a:off x="177553" y="1147720"/>
+            <a:ext cx="11340822" cy="923330"/>
+          </a:xfrm>
+          <a:prstGeom prst="rect">
+            <a:avLst/>
+          </a:prstGeom>
+          <a:noFill/>
+        </p:spPr>
+        <p:txBody>
+          <a:bodyPr wrap="square" rtlCol="0">
+            <a:spAutoFit/>
+          </a:bodyPr>
+          <a:lstStyle/>
+          <a:p>
+            <a:pPr marL="285750" indent="-285750">
+              <a:buFont typeface="Arial" panose="020B0604020202020204" pitchFamily="34" charset="0"/>
+              <a:buChar char="•"/>
+            </a:pPr>
+            <a:r>
+              <a:rPr lang="it-IT" dirty="0"/>
+              <a:t>After the edep-sim to GarSoft conversion (which exited with art status 0) I tried to follow the Garsoft simulation chain and to input the resulting file in a read-out simulation job: </a:t>
+            </a:r>
+            <a:r>
+              <a:rPr lang="en-US" dirty="0">
+                <a:solidFill>
+                  <a:srgbClr val="00B0F0"/>
+                </a:solidFill>
+              </a:rPr>
+              <a:t>art -c </a:t>
+            </a:r>
+            <a:r>
+              <a:rPr lang="en-US" dirty="0" err="1">
+                <a:solidFill>
+                  <a:srgbClr val="00B0F0"/>
+                </a:solidFill>
+              </a:rPr>
+              <a:t>readoutsimjob.fcl</a:t>
+            </a:r>
+            <a:r>
+              <a:rPr lang="en-US" dirty="0">
+                <a:solidFill>
+                  <a:srgbClr val="00B0F0"/>
+                </a:solidFill>
+              </a:rPr>
+              <a:t> </a:t>
+            </a:r>
+            <a:r>
+              <a:rPr lang="en-US" dirty="0" err="1">
+                <a:solidFill>
+                  <a:srgbClr val="00B0F0"/>
+                </a:solidFill>
+              </a:rPr>
+              <a:t>my_edepsim_converted_out.root</a:t>
+            </a:r>
+            <a:endParaRPr lang="it-IT" dirty="0">
+              <a:solidFill>
+                <a:srgbClr val="00B0F0"/>
+              </a:solidFill>
+            </a:endParaRPr>
+          </a:p>
+          <a:p>
+            <a:pPr marL="285750" indent="-285750">
+              <a:buFont typeface="Arial" panose="020B0604020202020204" pitchFamily="34" charset="0"/>
+              <a:buChar char="•"/>
+            </a:pPr>
+            <a:r>
+              <a:rPr lang="it-IT" dirty="0"/>
+              <a:t>Unfortunately, I get the following error as if there were a file format missmatch: </a:t>
+            </a:r>
+            <a:endParaRPr lang="en-US" dirty="0"/>
+          </a:p>
+        </p:txBody>
+      </p:sp>
+      <p:pic>
+        <p:nvPicPr>
+          <p:cNvPr id="4" name="Picture 3">
+            <a:extLst>
+              <a:ext uri="{FF2B5EF4-FFF2-40B4-BE49-F238E27FC236}">
+                <a16:creationId xmlns:a16="http://schemas.microsoft.com/office/drawing/2014/main" id="{61BCE644-A4AC-4083-8D03-37A897285A2A}"/>
+              </a:ext>
+            </a:extLst>
+          </p:cNvPr>
+          <p:cNvPicPr>
+            <a:picLocks noChangeAspect="1"/>
+          </p:cNvPicPr>
+          <p:nvPr/>
+        </p:nvPicPr>
+        <p:blipFill>
+          <a:blip r:embed="rId2"/>
+          <a:stretch>
+            <a:fillRect/>
+          </a:stretch>
+        </p:blipFill>
+        <p:spPr>
+          <a:xfrm>
+            <a:off x="177553" y="2354770"/>
+            <a:ext cx="11836893" cy="3348441"/>
+          </a:xfrm>
+          <a:prstGeom prst="rect">
+            <a:avLst/>
+          </a:prstGeom>
+        </p:spPr>
+      </p:pic>
+      <p:sp>
+        <p:nvSpPr>
+          <p:cNvPr id="6" name="Segnaposto numero diapositiva 5">
+            <a:extLst>
+              <a:ext uri="{FF2B5EF4-FFF2-40B4-BE49-F238E27FC236}">
+                <a16:creationId xmlns:a16="http://schemas.microsoft.com/office/drawing/2014/main" id="{E5854648-DD9E-4451-8811-25FAB90F0221}"/>
+              </a:ext>
+            </a:extLst>
+          </p:cNvPr>
+          <p:cNvSpPr>
+            <a:spLocks noGrp="1"/>
+          </p:cNvSpPr>
+          <p:nvPr>
+            <p:ph type="sldNum" sz="quarter" idx="33"/>
+          </p:nvPr>
+        </p:nvSpPr>
+        <p:spPr>
+          <a:xfrm>
+            <a:off x="11772820" y="6401750"/>
+            <a:ext cx="278418" cy="274324"/>
+          </a:xfrm>
+          <a:prstGeom prst="rect">
+            <a:avLst/>
+          </a:prstGeom>
+        </p:spPr>
+        <p:txBody>
+          <a:bodyPr rtlCol="0" anchor="ctr">
+            <a:normAutofit/>
+          </a:bodyPr>
+          <a:lstStyle/>
+          <a:p>
+            <a:pPr rtl="0">
+              <a:spcAft>
+                <a:spcPts val="600"/>
+              </a:spcAft>
+            </a:pPr>
+            <a:fld id="{19B51A1E-902D-48AF-9020-955120F399B6}" type="slidenum">
+              <a:rPr lang="it-IT" smtClean="0"/>
+              <a:pPr rtl="0">
+                <a:spcAft>
+                  <a:spcPts val="600"/>
+                </a:spcAft>
+              </a:pPr>
+              <a:t>19</a:t>
+            </a:fld>
+            <a:endParaRPr lang="it-IT"/>
+          </a:p>
+        </p:txBody>
+      </p:sp>
+    </p:spTree>
+    <p:extLst>
+      <p:ext uri="{BB962C8B-B14F-4D97-AF65-F5344CB8AC3E}">
+        <p14:creationId xmlns:p14="http://schemas.microsoft.com/office/powerpoint/2010/main" val="1034186740"/>
+      </p:ext>
+    </p:extLst>
+  </p:cSld>
+  <p:clrMapOvr>
+    <a:masterClrMapping/>
+  </p:clrMapOvr>
+</p:sld>
+</file>
+
+<file path=ppt/slides/slide2.xml><?xml version="1.0" encoding="utf-8"?>
+<p:sld xmlns:a="http://schemas.openxmlformats.org/drawingml/2006/main" xmlns:r="http://schemas.openxmlformats.org/officeDocument/2006/relationships" xmlns:p="http://schemas.openxmlformats.org/presentationml/2006/main">
+  <p:cSld>
+    <p:spTree>
+      <p:nvGrpSpPr>
+        <p:cNvPr id="1" name=""/>
+        <p:cNvGrpSpPr/>
+        <p:nvPr/>
+      </p:nvGrpSpPr>
+      <p:grpSpPr>
+        <a:xfrm>
+          <a:off x="0" y="0"/>
+          <a:ext cx="0" cy="0"/>
+          <a:chOff x="0" y="0"/>
+          <a:chExt cx="0" cy="0"/>
+        </a:xfrm>
+      </p:grpSpPr>
+      <p:sp>
+        <p:nvSpPr>
+          <p:cNvPr id="2" name="Titolo 1">
+            <a:extLst>
+              <a:ext uri="{FF2B5EF4-FFF2-40B4-BE49-F238E27FC236}">
+                <a16:creationId xmlns:a16="http://schemas.microsoft.com/office/drawing/2014/main" id="{AEA5083B-CC27-4F1C-AD03-E3DBEC1C9E78}"/>
+              </a:ext>
+            </a:extLst>
+          </p:cNvPr>
+          <p:cNvSpPr>
+            <a:spLocks noGrp="1"/>
+          </p:cNvSpPr>
+          <p:nvPr>
+            <p:ph type="title"/>
+          </p:nvPr>
+        </p:nvSpPr>
+        <p:spPr>
+          <a:prstGeom prst="rect">
+            <a:avLst/>
+          </a:prstGeom>
+        </p:spPr>
+        <p:txBody>
+          <a:bodyPr rtlCol="0" anchor="ctr">
+            <a:normAutofit/>
+          </a:bodyPr>
+          <a:lstStyle/>
+          <a:p>
+            <a:pPr rtl="0"/>
+            <a:r>
+              <a:rPr lang="it-IT" dirty="0"/>
+              <a:t>Immidiate and future goals</a:t>
+            </a:r>
+          </a:p>
+        </p:txBody>
+      </p:sp>
+      <mc:AlternateContent xmlns:mc="http://schemas.openxmlformats.org/markup-compatibility/2006">
+        <mc:Choice xmlns:a14="http://schemas.microsoft.com/office/drawing/2010/main" Requires="a14">
+          <p:sp>
+            <p:nvSpPr>
+              <p:cNvPr id="3" name="TextBox 2">
+                <a:extLst>
+                  <a:ext uri="{FF2B5EF4-FFF2-40B4-BE49-F238E27FC236}">
+                    <a16:creationId xmlns:a16="http://schemas.microsoft.com/office/drawing/2014/main" id="{EC437B08-CF6A-46CA-B5D9-F1267286FC73}"/>
+                  </a:ext>
+                </a:extLst>
+              </p:cNvPr>
+              <p:cNvSpPr txBox="1"/>
+              <p:nvPr/>
+            </p:nvSpPr>
+            <p:spPr>
+              <a:xfrm>
+                <a:off x="514335" y="1267177"/>
+                <a:ext cx="11163328" cy="2554545"/>
+              </a:xfrm>
+              <a:prstGeom prst="rect">
+                <a:avLst/>
+              </a:prstGeom>
+              <a:noFill/>
+            </p:spPr>
+            <p:txBody>
+              <a:bodyPr wrap="square" rtlCol="0">
+                <a:spAutoFit/>
+              </a:bodyPr>
+              <a:lstStyle/>
+              <a:p>
+                <a:pPr marL="285750" indent="-285750">
+                  <a:buFont typeface="Arial" panose="020B0604020202020204" pitchFamily="34" charset="0"/>
+                  <a:buChar char="•"/>
+                </a:pPr>
+                <a:r>
+                  <a:rPr lang="it-IT" sz="2000" dirty="0">
+                    <a:solidFill>
+                      <a:schemeClr val="tx1"/>
+                    </a:solidFill>
+                  </a:rPr>
+                  <a:t>The </a:t>
+                </a:r>
+                <a:r>
+                  <a:rPr lang="it-IT" sz="2000" dirty="0">
+                    <a:solidFill>
+                      <a:srgbClr val="FF0000"/>
+                    </a:solidFill>
+                  </a:rPr>
+                  <a:t>ND-GAr</a:t>
+                </a:r>
+                <a:r>
+                  <a:rPr lang="it-IT" sz="2000" dirty="0">
+                    <a:solidFill>
+                      <a:schemeClr val="tx1"/>
+                    </a:solidFill>
+                  </a:rPr>
+                  <a:t> </a:t>
+                </a:r>
+                <a:r>
+                  <a:rPr lang="it-IT" sz="2000" dirty="0">
+                    <a:solidFill>
+                      <a:srgbClr val="FF0000"/>
+                    </a:solidFill>
+                  </a:rPr>
+                  <a:t>tracking capabilities </a:t>
+                </a:r>
+                <a:r>
+                  <a:rPr lang="it-IT" sz="2000" dirty="0">
+                    <a:solidFill>
+                      <a:schemeClr val="tx1"/>
+                    </a:solidFill>
+                  </a:rPr>
+                  <a:t>need to be carefully studied and benchmarked</a:t>
+                </a:r>
+              </a:p>
+              <a:p>
+                <a:pPr marL="285750" indent="-285750">
+                  <a:buFont typeface="Arial" panose="020B0604020202020204" pitchFamily="34" charset="0"/>
+                  <a:buChar char="•"/>
+                </a:pPr>
+                <a:r>
+                  <a:rPr lang="it-IT" sz="2000" dirty="0">
+                    <a:solidFill>
+                      <a:schemeClr val="tx1"/>
+                    </a:solidFill>
+                  </a:rPr>
+                  <a:t>Specifically the </a:t>
+                </a:r>
+                <a:r>
+                  <a:rPr lang="it-IT" sz="2000" dirty="0">
+                    <a:solidFill>
+                      <a:srgbClr val="FF0000"/>
+                    </a:solidFill>
+                  </a:rPr>
+                  <a:t>momentum reconstruction algorithms</a:t>
+                </a:r>
+                <a:r>
+                  <a:rPr lang="it-IT" sz="2000" dirty="0">
+                    <a:solidFill>
+                      <a:schemeClr val="tx1"/>
+                    </a:solidFill>
+                  </a:rPr>
+                  <a:t>, involving </a:t>
+                </a:r>
+                <a:r>
+                  <a:rPr lang="it-IT" sz="2000" dirty="0">
+                    <a:solidFill>
+                      <a:srgbClr val="FF0000"/>
+                    </a:solidFill>
+                  </a:rPr>
+                  <a:t>Kalman filter</a:t>
+                </a:r>
+                <a:r>
+                  <a:rPr lang="it-IT" sz="2000" dirty="0">
+                    <a:solidFill>
+                      <a:schemeClr val="tx1"/>
+                    </a:solidFill>
+                  </a:rPr>
+                  <a:t>, need to be evaluated in their efficacy and potentially improved</a:t>
+                </a:r>
+              </a:p>
+              <a:p>
+                <a:pPr marL="800100" lvl="1" indent="-342900">
+                  <a:buFont typeface="Times New Roman" panose="02020603050405020304" pitchFamily="18" charset="0"/>
+                  <a:buChar char="‣"/>
+                </a:pPr>
+                <a:r>
+                  <a:rPr lang="en-US" sz="2000" dirty="0"/>
+                  <a:t>Tracking in ND </a:t>
+                </a:r>
+                <a:r>
+                  <a:rPr lang="en-US" sz="2000" dirty="0" err="1"/>
+                  <a:t>GAr</a:t>
+                </a:r>
+                <a:r>
+                  <a:rPr lang="en-US" sz="2000" dirty="0"/>
+                  <a:t> will have to take into account </a:t>
+                </a:r>
+                <a:r>
+                  <a:rPr lang="en-US" sz="2000" dirty="0" err="1">
+                    <a:solidFill>
+                      <a:srgbClr val="FF0000"/>
+                    </a:solidFill>
+                  </a:rPr>
+                  <a:t>dEdx</a:t>
+                </a:r>
+                <a:r>
+                  <a:rPr lang="en-US" sz="2000" dirty="0">
+                    <a:solidFill>
+                      <a:srgbClr val="FF0000"/>
+                    </a:solidFill>
+                  </a:rPr>
+                  <a:t> , multiple scattering and field inhomogeneity</a:t>
+                </a:r>
+                <a:r>
+                  <a:rPr lang="en-US" sz="2000" dirty="0"/>
+                  <a:t> in high pressure gasses if performances at the levels of ALICE or better want to be achieved</a:t>
+                </a:r>
+              </a:p>
+              <a:p>
+                <a:pPr marL="285750" indent="-285750">
+                  <a:buFont typeface="Arial" panose="020B0604020202020204" pitchFamily="34" charset="0"/>
+                  <a:buChar char="•"/>
+                </a:pPr>
+                <a:r>
+                  <a:rPr lang="en-US" sz="2000" dirty="0"/>
+                  <a:t>An important role of </a:t>
+                </a:r>
+                <a:r>
+                  <a:rPr lang="en-US" sz="2000" dirty="0">
+                    <a:solidFill>
+                      <a:srgbClr val="FF0000"/>
+                    </a:solidFill>
+                  </a:rPr>
+                  <a:t>ND-</a:t>
+                </a:r>
+                <a:r>
+                  <a:rPr lang="en-US" sz="2000" dirty="0" err="1">
+                    <a:solidFill>
+                      <a:srgbClr val="FF0000"/>
+                    </a:solidFill>
+                  </a:rPr>
+                  <a:t>GAr</a:t>
+                </a:r>
+                <a:r>
+                  <a:rPr lang="en-US" sz="2000" dirty="0"/>
+                  <a:t> will be to function as a </a:t>
+                </a:r>
+                <a:r>
+                  <a:rPr lang="en-US" sz="2000" dirty="0">
+                    <a:solidFill>
+                      <a:srgbClr val="FF0000"/>
+                    </a:solidFill>
+                  </a:rPr>
+                  <a:t>muon spectrometer of ND-</a:t>
+                </a:r>
+                <a:r>
+                  <a:rPr lang="en-US" sz="2000" dirty="0" err="1">
+                    <a:solidFill>
+                      <a:srgbClr val="FF0000"/>
+                    </a:solidFill>
+                  </a:rPr>
+                  <a:t>LAr</a:t>
+                </a:r>
+                <a:r>
+                  <a:rPr lang="en-US" sz="2000" dirty="0">
+                    <a:solidFill>
+                      <a:srgbClr val="FF0000"/>
+                    </a:solidFill>
+                  </a:rPr>
+                  <a:t>: </a:t>
+                </a:r>
+                <a:r>
+                  <a:rPr lang="en-US" sz="2000" dirty="0"/>
+                  <a:t>to evaluate its capabilities in that sense</a:t>
+                </a:r>
+                <a:r>
+                  <a:rPr lang="en-US" sz="2000" dirty="0">
+                    <a:solidFill>
+                      <a:srgbClr val="FF0000"/>
+                    </a:solidFill>
+                  </a:rPr>
+                  <a:t> </a:t>
+                </a:r>
+                <a:r>
+                  <a:rPr lang="en-US" sz="2000" dirty="0"/>
+                  <a:t>the </a:t>
+                </a:r>
+                <a14:m>
+                  <m:oMath xmlns:m="http://schemas.openxmlformats.org/officeDocument/2006/math">
+                    <m:r>
+                      <m:rPr>
+                        <m:sty m:val="p"/>
+                      </m:rPr>
+                      <a:rPr lang="it-IT" sz="2000" b="0" i="1" smtClean="0">
+                        <a:latin typeface="Cambria Math" panose="02040503050406030204" pitchFamily="18" charset="0"/>
+                      </a:rPr>
+                      <m:t>LAr</m:t>
+                    </m:r>
+                    <m:r>
+                      <a:rPr lang="it-IT" sz="2000" b="0" i="1" smtClean="0">
+                        <a:latin typeface="Cambria Math" panose="02040503050406030204" pitchFamily="18" charset="0"/>
+                      </a:rPr>
+                      <m:t>→</m:t>
+                    </m:r>
+                    <m:r>
+                      <m:rPr>
+                        <m:sty m:val="p"/>
+                      </m:rPr>
+                      <a:rPr lang="it-IT" sz="2000" b="0" i="1" smtClean="0">
+                        <a:latin typeface="Cambria Math" panose="02040503050406030204" pitchFamily="18" charset="0"/>
+                      </a:rPr>
+                      <m:t>GAr</m:t>
+                    </m:r>
+                  </m:oMath>
+                </a14:m>
+                <a:r>
+                  <a:rPr lang="en-US" sz="2000" dirty="0"/>
+                  <a:t> propagation of tracks needs to be understood</a:t>
+                </a:r>
+              </a:p>
+            </p:txBody>
+          </p:sp>
+        </mc:Choice>
+        <mc:Fallback>
+          <p:sp>
+            <p:nvSpPr>
+              <p:cNvPr id="3" name="TextBox 2">
+                <a:extLst>
+                  <a:ext uri="{FF2B5EF4-FFF2-40B4-BE49-F238E27FC236}">
+                    <a16:creationId xmlns:a16="http://schemas.microsoft.com/office/drawing/2014/main" id="{EC437B08-CF6A-46CA-B5D9-F1267286FC73}"/>
+                  </a:ext>
+                </a:extLst>
+              </p:cNvPr>
+              <p:cNvSpPr txBox="1">
+                <a:spLocks noRot="1" noChangeAspect="1" noMove="1" noResize="1" noEditPoints="1" noAdjustHandles="1" noChangeArrowheads="1" noChangeShapeType="1" noTextEdit="1"/>
+              </p:cNvSpPr>
+              <p:nvPr/>
+            </p:nvSpPr>
+            <p:spPr>
+              <a:xfrm>
+                <a:off x="514335" y="1267177"/>
+                <a:ext cx="11163328" cy="2554545"/>
+              </a:xfrm>
+              <a:prstGeom prst="rect">
+                <a:avLst/>
+              </a:prstGeom>
+              <a:blipFill>
+                <a:blip r:embed="rId2"/>
+                <a:stretch>
+                  <a:fillRect l="-491" t="-1432" b="-3341"/>
+                </a:stretch>
+              </a:blipFill>
+            </p:spPr>
+            <p:txBody>
+              <a:bodyPr/>
+              <a:lstStyle/>
+              <a:p>
+                <a:r>
+                  <a:rPr lang="en-US">
+                    <a:noFill/>
+                  </a:rPr>
+                  <a:t> </a:t>
+                </a:r>
+              </a:p>
+            </p:txBody>
+          </p:sp>
+        </mc:Fallback>
+      </mc:AlternateContent>
+      <p:sp>
+        <p:nvSpPr>
+          <p:cNvPr id="4" name="Segnaposto numero diapositiva 5">
+            <a:extLst>
+              <a:ext uri="{FF2B5EF4-FFF2-40B4-BE49-F238E27FC236}">
+                <a16:creationId xmlns:a16="http://schemas.microsoft.com/office/drawing/2014/main" id="{44FA60AD-7BAB-45E8-85BE-0650BB8FE7B2}"/>
+              </a:ext>
+            </a:extLst>
+          </p:cNvPr>
+          <p:cNvSpPr>
+            <a:spLocks noGrp="1"/>
+          </p:cNvSpPr>
+          <p:nvPr>
+            <p:ph type="sldNum" sz="quarter" idx="33"/>
+          </p:nvPr>
+        </p:nvSpPr>
+        <p:spPr>
+          <a:xfrm>
+            <a:off x="11772820" y="6401750"/>
+            <a:ext cx="278418" cy="274324"/>
+          </a:xfrm>
+          <a:prstGeom prst="rect">
+            <a:avLst/>
+          </a:prstGeom>
+        </p:spPr>
+        <p:txBody>
+          <a:bodyPr rtlCol="0" anchor="ctr">
+            <a:normAutofit/>
+          </a:bodyPr>
+          <a:lstStyle/>
+          <a:p>
+            <a:pPr rtl="0">
+              <a:spcAft>
+                <a:spcPts val="600"/>
+              </a:spcAft>
+            </a:pPr>
+            <a:fld id="{19B51A1E-902D-48AF-9020-955120F399B6}" type="slidenum">
+              <a:rPr lang="it-IT" smtClean="0"/>
+              <a:pPr rtl="0">
+                <a:spcAft>
+                  <a:spcPts val="600"/>
+                </a:spcAft>
+              </a:pPr>
+              <a:t>2</a:t>
+            </a:fld>
+            <a:endParaRPr lang="it-IT"/>
+          </a:p>
+        </p:txBody>
+      </p:sp>
+      <mc:AlternateContent xmlns:mc="http://schemas.openxmlformats.org/markup-compatibility/2006">
+        <mc:Choice xmlns:a14="http://schemas.microsoft.com/office/drawing/2010/main" Requires="a14">
+          <p:sp>
+            <p:nvSpPr>
+              <p:cNvPr id="5" name="Rectangle 4">
+                <a:extLst>
+                  <a:ext uri="{FF2B5EF4-FFF2-40B4-BE49-F238E27FC236}">
+                    <a16:creationId xmlns:a16="http://schemas.microsoft.com/office/drawing/2014/main" id="{E60AEE9B-F35B-469F-A184-5E68DF815EEB}"/>
+                  </a:ext>
+                </a:extLst>
+              </p:cNvPr>
+              <p:cNvSpPr/>
+              <p:nvPr/>
+            </p:nvSpPr>
+            <p:spPr>
+              <a:xfrm>
+                <a:off x="709584" y="4703783"/>
+                <a:ext cx="10772829" cy="1040349"/>
+              </a:xfrm>
+              <a:prstGeom prst="rect">
+                <a:avLst/>
+              </a:prstGeom>
+              <a:solidFill>
+                <a:schemeClr val="accent2">
+                  <a:lumMod val="20000"/>
+                  <a:lumOff val="80000"/>
+                </a:schemeClr>
+              </a:solidFill>
+            </p:spPr>
+            <p:txBody>
+              <a:bodyPr wrap="square">
+                <a:spAutoFit/>
+              </a:bodyPr>
+              <a:lstStyle/>
+              <a:p>
+                <a:pPr marL="285750" indent="-285750">
+                  <a:buFont typeface="Arial" panose="020B0604020202020204" pitchFamily="34" charset="0"/>
+                  <a:buChar char="•"/>
+                </a:pPr>
+                <a:r>
+                  <a:rPr lang="it-IT" sz="2000" dirty="0"/>
+                  <a:t>Easiest sample to study consists of </a:t>
+                </a:r>
+                <a:r>
+                  <a:rPr lang="it-IT" sz="2000" dirty="0">
+                    <a:solidFill>
+                      <a:srgbClr val="FF0000"/>
+                    </a:solidFill>
+                  </a:rPr>
+                  <a:t>muons produced in </a:t>
+                </a:r>
+                <a14:m>
+                  <m:oMath xmlns:m="http://schemas.openxmlformats.org/officeDocument/2006/math">
+                    <m:sSub>
+                      <m:sSubPr>
+                        <m:ctrlPr>
+                          <a:rPr lang="it-IT" sz="2000" i="1">
+                            <a:solidFill>
+                              <a:srgbClr val="FF0000"/>
+                            </a:solidFill>
+                            <a:latin typeface="Cambria Math" panose="02040503050406030204" pitchFamily="18" charset="0"/>
+                          </a:rPr>
+                        </m:ctrlPr>
+                      </m:sSubPr>
+                      <m:e>
+                        <m:r>
+                          <a:rPr lang="it-IT" sz="2000" i="1">
+                            <a:solidFill>
+                              <a:srgbClr val="FF0000"/>
+                            </a:solidFill>
+                            <a:latin typeface="Cambria Math" panose="02040503050406030204" pitchFamily="18" charset="0"/>
+                          </a:rPr>
+                          <m:t>𝜈</m:t>
+                        </m:r>
+                      </m:e>
+                      <m:sub>
+                        <m:r>
+                          <a:rPr lang="it-IT" sz="2000" i="1">
+                            <a:solidFill>
+                              <a:srgbClr val="FF0000"/>
+                            </a:solidFill>
+                            <a:latin typeface="Cambria Math" panose="02040503050406030204" pitchFamily="18" charset="0"/>
+                          </a:rPr>
+                          <m:t>𝜇</m:t>
+                        </m:r>
+                      </m:sub>
+                    </m:sSub>
+                    <m:r>
+                      <a:rPr lang="it-IT" sz="2000" i="1">
+                        <a:solidFill>
+                          <a:srgbClr val="FF0000"/>
+                        </a:solidFill>
+                        <a:latin typeface="Cambria Math" panose="02040503050406030204" pitchFamily="18" charset="0"/>
+                      </a:rPr>
+                      <m:t>(</m:t>
+                    </m:r>
+                    <m:r>
+                      <a:rPr lang="it-IT" sz="2000" i="1">
+                        <a:solidFill>
+                          <a:srgbClr val="FF0000"/>
+                        </a:solidFill>
+                        <a:latin typeface="Cambria Math" panose="02040503050406030204" pitchFamily="18" charset="0"/>
+                      </a:rPr>
+                      <m:t>𝐶𝐶</m:t>
+                    </m:r>
+                    <m:r>
+                      <a:rPr lang="it-IT" sz="2000" i="1">
+                        <a:solidFill>
+                          <a:srgbClr val="FF0000"/>
+                        </a:solidFill>
+                        <a:latin typeface="Cambria Math" panose="02040503050406030204" pitchFamily="18" charset="0"/>
+                      </a:rPr>
+                      <m:t>)</m:t>
+                    </m:r>
+                  </m:oMath>
+                </a14:m>
+                <a:r>
+                  <a:rPr lang="en-US" sz="2000" dirty="0">
+                    <a:solidFill>
+                      <a:srgbClr val="FF0000"/>
+                    </a:solidFill>
+                  </a:rPr>
+                  <a:t> interactions in the </a:t>
+                </a:r>
+                <a:r>
+                  <a:rPr lang="en-US" sz="2000" dirty="0" err="1">
+                    <a:solidFill>
+                      <a:srgbClr val="FF0000"/>
+                    </a:solidFill>
+                  </a:rPr>
+                  <a:t>ArgonCube</a:t>
+                </a:r>
+                <a:r>
+                  <a:rPr lang="en-US" sz="2000" dirty="0">
+                    <a:solidFill>
+                      <a:srgbClr val="FF0000"/>
+                    </a:solidFill>
+                  </a:rPr>
+                  <a:t> that reach the Gas Argon TPC</a:t>
+                </a:r>
+              </a:p>
+              <a:p>
+                <a:pPr marL="800100" lvl="1" indent="-342900">
+                  <a:buFont typeface="Times New Roman" panose="02020603050405020304" pitchFamily="18" charset="0"/>
+                  <a:buChar char="‣"/>
+                </a:pPr>
+                <a:r>
+                  <a:rPr lang="en-US" sz="2000" dirty="0"/>
+                  <a:t>Learn how these samples are produced by the experts and be able to reproduce them</a:t>
+                </a:r>
+              </a:p>
+            </p:txBody>
+          </p:sp>
+        </mc:Choice>
+        <mc:Fallback>
+          <p:sp>
+            <p:nvSpPr>
+              <p:cNvPr id="5" name="Rectangle 4">
+                <a:extLst>
+                  <a:ext uri="{FF2B5EF4-FFF2-40B4-BE49-F238E27FC236}">
+                    <a16:creationId xmlns:a16="http://schemas.microsoft.com/office/drawing/2014/main" id="{E60AEE9B-F35B-469F-A184-5E68DF815EEB}"/>
+                  </a:ext>
+                </a:extLst>
+              </p:cNvPr>
+              <p:cNvSpPr>
+                <a:spLocks noRot="1" noChangeAspect="1" noMove="1" noResize="1" noEditPoints="1" noAdjustHandles="1" noChangeArrowheads="1" noChangeShapeType="1" noTextEdit="1"/>
+              </p:cNvSpPr>
+              <p:nvPr/>
+            </p:nvSpPr>
+            <p:spPr>
+              <a:xfrm>
+                <a:off x="709584" y="4703783"/>
+                <a:ext cx="10772829" cy="1040349"/>
+              </a:xfrm>
+              <a:prstGeom prst="rect">
+                <a:avLst/>
+              </a:prstGeom>
+              <a:blipFill>
+                <a:blip r:embed="rId3"/>
+                <a:stretch>
+                  <a:fillRect l="-509" t="-3529" b="-10000"/>
+                </a:stretch>
+              </a:blipFill>
+            </p:spPr>
+            <p:txBody>
+              <a:bodyPr/>
+              <a:lstStyle/>
+              <a:p>
+                <a:r>
+                  <a:rPr lang="en-US">
+                    <a:noFill/>
+                  </a:rPr>
+                  <a:t> </a:t>
+                </a:r>
+              </a:p>
+            </p:txBody>
+          </p:sp>
+        </mc:Fallback>
+      </mc:AlternateContent>
+      <p:sp>
+        <p:nvSpPr>
+          <p:cNvPr id="6" name="Arrow: Down 5">
+            <a:extLst>
+              <a:ext uri="{FF2B5EF4-FFF2-40B4-BE49-F238E27FC236}">
+                <a16:creationId xmlns:a16="http://schemas.microsoft.com/office/drawing/2014/main" id="{754BC494-211F-4151-B221-E78A99513354}"/>
+              </a:ext>
+            </a:extLst>
+          </p:cNvPr>
+          <p:cNvSpPr/>
+          <p:nvPr/>
+        </p:nvSpPr>
+        <p:spPr>
+          <a:xfrm>
+            <a:off x="5759936" y="3991236"/>
+            <a:ext cx="672123" cy="467326"/>
+          </a:xfrm>
+          <a:prstGeom prst="downArrow">
+            <a:avLst/>
+          </a:prstGeom>
+          <a:solidFill>
+            <a:schemeClr val="accent2">
+              <a:lumMod val="20000"/>
+              <a:lumOff val="80000"/>
+            </a:schemeClr>
+          </a:solidFill>
+          <a:ln>
+            <a:solidFill>
+              <a:schemeClr val="accent1"/>
+            </a:solidFill>
+          </a:ln>
+        </p:spPr>
+        <p:style>
+          <a:lnRef idx="2">
+            <a:schemeClr val="accent1">
+              <a:shade val="50000"/>
+            </a:schemeClr>
+          </a:lnRef>
+          <a:fillRef idx="1">
+            <a:schemeClr val="accent1"/>
+          </a:fillRef>
+          <a:effectRef idx="0">
+            <a:schemeClr val="accent1"/>
+          </a:effectRef>
+          <a:fontRef idx="minor">
+            <a:schemeClr val="lt1"/>
+          </a:fontRef>
+        </p:style>
+        <p:txBody>
+          <a:bodyPr rtlCol="0" anchor="ctr"/>
+          <a:lstStyle/>
+          <a:p>
+            <a:pPr algn="ctr"/>
+            <a:endParaRPr lang="en-US"/>
+          </a:p>
+        </p:txBody>
+      </p:sp>
+    </p:spTree>
+    <p:extLst>
+      <p:ext uri="{BB962C8B-B14F-4D97-AF65-F5344CB8AC3E}">
+        <p14:creationId xmlns:p14="http://schemas.microsoft.com/office/powerpoint/2010/main" val="2999134951"/>
+      </p:ext>
+    </p:extLst>
+  </p:cSld>
+  <p:clrMapOvr>
+    <a:masterClrMapping/>
+  </p:clrMapOvr>
+</p:sld>
+</file>
+
+<file path=ppt/slides/slide20.xml><?xml version="1.0" encoding="utf-8"?>
+<p:sld xmlns:a="http://schemas.openxmlformats.org/drawingml/2006/main" xmlns:r="http://schemas.openxmlformats.org/officeDocument/2006/relationships" xmlns:p="http://schemas.openxmlformats.org/presentationml/2006/main">
+  <p:cSld>
+    <p:spTree>
+      <p:nvGrpSpPr>
+        <p:cNvPr id="1" name=""/>
+        <p:cNvGrpSpPr/>
+        <p:nvPr/>
+      </p:nvGrpSpPr>
+      <p:grpSpPr>
+        <a:xfrm>
+          <a:off x="0" y="0"/>
+          <a:ext cx="0" cy="0"/>
+          <a:chOff x="0" y="0"/>
+          <a:chExt cx="0" cy="0"/>
+        </a:xfrm>
+      </p:grpSpPr>
+      <p:sp>
+        <p:nvSpPr>
+          <p:cNvPr id="2" name="Titolo 1">
+            <a:extLst>
+              <a:ext uri="{FF2B5EF4-FFF2-40B4-BE49-F238E27FC236}">
+                <a16:creationId xmlns:a16="http://schemas.microsoft.com/office/drawing/2014/main" id="{AEA5083B-CC27-4F1C-AD03-E3DBEC1C9E78}"/>
+              </a:ext>
+            </a:extLst>
+          </p:cNvPr>
+          <p:cNvSpPr>
+            <a:spLocks noGrp="1"/>
+          </p:cNvSpPr>
+          <p:nvPr>
+            <p:ph type="title"/>
+          </p:nvPr>
+        </p:nvSpPr>
+        <p:spPr>
+          <a:prstGeom prst="rect">
+            <a:avLst/>
+          </a:prstGeom>
+        </p:spPr>
+        <p:txBody>
+          <a:bodyPr rtlCol="0" anchor="ctr">
+            <a:normAutofit/>
+          </a:bodyPr>
+          <a:lstStyle/>
+          <a:p>
+            <a:pPr rtl="0"/>
+            <a:r>
+              <a:rPr lang="it-IT" dirty="0"/>
+              <a:t>Resolution as a function of y</a:t>
+            </a:r>
+          </a:p>
+        </p:txBody>
+      </p:sp>
+      <p:sp>
+        <p:nvSpPr>
+          <p:cNvPr id="6" name="Segnaposto numero diapositiva 5">
+            <a:extLst>
+              <a:ext uri="{FF2B5EF4-FFF2-40B4-BE49-F238E27FC236}">
+                <a16:creationId xmlns:a16="http://schemas.microsoft.com/office/drawing/2014/main" id="{46D051DA-5DAD-43A7-A238-51C63BA59FEC}"/>
+              </a:ext>
+            </a:extLst>
+          </p:cNvPr>
+          <p:cNvSpPr>
+            <a:spLocks noGrp="1"/>
+          </p:cNvSpPr>
+          <p:nvPr>
+            <p:ph type="sldNum" sz="quarter" idx="33"/>
+          </p:nvPr>
+        </p:nvSpPr>
+        <p:spPr>
+          <a:prstGeom prst="rect">
+            <a:avLst/>
+          </a:prstGeom>
+        </p:spPr>
+        <p:txBody>
+          <a:bodyPr rtlCol="0" anchor="ctr">
+            <a:normAutofit/>
+          </a:bodyPr>
+          <a:lstStyle/>
+          <a:p>
+            <a:pPr rtl="0">
+              <a:spcAft>
+                <a:spcPts val="600"/>
+              </a:spcAft>
+            </a:pPr>
+            <a:fld id="{19B51A1E-902D-48AF-9020-955120F399B6}" type="slidenum">
+              <a:rPr lang="it-IT" smtClean="0"/>
+              <a:pPr rtl="0">
+                <a:spcAft>
+                  <a:spcPts val="600"/>
+                </a:spcAft>
+              </a:pPr>
+              <a:t>20</a:t>
             </a:fld>
             <a:endParaRPr lang="it-IT"/>
           </a:p>
@@ -9386,7 +11328,7 @@
 </p:sld>
 </file>
 
-<file path=ppt/slides/slide17.xml><?xml version="1.0" encoding="utf-8"?>
+<file path=ppt/slides/slide21.xml><?xml version="1.0" encoding="utf-8"?>
 <p:sld xmlns:a="http://schemas.openxmlformats.org/drawingml/2006/main" xmlns:r="http://schemas.openxmlformats.org/officeDocument/2006/relationships" xmlns:p="http://schemas.openxmlformats.org/presentationml/2006/main">
   <p:cSld>
     <p:spTree>
@@ -9420,10 +11362,6 @@
           </p:nvPr>
         </p:nvSpPr>
         <p:spPr>
-          <a:xfrm>
-            <a:off x="431999" y="413238"/>
-            <a:ext cx="9198117" cy="450762"/>
-          </a:xfrm>
           <a:prstGeom prst="rect">
             <a:avLst/>
           </a:prstGeom>
@@ -9459,10 +11397,6 @@
           </p:nvPr>
         </p:nvSpPr>
         <p:spPr>
-          <a:xfrm>
-            <a:off x="11772820" y="6401750"/>
-            <a:ext cx="278418" cy="274324"/>
-          </a:xfrm>
           <a:prstGeom prst="rect">
             <a:avLst/>
           </a:prstGeom>
@@ -9485,7 +11419,7 @@
                   <a:spcPts val="600"/>
                 </a:spcAft>
               </a:pPr>
-              <a:t>17</a:t>
+              <a:t>21</a:t>
             </a:fld>
             <a:endParaRPr lang="it-IT"/>
           </a:p>
@@ -9706,7 +11640,7 @@
 </p:sld>
 </file>
 
-<file path=ppt/slides/slide2.xml><?xml version="1.0" encoding="utf-8"?>
+<file path=ppt/slides/slide3.xml><?xml version="1.0" encoding="utf-8"?>
 <p:sld xmlns:a="http://schemas.openxmlformats.org/drawingml/2006/main" xmlns:r="http://schemas.openxmlformats.org/officeDocument/2006/relationships" xmlns:p="http://schemas.openxmlformats.org/presentationml/2006/main">
   <p:cSld>
     <p:spTree>
@@ -9740,10 +11674,6 @@
           </p:nvPr>
         </p:nvSpPr>
         <p:spPr>
-          <a:xfrm>
-            <a:off x="431999" y="413238"/>
-            <a:ext cx="9198117" cy="450762"/>
-          </a:xfrm>
           <a:prstGeom prst="rect">
             <a:avLst/>
           </a:prstGeom>
@@ -9779,10 +11709,6 @@
           </p:nvPr>
         </p:nvSpPr>
         <p:spPr>
-          <a:xfrm>
-            <a:off x="11772820" y="6401750"/>
-            <a:ext cx="278418" cy="274324"/>
-          </a:xfrm>
           <a:prstGeom prst="rect">
             <a:avLst/>
           </a:prstGeom>
@@ -9805,7 +11731,7 @@
                   <a:spcPts val="600"/>
                 </a:spcAft>
               </a:pPr>
-              <a:t>2</a:t>
+              <a:t>3</a:t>
             </a:fld>
             <a:endParaRPr lang="it-IT"/>
           </a:p>
@@ -9863,7 +11789,7 @@
             <p:spPr>
               <a:xfrm>
                 <a:off x="6504384" y="1096631"/>
-                <a:ext cx="5546854" cy="3416320"/>
+                <a:ext cx="5445339" cy="3416320"/>
               </a:xfrm>
               <a:prstGeom prst="rect">
                 <a:avLst/>
@@ -9882,7 +11808,7 @@
                 </a:pPr>
                 <a:r>
                   <a:rPr lang="it-IT" dirty="0"/>
-                  <a:t>To familiarise with the software I started working on a previously existing Garsoft simulation:</a:t>
+                  <a:t>Started working on previously existing Garsoft simulation to familiarise with the software:</a:t>
                 </a:r>
               </a:p>
               <a:p>
@@ -9904,7 +11830,98 @@
                 </a:r>
                 <a:r>
                   <a:rPr lang="en-US" dirty="0"/>
-                  <a:t>, all muons starting outside the Gas Argon detector at z =-500cm, and having x and y coordinate that vary between -200 and 200 cm and -200 and 0 cm respectively</a:t>
+                  <a:t>, all muons starting outside the Gas Argon detector at </a:t>
+                </a:r>
+                <a14:m>
+                  <m:oMath xmlns:m="http://schemas.openxmlformats.org/officeDocument/2006/math">
+                    <m:r>
+                      <a:rPr lang="it-IT" b="0" i="1" smtClean="0">
+                        <a:latin typeface="Cambria Math" panose="02040503050406030204" pitchFamily="18" charset="0"/>
+                      </a:rPr>
+                      <m:t>𝑧</m:t>
+                    </m:r>
+                    <m:r>
+                      <a:rPr lang="it-IT" b="0" i="1" smtClean="0">
+                        <a:latin typeface="Cambria Math" panose="02040503050406030204" pitchFamily="18" charset="0"/>
+                      </a:rPr>
+                      <m:t>=−500</m:t>
+                    </m:r>
+                    <m:r>
+                      <m:rPr>
+                        <m:sty m:val="p"/>
+                      </m:rPr>
+                      <a:rPr lang="it-IT" b="0" i="1" smtClean="0">
+                        <a:latin typeface="Cambria Math" panose="02040503050406030204" pitchFamily="18" charset="0"/>
+                      </a:rPr>
+                      <m:t>cm</m:t>
+                    </m:r>
+                    <m:r>
+                      <a:rPr lang="it-IT" b="0" i="1" smtClean="0">
+                        <a:latin typeface="Cambria Math" panose="02040503050406030204" pitchFamily="18" charset="0"/>
+                      </a:rPr>
+                      <m:t> </m:t>
+                    </m:r>
+                  </m:oMath>
+                </a14:m>
+                <a:r>
+                  <a:rPr lang="en-US" dirty="0"/>
+                  <a:t>, and having x and y coordinate that vary between </a:t>
+                </a:r>
+                <a14:m>
+                  <m:oMath xmlns:m="http://schemas.openxmlformats.org/officeDocument/2006/math">
+                    <m:r>
+                      <a:rPr lang="it-IT" b="0" i="1" smtClean="0">
+                        <a:latin typeface="Cambria Math" panose="02040503050406030204" pitchFamily="18" charset="0"/>
+                      </a:rPr>
+                      <m:t>−200</m:t>
+                    </m:r>
+                  </m:oMath>
+                </a14:m>
+                <a:r>
+                  <a:rPr lang="en-US" dirty="0"/>
+                  <a:t> and </a:t>
+                </a:r>
+                <a14:m>
+                  <m:oMath xmlns:m="http://schemas.openxmlformats.org/officeDocument/2006/math">
+                    <m:r>
+                      <a:rPr lang="it-IT" i="1">
+                        <a:latin typeface="Cambria Math" panose="02040503050406030204" pitchFamily="18" charset="0"/>
+                      </a:rPr>
+                      <m:t>200</m:t>
+                    </m:r>
+                  </m:oMath>
+                </a14:m>
+                <a:r>
+                  <a:rPr lang="en-US" dirty="0"/>
+                  <a:t> cm and </a:t>
+                </a:r>
+                <a14:m>
+                  <m:oMath xmlns:m="http://schemas.openxmlformats.org/officeDocument/2006/math">
+                    <m:r>
+                      <a:rPr lang="it-IT" i="1">
+                        <a:latin typeface="Cambria Math" panose="02040503050406030204" pitchFamily="18" charset="0"/>
+                      </a:rPr>
+                      <m:t>−200</m:t>
+                    </m:r>
+                  </m:oMath>
+                </a14:m>
+                <a:r>
+                  <a:rPr lang="en-US" dirty="0"/>
+                  <a:t> and </a:t>
+                </a:r>
+                <a14:m>
+                  <m:oMath xmlns:m="http://schemas.openxmlformats.org/officeDocument/2006/math">
+                    <m:r>
+                      <a:rPr lang="it-IT" i="1">
+                        <a:latin typeface="Cambria Math" panose="02040503050406030204" pitchFamily="18" charset="0"/>
+                      </a:rPr>
+                      <m:t>0</m:t>
+                    </m:r>
+                  </m:oMath>
+                </a14:m>
+                <a:r>
+                  <a:rPr lang="en-US" dirty="0"/>
+                  <a:t> cm respectively</a:t>
                 </a:r>
               </a:p>
               <a:p>
@@ -10089,7 +12106,7 @@
             <p:spPr>
               <a:xfrm>
                 <a:off x="6504384" y="1096631"/>
-                <a:ext cx="5546854" cy="3416320"/>
+                <a:ext cx="5445339" cy="3416320"/>
               </a:xfrm>
               <a:prstGeom prst="rect">
                 <a:avLst/>
@@ -10097,7 +12114,7 @@
               <a:blipFill>
                 <a:blip r:embed="rId2"/>
                 <a:stretch>
-                  <a:fillRect l="-769" t="-1071" r="-1648" b="-1964"/>
+                  <a:fillRect l="-784" t="-1071" r="-1792" b="-1964"/>
                 </a:stretch>
               </a:blipFill>
             </p:spPr>
@@ -10247,7 +12264,7 @@
 </p:sld>
 </file>
 
-<file path=ppt/slides/slide3.xml><?xml version="1.0" encoding="utf-8"?>
+<file path=ppt/slides/slide4.xml><?xml version="1.0" encoding="utf-8"?>
 <p:sld xmlns:a="http://schemas.openxmlformats.org/drawingml/2006/main" xmlns:r="http://schemas.openxmlformats.org/officeDocument/2006/relationships" xmlns:p="http://schemas.openxmlformats.org/presentationml/2006/main">
   <p:cSld>
     <p:spTree>
@@ -10281,10 +12298,6 @@
           </p:nvPr>
         </p:nvSpPr>
         <p:spPr>
-          <a:xfrm>
-            <a:off x="431999" y="413238"/>
-            <a:ext cx="9198117" cy="450762"/>
-          </a:xfrm>
           <a:prstGeom prst="rect">
             <a:avLst/>
           </a:prstGeom>
@@ -10320,10 +12333,6 @@
           </p:nvPr>
         </p:nvSpPr>
         <p:spPr>
-          <a:xfrm>
-            <a:off x="11772820" y="6401750"/>
-            <a:ext cx="278418" cy="274324"/>
-          </a:xfrm>
           <a:prstGeom prst="rect">
             <a:avLst/>
           </a:prstGeom>
@@ -10346,7 +12355,7 @@
                   <a:spcPts val="600"/>
                 </a:spcAft>
               </a:pPr>
-              <a:t>3</a:t>
+              <a:t>4</a:t>
             </a:fld>
             <a:endParaRPr lang="it-IT"/>
           </a:p>
@@ -10379,7 +12388,7 @@
         </p:blipFill>
         <p:spPr>
           <a:xfrm>
-            <a:off x="1354506" y="1554867"/>
+            <a:off x="1354506" y="1777855"/>
             <a:ext cx="4187279" cy="3247449"/>
           </a:xfrm>
           <a:prstGeom prst="rect">
@@ -10403,7 +12412,7 @@
             </p:nvSpPr>
             <p:spPr>
               <a:xfrm>
-                <a:off x="1882070" y="4869857"/>
+                <a:off x="1882070" y="5092845"/>
                 <a:ext cx="3132149" cy="1077218"/>
               </a:xfrm>
               <a:prstGeom prst="rect">
@@ -10439,7 +12448,7 @@
                     <m:d>
                       <m:dPr>
                         <m:ctrlPr>
-                          <a:rPr lang="it-IT" sz="1600" b="0" i="0" smtClean="0">
+                          <a:rPr lang="it-IT" sz="1600" b="0" i="1" smtClean="0">
                             <a:solidFill>
                               <a:srgbClr val="FF0000"/>
                             </a:solidFill>
@@ -10612,7 +12621,7 @@
             </p:nvSpPr>
             <p:spPr>
               <a:xfrm>
-                <a:off x="1882070" y="4869857"/>
+                <a:off x="1882070" y="5092845"/>
                 <a:ext cx="3132149" cy="1077218"/>
               </a:xfrm>
               <a:prstGeom prst="rect">
@@ -10655,7 +12664,7 @@
         <p:spPr>
           <a:xfrm>
             <a:off x="727969" y="997762"/>
-            <a:ext cx="10422384" cy="369332"/>
+            <a:ext cx="10502006" cy="646331"/>
           </a:xfrm>
           <a:prstGeom prst="rect">
             <a:avLst/>
@@ -10674,9 +12683,21 @@
             </a:pPr>
             <a:r>
               <a:rPr lang="it-IT" dirty="0"/>
-              <a:t>The resolution plots show a resolution degradation probably due to energy loss in ECAL</a:t>
-            </a:r>
-            <a:endParaRPr lang="en-US" dirty="0"/>
+              <a:t>The resolution plots show a degradation probably due to energy loss in ECAL: </a:t>
+            </a:r>
+            <a:r>
+              <a:rPr lang="it-IT" dirty="0">
+                <a:solidFill>
+                  <a:srgbClr val="FF0000"/>
+                </a:solidFill>
+              </a:rPr>
+              <a:t>the momentum reconstruction bias needs to be corrected</a:t>
+            </a:r>
+            <a:endParaRPr lang="en-US" dirty="0">
+              <a:solidFill>
+                <a:srgbClr val="FF0000"/>
+              </a:solidFill>
+            </a:endParaRPr>
           </a:p>
         </p:txBody>
       </p:sp>
@@ -10708,7 +12729,7 @@
         </p:blipFill>
         <p:spPr>
           <a:xfrm>
-            <a:off x="6577221" y="1554867"/>
+            <a:off x="6577221" y="1777855"/>
             <a:ext cx="4187279" cy="3247449"/>
           </a:xfrm>
           <a:prstGeom prst="rect">
@@ -10732,7 +12753,7 @@
             </p:nvSpPr>
             <p:spPr>
               <a:xfrm>
-                <a:off x="7104785" y="4865873"/>
+                <a:off x="7104785" y="5092845"/>
                 <a:ext cx="3132149" cy="1077218"/>
               </a:xfrm>
               <a:prstGeom prst="rect">
@@ -10768,7 +12789,7 @@
                     <m:d>
                       <m:dPr>
                         <m:ctrlPr>
-                          <a:rPr lang="it-IT" sz="1600" b="0" i="0" smtClean="0">
+                          <a:rPr lang="it-IT" sz="1600" b="0" i="1" smtClean="0">
                             <a:solidFill>
                               <a:srgbClr val="FF0000"/>
                             </a:solidFill>
@@ -10784,16 +12805,7 @@
                             </a:solidFill>
                             <a:latin typeface="Cambria Math" panose="02040503050406030204" pitchFamily="18" charset="0"/>
                           </a:rPr>
-                          <m:t>3</m:t>
-                        </m:r>
-                        <m:r>
-                          <a:rPr lang="it-IT" sz="1600" b="0" i="0" smtClean="0">
-                            <a:solidFill>
-                              <a:srgbClr val="FF0000"/>
-                            </a:solidFill>
-                            <a:latin typeface="Cambria Math" panose="02040503050406030204" pitchFamily="18" charset="0"/>
-                          </a:rPr>
-                          <m:t>&lt;</m:t>
+                          <m:t>3&lt;</m:t>
                         </m:r>
                         <m:r>
                           <a:rPr lang="it-IT" sz="1600" b="0" i="1" smtClean="0">
@@ -10950,7 +12962,7 @@
             </p:nvSpPr>
             <p:spPr>
               <a:xfrm>
-                <a:off x="7104785" y="4865873"/>
+                <a:off x="7104785" y="5092845"/>
                 <a:ext cx="3132149" cy="1077218"/>
               </a:xfrm>
               <a:prstGeom prst="rect">
@@ -10991,7 +13003,7 @@
 </p:sld>
 </file>
 
-<file path=ppt/slides/slide4.xml><?xml version="1.0" encoding="utf-8"?>
+<file path=ppt/slides/slide5.xml><?xml version="1.0" encoding="utf-8"?>
 <p:sld xmlns:a="http://schemas.openxmlformats.org/drawingml/2006/main" xmlns:r="http://schemas.openxmlformats.org/officeDocument/2006/relationships" xmlns:p="http://schemas.openxmlformats.org/presentationml/2006/main">
   <p:cSld>
     <p:spTree>
@@ -11025,10 +13037,6 @@
           </p:nvPr>
         </p:nvSpPr>
         <p:spPr>
-          <a:xfrm>
-            <a:off x="431999" y="413238"/>
-            <a:ext cx="9198117" cy="450762"/>
-          </a:xfrm>
           <a:prstGeom prst="rect">
             <a:avLst/>
           </a:prstGeom>
@@ -11044,55 +13052,6 @@
               <a:rPr lang="it-IT" dirty="0"/>
               <a:t>RESOLUTION (MUONS from INSIDE THE DETECTOR)</a:t>
             </a:r>
-          </a:p>
-        </p:txBody>
-      </p:sp>
-      <p:sp>
-        <p:nvSpPr>
-          <p:cNvPr id="6" name="Segnaposto numero diapositiva 5">
-            <a:extLst>
-              <a:ext uri="{FF2B5EF4-FFF2-40B4-BE49-F238E27FC236}">
-                <a16:creationId xmlns:a16="http://schemas.microsoft.com/office/drawing/2014/main" id="{46D051DA-5DAD-43A7-A238-51C63BA59FEC}"/>
-              </a:ext>
-            </a:extLst>
-          </p:cNvPr>
-          <p:cNvSpPr>
-            <a:spLocks noGrp="1"/>
-          </p:cNvSpPr>
-          <p:nvPr>
-            <p:ph type="sldNum" sz="quarter" idx="33"/>
-          </p:nvPr>
-        </p:nvSpPr>
-        <p:spPr>
-          <a:xfrm>
-            <a:off x="11772820" y="6472771"/>
-            <a:ext cx="278418" cy="274324"/>
-          </a:xfrm>
-          <a:prstGeom prst="rect">
-            <a:avLst/>
-          </a:prstGeom>
-        </p:spPr>
-        <p:txBody>
-          <a:bodyPr rtlCol="0" anchor="ctr">
-            <a:normAutofit/>
-          </a:bodyPr>
-          <a:lstStyle/>
-          <a:p>
-            <a:pPr rtl="0">
-              <a:spcAft>
-                <a:spcPts val="600"/>
-              </a:spcAft>
-            </a:pPr>
-            <a:fld id="{19B51A1E-902D-48AF-9020-955120F399B6}" type="slidenum">
-              <a:rPr lang="it-IT" smtClean="0"/>
-              <a:pPr rtl="0">
-                <a:spcAft>
-                  <a:spcPts val="600"/>
-                </a:spcAft>
-              </a:pPr>
-              <a:t>4</a:t>
-            </a:fld>
-            <a:endParaRPr lang="it-IT"/>
           </a:p>
         </p:txBody>
       </p:sp>
@@ -11165,7 +13124,7 @@
             </a:pPr>
             <a:r>
               <a:rPr lang="it-IT" dirty="0"/>
-              <a:t>To verify resolution degradation is due to the muon transversing the calorimeter I redid the simulation with a new </a:t>
+              <a:t>To verify resolution degradation is due to the muon transversing the calorimeter, redid the simulation with a new </a:t>
             </a:r>
             <a:r>
               <a:rPr lang="it-IT" dirty="0">
@@ -11270,7 +13229,7 @@
                     <m:d>
                       <m:dPr>
                         <m:ctrlPr>
-                          <a:rPr lang="it-IT" sz="1600" b="0" i="0" smtClean="0">
+                          <a:rPr lang="it-IT" sz="1600" b="0" i="1" smtClean="0">
                             <a:solidFill>
                               <a:srgbClr val="FF0000"/>
                             </a:solidFill>
@@ -11381,13 +13340,16 @@
                       <m:t>(</m:t>
                     </m:r>
                     <m:r>
+                      <m:rPr>
+                        <m:sty m:val="p"/>
+                      </m:rPr>
                       <a:rPr lang="it-IT" sz="1600" b="0" i="1" smtClean="0">
                         <a:solidFill>
                           <a:srgbClr val="0070C0"/>
                         </a:solidFill>
                         <a:latin typeface="Cambria Math" panose="02040503050406030204" pitchFamily="18" charset="0"/>
                       </a:rPr>
-                      <m:t>𝑧</m:t>
+                      <m:t>z</m:t>
                     </m:r>
                     <m:r>
                       <a:rPr lang="it-IT" sz="1600" b="0" i="1" smtClean="0">
@@ -11471,8 +13433,8 @@
           </p:sp>
         </mc:Fallback>
       </mc:AlternateContent>
-      <mc:AlternateContent xmlns:mc="http://schemas.openxmlformats.org/markup-compatibility/2006">
-        <mc:Choice xmlns:a14="http://schemas.microsoft.com/office/drawing/2010/main" Requires="a14">
+      <mc:AlternateContent xmlns:mc="http://schemas.openxmlformats.org/markup-compatibility/2006" xmlns:a14="http://schemas.microsoft.com/office/drawing/2010/main">
+        <mc:Choice Requires="a14">
           <p:sp>
             <p:nvSpPr>
               <p:cNvPr id="12" name="TextBox 11">
@@ -11523,7 +13485,7 @@
                     <m:d>
                       <m:dPr>
                         <m:ctrlPr>
-                          <a:rPr lang="it-IT" sz="1600" b="0" i="0" smtClean="0">
+                          <a:rPr lang="it-IT" sz="1600" b="0" i="1" smtClean="0">
                             <a:solidFill>
                               <a:srgbClr val="FF0000"/>
                             </a:solidFill>
@@ -11539,16 +13501,7 @@
                             </a:solidFill>
                             <a:latin typeface="Cambria Math" panose="02040503050406030204" pitchFamily="18" charset="0"/>
                           </a:rPr>
-                          <m:t>3</m:t>
-                        </m:r>
-                        <m:r>
-                          <a:rPr lang="it-IT" sz="1600" b="0" i="0" smtClean="0">
-                            <a:solidFill>
-                              <a:srgbClr val="FF0000"/>
-                            </a:solidFill>
-                            <a:latin typeface="Cambria Math" panose="02040503050406030204" pitchFamily="18" charset="0"/>
-                          </a:rPr>
-                          <m:t>&lt;</m:t>
+                          <m:t>3&lt;</m:t>
                         </m:r>
                         <m:r>
                           <a:rPr lang="it-IT" sz="1600" b="0" i="1" smtClean="0">
@@ -11688,7 +13641,7 @@
             </p:txBody>
           </p:sp>
         </mc:Choice>
-        <mc:Fallback>
+        <mc:Fallback xmlns="">
           <p:sp>
             <p:nvSpPr>
               <p:cNvPr id="12" name="TextBox 11">
@@ -11733,81 +13686,12 @@
           </p:sp>
         </mc:Fallback>
       </mc:AlternateContent>
-    </p:spTree>
-    <p:extLst>
-      <p:ext uri="{BB962C8B-B14F-4D97-AF65-F5344CB8AC3E}">
-        <p14:creationId xmlns:p14="http://schemas.microsoft.com/office/powerpoint/2010/main" val="2284683645"/>
-      </p:ext>
-    </p:extLst>
-  </p:cSld>
-  <p:clrMapOvr>
-    <a:masterClrMapping/>
-  </p:clrMapOvr>
-</p:sld>
-</file>
-
-<file path=ppt/slides/slide5.xml><?xml version="1.0" encoding="utf-8"?>
-<p:sld xmlns:a="http://schemas.openxmlformats.org/drawingml/2006/main" xmlns:r="http://schemas.openxmlformats.org/officeDocument/2006/relationships" xmlns:p="http://schemas.openxmlformats.org/presentationml/2006/main">
-  <p:cSld>
-    <p:spTree>
-      <p:nvGrpSpPr>
-        <p:cNvPr id="1" name=""/>
-        <p:cNvGrpSpPr/>
-        <p:nvPr/>
-      </p:nvGrpSpPr>
-      <p:grpSpPr>
-        <a:xfrm>
-          <a:off x="0" y="0"/>
-          <a:ext cx="0" cy="0"/>
-          <a:chOff x="0" y="0"/>
-          <a:chExt cx="0" cy="0"/>
-        </a:xfrm>
-      </p:grpSpPr>
       <p:sp>
         <p:nvSpPr>
-          <p:cNvPr id="2" name="Titolo 1">
-            <a:extLst>
-              <a:ext uri="{FF2B5EF4-FFF2-40B4-BE49-F238E27FC236}">
-                <a16:creationId xmlns:a16="http://schemas.microsoft.com/office/drawing/2014/main" id="{AEA5083B-CC27-4F1C-AD03-E3DBEC1C9E78}"/>
-              </a:ext>
-            </a:extLst>
-          </p:cNvPr>
-          <p:cNvSpPr>
-            <a:spLocks noGrp="1"/>
-          </p:cNvSpPr>
-          <p:nvPr>
-            <p:ph type="title"/>
-          </p:nvPr>
-        </p:nvSpPr>
-        <p:spPr>
-          <a:xfrm>
-            <a:off x="431999" y="413238"/>
-            <a:ext cx="9198117" cy="450762"/>
-          </a:xfrm>
-          <a:prstGeom prst="rect">
-            <a:avLst/>
-          </a:prstGeom>
-        </p:spPr>
-        <p:txBody>
-          <a:bodyPr rtlCol="0" anchor="ctr">
-            <a:normAutofit/>
-          </a:bodyPr>
-          <a:lstStyle/>
-          <a:p>
-            <a:pPr rtl="0"/>
-            <a:r>
-              <a:rPr lang="it-IT" dirty="0"/>
-              <a:t>ENERGY LOSS PLOTS</a:t>
-            </a:r>
-          </a:p>
-        </p:txBody>
-      </p:sp>
-      <p:sp>
-        <p:nvSpPr>
-          <p:cNvPr id="6" name="Segnaposto numero diapositiva 5">
-            <a:extLst>
-              <a:ext uri="{FF2B5EF4-FFF2-40B4-BE49-F238E27FC236}">
-                <a16:creationId xmlns:a16="http://schemas.microsoft.com/office/drawing/2014/main" id="{46D051DA-5DAD-43A7-A238-51C63BA59FEC}"/>
+          <p:cNvPr id="10" name="Segnaposto numero diapositiva 5">
+            <a:extLst>
+              <a:ext uri="{FF2B5EF4-FFF2-40B4-BE49-F238E27FC236}">
+                <a16:creationId xmlns:a16="http://schemas.microsoft.com/office/drawing/2014/main" id="{84CA1EA9-653D-4001-82AE-F5FC5C8AC02A}"/>
               </a:ext>
             </a:extLst>
           </p:cNvPr>
@@ -11851,6 +13735,116 @@
           </a:p>
         </p:txBody>
       </p:sp>
+    </p:spTree>
+    <p:extLst>
+      <p:ext uri="{BB962C8B-B14F-4D97-AF65-F5344CB8AC3E}">
+        <p14:creationId xmlns:p14="http://schemas.microsoft.com/office/powerpoint/2010/main" val="2284683645"/>
+      </p:ext>
+    </p:extLst>
+  </p:cSld>
+  <p:clrMapOvr>
+    <a:masterClrMapping/>
+  </p:clrMapOvr>
+</p:sld>
+</file>
+
+<file path=ppt/slides/slide6.xml><?xml version="1.0" encoding="utf-8"?>
+<p:sld xmlns:a="http://schemas.openxmlformats.org/drawingml/2006/main" xmlns:r="http://schemas.openxmlformats.org/officeDocument/2006/relationships" xmlns:p="http://schemas.openxmlformats.org/presentationml/2006/main">
+  <p:cSld>
+    <p:spTree>
+      <p:nvGrpSpPr>
+        <p:cNvPr id="1" name=""/>
+        <p:cNvGrpSpPr/>
+        <p:nvPr/>
+      </p:nvGrpSpPr>
+      <p:grpSpPr>
+        <a:xfrm>
+          <a:off x="0" y="0"/>
+          <a:ext cx="0" cy="0"/>
+          <a:chOff x="0" y="0"/>
+          <a:chExt cx="0" cy="0"/>
+        </a:xfrm>
+      </p:grpSpPr>
+      <p:sp>
+        <p:nvSpPr>
+          <p:cNvPr id="2" name="Titolo 1">
+            <a:extLst>
+              <a:ext uri="{FF2B5EF4-FFF2-40B4-BE49-F238E27FC236}">
+                <a16:creationId xmlns:a16="http://schemas.microsoft.com/office/drawing/2014/main" id="{AEA5083B-CC27-4F1C-AD03-E3DBEC1C9E78}"/>
+              </a:ext>
+            </a:extLst>
+          </p:cNvPr>
+          <p:cNvSpPr>
+            <a:spLocks noGrp="1"/>
+          </p:cNvSpPr>
+          <p:nvPr>
+            <p:ph type="title"/>
+          </p:nvPr>
+        </p:nvSpPr>
+        <p:spPr>
+          <a:prstGeom prst="rect">
+            <a:avLst/>
+          </a:prstGeom>
+        </p:spPr>
+        <p:txBody>
+          <a:bodyPr rtlCol="0" anchor="ctr">
+            <a:normAutofit/>
+          </a:bodyPr>
+          <a:lstStyle/>
+          <a:p>
+            <a:pPr rtl="0"/>
+            <a:r>
+              <a:rPr lang="it-IT" dirty="0"/>
+              <a:t>ENERGY LOSS PLOTS</a:t>
+            </a:r>
+          </a:p>
+        </p:txBody>
+      </p:sp>
+      <p:sp>
+        <p:nvSpPr>
+          <p:cNvPr id="6" name="Segnaposto numero diapositiva 5">
+            <a:extLst>
+              <a:ext uri="{FF2B5EF4-FFF2-40B4-BE49-F238E27FC236}">
+                <a16:creationId xmlns:a16="http://schemas.microsoft.com/office/drawing/2014/main" id="{46D051DA-5DAD-43A7-A238-51C63BA59FEC}"/>
+              </a:ext>
+            </a:extLst>
+          </p:cNvPr>
+          <p:cNvSpPr>
+            <a:spLocks noGrp="1"/>
+          </p:cNvSpPr>
+          <p:nvPr>
+            <p:ph type="sldNum" sz="quarter" idx="33"/>
+          </p:nvPr>
+        </p:nvSpPr>
+        <p:spPr>
+          <a:prstGeom prst="rect">
+            <a:avLst/>
+          </a:prstGeom>
+        </p:spPr>
+        <p:txBody>
+          <a:bodyPr rtlCol="0" anchor="ctr">
+            <a:normAutofit/>
+          </a:bodyPr>
+          <a:lstStyle/>
+          <a:p>
+            <a:pPr rtl="0">
+              <a:spcAft>
+                <a:spcPts val="600"/>
+              </a:spcAft>
+            </a:pPr>
+            <a:fld id="{19B51A1E-902D-48AF-9020-955120F399B6}" type="slidenum">
+              <a:rPr lang="it-IT" smtClean="0"/>
+              <a:pPr rtl="0">
+                <a:spcAft>
+                  <a:spcPts val="600"/>
+                </a:spcAft>
+              </a:pPr>
+              <a:t>6</a:t>
+            </a:fld>
+            <a:endParaRPr lang="it-IT"/>
+          </a:p>
+        </p:txBody>
+      </p:sp>
       <p:pic>
         <p:nvPicPr>
           <p:cNvPr id="9" name="Picture 8">
@@ -11878,7 +13872,7 @@
         </p:blipFill>
         <p:spPr>
           <a:xfrm>
-            <a:off x="1398895" y="1696909"/>
+            <a:off x="431999" y="1737703"/>
             <a:ext cx="4187277" cy="3247447"/>
           </a:xfrm>
           <a:prstGeom prst="rect">
@@ -11902,8 +13896,8 @@
             </p:nvSpPr>
             <p:spPr>
               <a:xfrm>
-                <a:off x="727969" y="864000"/>
-                <a:ext cx="10422384" cy="668581"/>
+                <a:off x="622443" y="925968"/>
+                <a:ext cx="11150377" cy="646331"/>
               </a:xfrm>
               <a:prstGeom prst="rect">
                 <a:avLst/>
@@ -11921,8 +13915,12 @@
                   <a:buChar char="•"/>
                 </a:pPr>
                 <a:r>
-                  <a:rPr lang="it-IT" dirty="0"/>
-                  <a:t>We also did energy loss plots with </a:t>
+                  <a:rPr lang="it-IT" dirty="0">
+                    <a:solidFill>
+                      <a:schemeClr val="tx1"/>
+                    </a:solidFill>
+                  </a:rPr>
+                  <a:t>E</a:t>
                 </a:r>
                 <a14:m>
                   <m:oMath xmlns:m="http://schemas.openxmlformats.org/officeDocument/2006/math">
@@ -11931,18 +13929,69 @@
                         <m:sty m:val="p"/>
                       </m:rPr>
                       <a:rPr lang="it-IT" b="0" i="0" smtClean="0">
+                        <a:solidFill>
+                          <a:schemeClr val="tx1"/>
+                        </a:solidFill>
+                        <a:latin typeface="Cambria Math" panose="02040503050406030204" pitchFamily="18" charset="0"/>
+                      </a:rPr>
+                      <m:t>nergy</m:t>
+                    </m:r>
+                    <m:r>
+                      <a:rPr lang="it-IT" b="0" i="0" smtClean="0">
+                        <a:solidFill>
+                          <a:schemeClr val="tx1"/>
+                        </a:solidFill>
+                        <a:latin typeface="Cambria Math" panose="02040503050406030204" pitchFamily="18" charset="0"/>
+                      </a:rPr>
+                      <m:t> </m:t>
+                    </m:r>
+                    <m:r>
+                      <m:rPr>
+                        <m:sty m:val="p"/>
+                      </m:rPr>
+                      <a:rPr lang="it-IT" b="0" i="0" smtClean="0">
+                        <a:solidFill>
+                          <a:schemeClr val="tx1"/>
+                        </a:solidFill>
+                        <a:latin typeface="Cambria Math" panose="02040503050406030204" pitchFamily="18" charset="0"/>
+                      </a:rPr>
+                      <m:t>loss</m:t>
+                    </m:r>
+                    <m:r>
+                      <a:rPr lang="it-IT" b="0" i="0" smtClean="0">
+                        <a:solidFill>
+                          <a:schemeClr val="tx1"/>
+                        </a:solidFill>
+                        <a:latin typeface="Cambria Math" panose="02040503050406030204" pitchFamily="18" charset="0"/>
+                      </a:rPr>
+                      <m:t> </m:t>
+                    </m:r>
+                    <m:r>
+                      <m:rPr>
+                        <m:sty m:val="p"/>
+                      </m:rPr>
+                      <a:rPr lang="it-IT" b="0" i="0" smtClean="0">
+                        <a:solidFill>
+                          <a:srgbClr val="FF0000"/>
+                        </a:solidFill>
                         <a:latin typeface="Cambria Math" panose="02040503050406030204" pitchFamily="18" charset="0"/>
                       </a:rPr>
                       <m:t>Δ</m:t>
                     </m:r>
                     <m:r>
                       <a:rPr lang="it-IT" b="0" i="1" smtClean="0">
+                        <a:solidFill>
+                          <a:srgbClr val="FF0000"/>
+                        </a:solidFill>
                         <a:latin typeface="Cambria Math" panose="02040503050406030204" pitchFamily="18" charset="0"/>
                       </a:rPr>
                       <m:t>𝐸</m:t>
                     </m:r>
                     <m:r>
                       <a:rPr lang="it-IT" b="0" i="1" smtClean="0">
+                        <a:solidFill>
+                          <a:srgbClr val="FF0000"/>
+                        </a:solidFill>
                         <a:latin typeface="Cambria Math" panose="02040503050406030204" pitchFamily="18" charset="0"/>
                       </a:rPr>
                       <m:t>=</m:t>
@@ -11951,6 +14000,9 @@
                       <m:sSubPr>
                         <m:ctrlPr>
                           <a:rPr lang="it-IT" b="0" i="1" smtClean="0">
+                            <a:solidFill>
+                              <a:srgbClr val="FF0000"/>
+                            </a:solidFill>
                             <a:latin typeface="Cambria Math" panose="02040503050406030204" pitchFamily="18" charset="0"/>
                           </a:rPr>
                         </m:ctrlPr>
@@ -11960,6 +14012,9 @@
                           <m:sSubPr>
                             <m:ctrlPr>
                               <a:rPr lang="it-IT" b="0" i="1" smtClean="0">
+                                <a:solidFill>
+                                  <a:srgbClr val="FF0000"/>
+                                </a:solidFill>
                                 <a:latin typeface="Cambria Math" panose="02040503050406030204" pitchFamily="18" charset="0"/>
                               </a:rPr>
                             </m:ctrlPr>
@@ -11967,6 +14022,9 @@
                           <m:e>
                             <m:r>
                               <a:rPr lang="it-IT" b="0" i="1" smtClean="0">
+                                <a:solidFill>
+                                  <a:srgbClr val="FF0000"/>
+                                </a:solidFill>
                                 <a:latin typeface="Cambria Math" panose="02040503050406030204" pitchFamily="18" charset="0"/>
                               </a:rPr>
                               <m:t>𝐸</m:t>
@@ -11975,20 +14033,29 @@
                           <m:sub>
                             <m:r>
                               <a:rPr lang="it-IT" b="0" i="1" smtClean="0">
+                                <a:solidFill>
+                                  <a:srgbClr val="FF0000"/>
+                                </a:solidFill>
                                 <a:latin typeface="Cambria Math" panose="02040503050406030204" pitchFamily="18" charset="0"/>
                               </a:rPr>
-                              <m:t>𝑓𝑖𝑛</m:t>
+                              <m:t>𝑠𝑡𝑎𝑟𝑡</m:t>
                             </m:r>
                           </m:sub>
                         </m:sSub>
                         <m:r>
                           <a:rPr lang="it-IT" b="0" i="1" smtClean="0">
+                            <a:solidFill>
+                              <a:srgbClr val="FF0000"/>
+                            </a:solidFill>
                             <a:latin typeface="Cambria Math" panose="02040503050406030204" pitchFamily="18" charset="0"/>
                           </a:rPr>
                           <m:t>−</m:t>
                         </m:r>
                         <m:r>
                           <a:rPr lang="it-IT" b="0" i="1" smtClean="0">
+                            <a:solidFill>
+                              <a:srgbClr val="FF0000"/>
+                            </a:solidFill>
                             <a:latin typeface="Cambria Math" panose="02040503050406030204" pitchFamily="18" charset="0"/>
                           </a:rPr>
                           <m:t>𝐸</m:t>
@@ -11997,9 +14064,12 @@
                       <m:sub>
                         <m:r>
                           <a:rPr lang="it-IT" b="0" i="1" smtClean="0">
+                            <a:solidFill>
+                              <a:srgbClr val="FF0000"/>
+                            </a:solidFill>
                             <a:latin typeface="Cambria Math" panose="02040503050406030204" pitchFamily="18" charset="0"/>
                           </a:rPr>
-                          <m:t>𝑖𝑛</m:t>
+                          <m:t>𝑒𝑛𝑑</m:t>
                         </m:r>
                       </m:sub>
                     </m:sSub>
@@ -12007,7 +14077,7 @@
                 </a14:m>
                 <a:r>
                   <a:rPr lang="en-US" dirty="0"/>
-                  <a:t> where </a:t>
+                  <a:t> (</a:t>
                 </a:r>
                 <a14:m>
                   <m:oMath xmlns:m="http://schemas.openxmlformats.org/officeDocument/2006/math">
@@ -12032,7 +14102,7 @@
                           <a:rPr lang="it-IT" i="1">
                             <a:latin typeface="Cambria Math" panose="02040503050406030204" pitchFamily="18" charset="0"/>
                           </a:rPr>
-                          <m:t>𝑓𝑖𝑛</m:t>
+                          <m:t>𝑠𝑡𝑎𝑟𝑡</m:t>
                         </m:r>
                       </m:sub>
                     </m:sSub>
@@ -12065,7 +14135,7 @@
                           <a:rPr lang="it-IT" i="1">
                             <a:latin typeface="Cambria Math" panose="02040503050406030204" pitchFamily="18" charset="0"/>
                           </a:rPr>
-                          <m:t>𝑖𝑛</m:t>
+                          <m:t>𝑒𝑛𝑑</m:t>
                         </m:r>
                       </m:sub>
                     </m:sSub>
@@ -12073,7 +14143,7 @@
                 </a14:m>
                 <a:r>
                   <a:rPr lang="en-US" dirty="0"/>
-                  <a:t>are the true energy of the muon at the beginning and end of its track </a:t>
+                  <a:t> are muon true energy at the end and start of its trajectory) is a better parameter to understand the momentum reconstruction bias </a:t>
                 </a:r>
               </a:p>
             </p:txBody>
@@ -12096,8 +14166,8 @@
             </p:nvSpPr>
             <p:spPr>
               <a:xfrm>
-                <a:off x="727969" y="864000"/>
-                <a:ext cx="10422384" cy="668581"/>
+                <a:off x="622443" y="925968"/>
+                <a:ext cx="11150377" cy="646331"/>
               </a:xfrm>
               <a:prstGeom prst="rect">
                 <a:avLst/>
@@ -12105,7 +14175,7 @@
               <a:blipFill>
                 <a:blip r:embed="rId3"/>
                 <a:stretch>
-                  <a:fillRect l="-351" t="-5505" b="-14679"/>
+                  <a:fillRect l="-328" t="-5660" b="-14151"/>
                 </a:stretch>
               </a:blipFill>
             </p:spPr>
@@ -12151,7 +14221,7 @@
         </p:blipFill>
         <p:spPr>
           <a:xfrm>
-            <a:off x="6621610" y="1696909"/>
+            <a:off x="4619278" y="1737703"/>
             <a:ext cx="4187277" cy="3247447"/>
           </a:xfrm>
           <a:prstGeom prst="rect">
@@ -12173,7 +14243,7 @@
         </p:nvSpPr>
         <p:spPr>
           <a:xfrm>
-            <a:off x="3808520" y="4731797"/>
+            <a:off x="2841624" y="4772591"/>
             <a:ext cx="1420427" cy="133165"/>
           </a:xfrm>
           <a:prstGeom prst="rect">
@@ -12227,7 +14297,7 @@
             </p:nvSpPr>
             <p:spPr>
               <a:xfrm>
-                <a:off x="4710985" y="4727358"/>
+                <a:off x="3744089" y="4768152"/>
                 <a:ext cx="517962" cy="153888"/>
               </a:xfrm>
               <a:prstGeom prst="rect">
@@ -12309,7 +14379,7 @@
             </p:nvSpPr>
             <p:spPr>
               <a:xfrm>
-                <a:off x="4710985" y="4727358"/>
+                <a:off x="3744089" y="4768152"/>
                 <a:ext cx="517962" cy="153888"/>
               </a:xfrm>
               <a:prstGeom prst="rect">
@@ -12318,7 +14388,7 @@
               <a:blipFill>
                 <a:blip r:embed="rId5"/>
                 <a:stretch>
-                  <a:fillRect l="-5882" r="-9412" b="-38462"/>
+                  <a:fillRect l="-4706" r="-10588" b="-44000"/>
                 </a:stretch>
               </a:blipFill>
             </p:spPr>
@@ -12353,7 +14423,7 @@
             </p:nvSpPr>
             <p:spPr>
               <a:xfrm>
-                <a:off x="1882070" y="4869857"/>
+                <a:off x="915174" y="4910651"/>
                 <a:ext cx="3132149" cy="1077218"/>
               </a:xfrm>
               <a:prstGeom prst="rect">
@@ -12456,7 +14526,7 @@
                     <m:d>
                       <m:dPr>
                         <m:ctrlPr>
-                          <a:rPr lang="it-IT" sz="1600" b="0" i="0" smtClean="0">
+                          <a:rPr lang="it-IT" sz="1600" b="0" i="1" smtClean="0">
                             <a:solidFill>
                               <a:srgbClr val="FF0000"/>
                             </a:solidFill>
@@ -12629,7 +14699,7 @@
             </p:nvSpPr>
             <p:spPr>
               <a:xfrm>
-                <a:off x="1882070" y="4869857"/>
+                <a:off x="915174" y="4910651"/>
                 <a:ext cx="3132149" cy="1077218"/>
               </a:xfrm>
               <a:prstGeom prst="rect">
@@ -12638,7 +14708,7 @@
               <a:blipFill>
                 <a:blip r:embed="rId6"/>
                 <a:stretch>
-                  <a:fillRect l="-1167" t="-1695" b="-6215"/>
+                  <a:fillRect l="-973" t="-1705" b="-6818"/>
                 </a:stretch>
               </a:blipFill>
             </p:spPr>
@@ -12673,7 +14743,7 @@
             </p:nvSpPr>
             <p:spPr>
               <a:xfrm>
-                <a:off x="7149173" y="4869857"/>
+                <a:off x="5146841" y="4910651"/>
                 <a:ext cx="3132149" cy="1077218"/>
               </a:xfrm>
               <a:prstGeom prst="rect">
@@ -12776,7 +14846,7 @@
                     <m:d>
                       <m:dPr>
                         <m:ctrlPr>
-                          <a:rPr lang="it-IT" sz="1600" b="0" i="0" smtClean="0">
+                          <a:rPr lang="it-IT" sz="1600" b="0" i="1" smtClean="0">
                             <a:solidFill>
                               <a:srgbClr val="FF0000"/>
                             </a:solidFill>
@@ -12792,16 +14862,7 @@
                             </a:solidFill>
                             <a:latin typeface="Cambria Math" panose="02040503050406030204" pitchFamily="18" charset="0"/>
                           </a:rPr>
-                          <m:t>3</m:t>
-                        </m:r>
-                        <m:r>
-                          <a:rPr lang="it-IT" sz="1600" b="0" i="0" smtClean="0">
-                            <a:solidFill>
-                              <a:srgbClr val="FF0000"/>
-                            </a:solidFill>
-                            <a:latin typeface="Cambria Math" panose="02040503050406030204" pitchFamily="18" charset="0"/>
-                          </a:rPr>
-                          <m:t>&lt;</m:t>
+                          <m:t>3&lt;</m:t>
                         </m:r>
                         <m:r>
                           <a:rPr lang="it-IT" sz="1600" b="0" i="1" smtClean="0">
@@ -12958,7 +15019,7 @@
             </p:nvSpPr>
             <p:spPr>
               <a:xfrm>
-                <a:off x="7149173" y="4869857"/>
+                <a:off x="5146841" y="4910651"/>
                 <a:ext cx="3132149" cy="1077218"/>
               </a:xfrm>
               <a:prstGeom prst="rect">
@@ -12967,7 +15028,129 @@
               <a:blipFill>
                 <a:blip r:embed="rId7"/>
                 <a:stretch>
-                  <a:fillRect l="-1167" t="-1695" b="-6215"/>
+                  <a:fillRect l="-973" t="-1705" b="-6818"/>
+                </a:stretch>
+              </a:blipFill>
+            </p:spPr>
+            <p:txBody>
+              <a:bodyPr/>
+              <a:lstStyle/>
+              <a:p>
+                <a:r>
+                  <a:rPr lang="en-US">
+                    <a:noFill/>
+                  </a:rPr>
+                  <a:t> </a:t>
+                </a:r>
+              </a:p>
+            </p:txBody>
+          </p:sp>
+        </mc:Fallback>
+      </mc:AlternateContent>
+      <mc:AlternateContent xmlns:mc="http://schemas.openxmlformats.org/markup-compatibility/2006">
+        <mc:Choice xmlns:a14="http://schemas.microsoft.com/office/drawing/2010/main" Requires="a14">
+          <p:sp>
+            <p:nvSpPr>
+              <p:cNvPr id="8" name="Rectangle 7">
+                <a:extLst>
+                  <a:ext uri="{FF2B5EF4-FFF2-40B4-BE49-F238E27FC236}">
+                    <a16:creationId xmlns:a16="http://schemas.microsoft.com/office/drawing/2014/main" id="{6BB34352-6B2D-47E7-AEDC-C234E0E494C3}"/>
+                  </a:ext>
+                </a:extLst>
+              </p:cNvPr>
+              <p:cNvSpPr/>
+              <p:nvPr/>
+            </p:nvSpPr>
+            <p:spPr>
+              <a:xfrm>
+                <a:off x="9334118" y="2430605"/>
+                <a:ext cx="2355839" cy="2554545"/>
+              </a:xfrm>
+              <a:prstGeom prst="rect">
+                <a:avLst/>
+              </a:prstGeom>
+              <a:solidFill>
+                <a:schemeClr val="accent2">
+                  <a:lumMod val="20000"/>
+                  <a:lumOff val="80000"/>
+                </a:schemeClr>
+              </a:solidFill>
+            </p:spPr>
+            <p:txBody>
+              <a:bodyPr wrap="square">
+                <a:spAutoFit/>
+              </a:bodyPr>
+              <a:lstStyle/>
+              <a:p>
+                <a:r>
+                  <a:rPr lang="en-US" sz="1600" dirty="0">
+                    <a:solidFill>
+                      <a:srgbClr val="FF0000"/>
+                    </a:solidFill>
+                  </a:rPr>
+                  <a:t>Note</a:t>
+                </a:r>
+                <a:r>
+                  <a:rPr lang="en-US" sz="1600" dirty="0"/>
+                  <a:t>: the muons start upstream of the ECAL material and they pass through the entire detector  (i.e. they go through the ECAL two times). The muon trajectory ends when it reaches the edge of the geometry world at </a:t>
+                </a:r>
+                <a14:m>
+                  <m:oMath xmlns:m="http://schemas.openxmlformats.org/officeDocument/2006/math">
+                    <m:r>
+                      <a:rPr lang="it-IT" sz="1600" i="1">
+                        <a:latin typeface="Cambria Math" panose="02040503050406030204" pitchFamily="18" charset="0"/>
+                      </a:rPr>
+                      <m:t>𝑧</m:t>
+                    </m:r>
+                    <m:r>
+                      <a:rPr lang="it-IT" sz="1600" i="1">
+                        <a:latin typeface="Cambria Math" panose="02040503050406030204" pitchFamily="18" charset="0"/>
+                      </a:rPr>
+                      <m:t>=20000</m:t>
+                    </m:r>
+                    <m:r>
+                      <m:rPr>
+                        <m:sty m:val="p"/>
+                      </m:rPr>
+                      <a:rPr lang="it-IT" sz="1600" i="1">
+                        <a:latin typeface="Cambria Math" panose="02040503050406030204" pitchFamily="18" charset="0"/>
+                      </a:rPr>
+                      <m:t>cm</m:t>
+                    </m:r>
+                  </m:oMath>
+                </a14:m>
+                <a:endParaRPr lang="en-US" sz="1600" dirty="0"/>
+              </a:p>
+            </p:txBody>
+          </p:sp>
+        </mc:Choice>
+        <mc:Fallback>
+          <p:sp>
+            <p:nvSpPr>
+              <p:cNvPr id="8" name="Rectangle 7">
+                <a:extLst>
+                  <a:ext uri="{FF2B5EF4-FFF2-40B4-BE49-F238E27FC236}">
+                    <a16:creationId xmlns:a16="http://schemas.microsoft.com/office/drawing/2014/main" id="{6BB34352-6B2D-47E7-AEDC-C234E0E494C3}"/>
+                  </a:ext>
+                </a:extLst>
+              </p:cNvPr>
+              <p:cNvSpPr>
+                <a:spLocks noRot="1" noChangeAspect="1" noMove="1" noResize="1" noEditPoints="1" noAdjustHandles="1" noChangeArrowheads="1" noChangeShapeType="1" noTextEdit="1"/>
+              </p:cNvSpPr>
+              <p:nvPr/>
+            </p:nvSpPr>
+            <p:spPr>
+              <a:xfrm>
+                <a:off x="9334118" y="2430605"/>
+                <a:ext cx="2355839" cy="2554545"/>
+              </a:xfrm>
+              <a:prstGeom prst="rect">
+                <a:avLst/>
+              </a:prstGeom>
+              <a:blipFill>
+                <a:blip r:embed="rId8"/>
+                <a:stretch>
+                  <a:fillRect l="-1292" t="-716" r="-5168"/>
                 </a:stretch>
               </a:blipFill>
             </p:spPr>
@@ -12999,7 +15182,7 @@
 </p:sld>
 </file>
 
-<file path=ppt/slides/slide6.xml><?xml version="1.0" encoding="utf-8"?>
+<file path=ppt/slides/slide7.xml><?xml version="1.0" encoding="utf-8"?>
 <p:sld xmlns:a="http://schemas.openxmlformats.org/drawingml/2006/main" xmlns:r="http://schemas.openxmlformats.org/officeDocument/2006/relationships" xmlns:p="http://schemas.openxmlformats.org/presentationml/2006/main">
   <p:cSld>
     <p:spTree>
@@ -13033,10 +15216,6 @@
           </p:nvPr>
         </p:nvSpPr>
         <p:spPr>
-          <a:xfrm>
-            <a:off x="431999" y="413238"/>
-            <a:ext cx="9198117" cy="450762"/>
-          </a:xfrm>
           <a:prstGeom prst="rect">
             <a:avLst/>
           </a:prstGeom>
@@ -13090,8 +15269,19 @@
                   <a:buChar char="•"/>
                 </a:pPr>
                 <a:r>
+                  <a:rPr lang="en-US" sz="2000" dirty="0"/>
+                  <a:t>Previous integrated energy loss is not accurate enough, many effects are convoluted</a:t>
+                </a:r>
+                <a:endParaRPr lang="it-IT" sz="2000" dirty="0"/>
+              </a:p>
+              <a:p>
+                <a:pPr marL="285750" indent="-285750">
+                  <a:buFont typeface="Arial" panose="020B0604020202020204" pitchFamily="34" charset="0"/>
+                  <a:buChar char="•"/>
+                </a:pPr>
+                <a:r>
                   <a:rPr lang="it-IT" sz="2000" dirty="0"/>
-                  <a:t>We wanted to study the </a:t>
+                  <a:t>We want to study the </a:t>
                 </a:r>
                 <a:r>
                   <a:rPr lang="it-IT" sz="2000" dirty="0">
@@ -13173,7 +15363,7 @@
                 </a:pPr>
                 <a:r>
                   <a:rPr lang="it-IT" sz="2000" dirty="0"/>
-                  <a:t>I produced upstream muon samples with initial coordinates </a:t>
+                  <a:t>Muon samples considered: initial coordinates </a:t>
                 </a:r>
                 <a14:m>
                   <m:oMath xmlns:m="http://schemas.openxmlformats.org/officeDocument/2006/math">
@@ -13416,7 +15606,7 @@
                 </a:pPr>
                 <a:r>
                   <a:rPr lang="it-IT" sz="2000" dirty="0"/>
-                  <a:t>Specifically I considered </a:t>
+                  <a:t>Simulated </a:t>
                 </a:r>
                 <a:r>
                   <a:rPr lang="it-IT" sz="2000" dirty="0">
@@ -13424,7 +15614,7 @@
                       <a:srgbClr val="FF0000"/>
                     </a:solidFill>
                   </a:rPr>
-                  <a:t>9 samples in total with </a:t>
+                  <a:t> 9 samples in total (1000 muons each) with </a:t>
                 </a:r>
                 <a14:m>
                   <m:oMath xmlns:m="http://schemas.openxmlformats.org/officeDocument/2006/math">
@@ -13470,19 +15660,8 @@
                       <a:srgbClr val="FF0000"/>
                     </a:solidFill>
                   </a:rPr>
-                  <a:t> ranging from 0.5 GeV/c to 5GeV/c</a:t>
-                </a:r>
-              </a:p>
-              <a:p>
-                <a:pPr marL="285750" indent="-285750">
-                  <a:buFont typeface="Arial" panose="020B0604020202020204" pitchFamily="34" charset="0"/>
-                  <a:buChar char="•"/>
-                </a:pPr>
-                <a:r>
-                  <a:rPr lang="it-IT" sz="2000" dirty="0"/>
-                  <a:t>Each sample contains a total of 1000 particles</a:t>
-                </a:r>
-                <a:endParaRPr lang="en-US" sz="2000" dirty="0"/>
+                  <a:t> ranging from 0.5 GeV/c to 5 GeV/c</a:t>
+                </a:r>
               </a:p>
             </p:txBody>
           </p:sp>
@@ -13532,81 +15711,12 @@
           </p:sp>
         </mc:Fallback>
       </mc:AlternateContent>
-    </p:spTree>
-    <p:extLst>
-      <p:ext uri="{BB962C8B-B14F-4D97-AF65-F5344CB8AC3E}">
-        <p14:creationId xmlns:p14="http://schemas.microsoft.com/office/powerpoint/2010/main" val="746788522"/>
-      </p:ext>
-    </p:extLst>
-  </p:cSld>
-  <p:clrMapOvr>
-    <a:masterClrMapping/>
-  </p:clrMapOvr>
-</p:sld>
-</file>
-
-<file path=ppt/slides/slide7.xml><?xml version="1.0" encoding="utf-8"?>
-<p:sld xmlns:a="http://schemas.openxmlformats.org/drawingml/2006/main" xmlns:r="http://schemas.openxmlformats.org/officeDocument/2006/relationships" xmlns:p="http://schemas.openxmlformats.org/presentationml/2006/main">
-  <p:cSld>
-    <p:spTree>
-      <p:nvGrpSpPr>
-        <p:cNvPr id="1" name=""/>
-        <p:cNvGrpSpPr/>
-        <p:nvPr/>
-      </p:nvGrpSpPr>
-      <p:grpSpPr>
-        <a:xfrm>
-          <a:off x="0" y="0"/>
-          <a:ext cx="0" cy="0"/>
-          <a:chOff x="0" y="0"/>
-          <a:chExt cx="0" cy="0"/>
-        </a:xfrm>
-      </p:grpSpPr>
       <p:sp>
         <p:nvSpPr>
-          <p:cNvPr id="2" name="Titolo 1">
-            <a:extLst>
-              <a:ext uri="{FF2B5EF4-FFF2-40B4-BE49-F238E27FC236}">
-                <a16:creationId xmlns:a16="http://schemas.microsoft.com/office/drawing/2014/main" id="{AEA5083B-CC27-4F1C-AD03-E3DBEC1C9E78}"/>
-              </a:ext>
-            </a:extLst>
-          </p:cNvPr>
-          <p:cNvSpPr>
-            <a:spLocks noGrp="1"/>
-          </p:cNvSpPr>
-          <p:nvPr>
-            <p:ph type="title"/>
-          </p:nvPr>
-        </p:nvSpPr>
-        <p:spPr>
-          <a:xfrm>
-            <a:off x="431999" y="413238"/>
-            <a:ext cx="9198117" cy="450762"/>
-          </a:xfrm>
-          <a:prstGeom prst="rect">
-            <a:avLst/>
-          </a:prstGeom>
-        </p:spPr>
-        <p:txBody>
-          <a:bodyPr rtlCol="0" anchor="ctr">
-            <a:normAutofit/>
-          </a:bodyPr>
-          <a:lstStyle/>
-          <a:p>
-            <a:pPr rtl="0"/>
-            <a:r>
-              <a:rPr lang="it-IT" dirty="0"/>
-              <a:t>ENERGY LOSS as a function ofINITIAL MOMENTUM</a:t>
-            </a:r>
-          </a:p>
-        </p:txBody>
-      </p:sp>
-      <p:sp>
-        <p:nvSpPr>
-          <p:cNvPr id="6" name="Segnaposto numero diapositiva 5">
-            <a:extLst>
-              <a:ext uri="{FF2B5EF4-FFF2-40B4-BE49-F238E27FC236}">
-                <a16:creationId xmlns:a16="http://schemas.microsoft.com/office/drawing/2014/main" id="{46D051DA-5DAD-43A7-A238-51C63BA59FEC}"/>
+          <p:cNvPr id="4" name="Segnaposto numero diapositiva 5">
+            <a:extLst>
+              <a:ext uri="{FF2B5EF4-FFF2-40B4-BE49-F238E27FC236}">
+                <a16:creationId xmlns:a16="http://schemas.microsoft.com/office/drawing/2014/main" id="{D6ACE22B-2E5C-4480-B0CB-B9A6145116A3}"/>
               </a:ext>
             </a:extLst>
           </p:cNvPr>
@@ -13650,8 +15760,118 @@
           </a:p>
         </p:txBody>
       </p:sp>
-      <mc:AlternateContent xmlns:mc="http://schemas.openxmlformats.org/markup-compatibility/2006">
-        <mc:Choice xmlns:a14="http://schemas.microsoft.com/office/drawing/2010/main" Requires="a14">
+    </p:spTree>
+    <p:extLst>
+      <p:ext uri="{BB962C8B-B14F-4D97-AF65-F5344CB8AC3E}">
+        <p14:creationId xmlns:p14="http://schemas.microsoft.com/office/powerpoint/2010/main" val="746788522"/>
+      </p:ext>
+    </p:extLst>
+  </p:cSld>
+  <p:clrMapOvr>
+    <a:masterClrMapping/>
+  </p:clrMapOvr>
+</p:sld>
+</file>
+
+<file path=ppt/slides/slide8.xml><?xml version="1.0" encoding="utf-8"?>
+<p:sld xmlns:a="http://schemas.openxmlformats.org/drawingml/2006/main" xmlns:r="http://schemas.openxmlformats.org/officeDocument/2006/relationships" xmlns:p="http://schemas.openxmlformats.org/presentationml/2006/main">
+  <p:cSld>
+    <p:spTree>
+      <p:nvGrpSpPr>
+        <p:cNvPr id="1" name=""/>
+        <p:cNvGrpSpPr/>
+        <p:nvPr/>
+      </p:nvGrpSpPr>
+      <p:grpSpPr>
+        <a:xfrm>
+          <a:off x="0" y="0"/>
+          <a:ext cx="0" cy="0"/>
+          <a:chOff x="0" y="0"/>
+          <a:chExt cx="0" cy="0"/>
+        </a:xfrm>
+      </p:grpSpPr>
+      <p:sp>
+        <p:nvSpPr>
+          <p:cNvPr id="2" name="Titolo 1">
+            <a:extLst>
+              <a:ext uri="{FF2B5EF4-FFF2-40B4-BE49-F238E27FC236}">
+                <a16:creationId xmlns:a16="http://schemas.microsoft.com/office/drawing/2014/main" id="{AEA5083B-CC27-4F1C-AD03-E3DBEC1C9E78}"/>
+              </a:ext>
+            </a:extLst>
+          </p:cNvPr>
+          <p:cNvSpPr>
+            <a:spLocks noGrp="1"/>
+          </p:cNvSpPr>
+          <p:nvPr>
+            <p:ph type="title"/>
+          </p:nvPr>
+        </p:nvSpPr>
+        <p:spPr>
+          <a:prstGeom prst="rect">
+            <a:avLst/>
+          </a:prstGeom>
+        </p:spPr>
+        <p:txBody>
+          <a:bodyPr rtlCol="0" anchor="ctr">
+            <a:normAutofit/>
+          </a:bodyPr>
+          <a:lstStyle/>
+          <a:p>
+            <a:pPr rtl="0"/>
+            <a:r>
+              <a:rPr lang="it-IT" dirty="0"/>
+              <a:t>ENERGY LOSS as a function of INITIAL MOMENTUM</a:t>
+            </a:r>
+          </a:p>
+        </p:txBody>
+      </p:sp>
+      <p:sp>
+        <p:nvSpPr>
+          <p:cNvPr id="6" name="Segnaposto numero diapositiva 5">
+            <a:extLst>
+              <a:ext uri="{FF2B5EF4-FFF2-40B4-BE49-F238E27FC236}">
+                <a16:creationId xmlns:a16="http://schemas.microsoft.com/office/drawing/2014/main" id="{46D051DA-5DAD-43A7-A238-51C63BA59FEC}"/>
+              </a:ext>
+            </a:extLst>
+          </p:cNvPr>
+          <p:cNvSpPr>
+            <a:spLocks noGrp="1"/>
+          </p:cNvSpPr>
+          <p:nvPr>
+            <p:ph type="sldNum" sz="quarter" idx="33"/>
+          </p:nvPr>
+        </p:nvSpPr>
+        <p:spPr>
+          <a:prstGeom prst="rect">
+            <a:avLst/>
+          </a:prstGeom>
+        </p:spPr>
+        <p:txBody>
+          <a:bodyPr rtlCol="0" anchor="ctr">
+            <a:normAutofit/>
+          </a:bodyPr>
+          <a:lstStyle/>
+          <a:p>
+            <a:pPr rtl="0">
+              <a:spcAft>
+                <a:spcPts val="600"/>
+              </a:spcAft>
+            </a:pPr>
+            <a:fld id="{19B51A1E-902D-48AF-9020-955120F399B6}" type="slidenum">
+              <a:rPr lang="it-IT" smtClean="0"/>
+              <a:pPr rtl="0">
+                <a:spcAft>
+                  <a:spcPts val="600"/>
+                </a:spcAft>
+              </a:pPr>
+              <a:t>8</a:t>
+            </a:fld>
+            <a:endParaRPr lang="it-IT"/>
+          </a:p>
+        </p:txBody>
+      </p:sp>
+      <mc:AlternateContent xmlns:mc="http://schemas.openxmlformats.org/markup-compatibility/2006" xmlns:a14="http://schemas.microsoft.com/office/drawing/2010/main">
+        <mc:Choice Requires="a14">
           <p:sp>
             <p:nvSpPr>
               <p:cNvPr id="3" name="TextBox 2">
@@ -13733,7 +15953,7 @@
             </p:txBody>
           </p:sp>
         </mc:Choice>
-        <mc:Fallback>
+        <mc:Fallback xmlns="">
           <p:sp>
             <p:nvSpPr>
               <p:cNvPr id="3" name="TextBox 2">
@@ -14102,134 +16322,12 @@
           </a:prstGeom>
         </p:spPr>
       </p:pic>
-      <mc:AlternateContent xmlns:mc="http://schemas.openxmlformats.org/markup-compatibility/2006">
-        <mc:Choice xmlns:a14="http://schemas.microsoft.com/office/drawing/2010/main" Requires="a14">
-          <p:sp>
-            <p:nvSpPr>
-              <p:cNvPr id="25" name="TextBox 24">
-                <a:extLst>
-                  <a:ext uri="{FF2B5EF4-FFF2-40B4-BE49-F238E27FC236}">
-                    <a16:creationId xmlns:a16="http://schemas.microsoft.com/office/drawing/2014/main" id="{D2206EBA-5D31-4E83-AB7E-13680DE446AF}"/>
-                  </a:ext>
-                </a:extLst>
-              </p:cNvPr>
-              <p:cNvSpPr txBox="1"/>
-              <p:nvPr/>
-            </p:nvSpPr>
-            <p:spPr>
-              <a:xfrm>
-                <a:off x="421912" y="5635362"/>
-                <a:ext cx="7310538" cy="830997"/>
-              </a:xfrm>
-              <a:prstGeom prst="rect">
-                <a:avLst/>
-              </a:prstGeom>
-              <a:solidFill>
-                <a:schemeClr val="accent2">
-                  <a:lumMod val="20000"/>
-                  <a:lumOff val="80000"/>
-                </a:schemeClr>
-              </a:solidFill>
-            </p:spPr>
-            <p:txBody>
-              <a:bodyPr wrap="square" rtlCol="0">
-                <a:spAutoFit/>
-              </a:bodyPr>
-              <a:lstStyle/>
-              <a:p>
-                <a:r>
-                  <a:rPr lang="it-IT" sz="1600" dirty="0"/>
-                  <a:t>Note: The double peak structure in the very low momentum sample (0&lt;</a:t>
-                </a:r>
-                <a14:m>
-                  <m:oMath xmlns:m="http://schemas.openxmlformats.org/officeDocument/2006/math">
-                    <m:sSub>
-                      <m:sSubPr>
-                        <m:ctrlPr>
-                          <a:rPr lang="it-IT" sz="1600" b="0" i="1" smtClean="0">
-                            <a:latin typeface="Cambria Math" panose="02040503050406030204" pitchFamily="18" charset="0"/>
-                          </a:rPr>
-                        </m:ctrlPr>
-                      </m:sSubPr>
-                      <m:e>
-                        <m:r>
-                          <a:rPr lang="it-IT" sz="1600" b="0" i="1" smtClean="0">
-                            <a:latin typeface="Cambria Math" panose="02040503050406030204" pitchFamily="18" charset="0"/>
-                          </a:rPr>
-                          <m:t>𝑝</m:t>
-                        </m:r>
-                      </m:e>
-                      <m:sub>
-                        <m:r>
-                          <a:rPr lang="it-IT" sz="1600" b="0" i="1" smtClean="0">
-                            <a:latin typeface="Cambria Math" panose="02040503050406030204" pitchFamily="18" charset="0"/>
-                          </a:rPr>
-                          <m:t>𝑧</m:t>
-                        </m:r>
-                      </m:sub>
-                    </m:sSub>
-                  </m:oMath>
-                </a14:m>
-                <a:r>
-                  <a:rPr lang="it-IT" sz="1600" dirty="0"/>
-                  <a:t>&lt;0.5) GeV/c might be due to muons whose initial momentum is low enough that they lose all of it and are stopped in the front ECAL </a:t>
-                </a:r>
-                <a:endParaRPr lang="en-US" sz="1600" dirty="0"/>
-              </a:p>
-            </p:txBody>
-          </p:sp>
-        </mc:Choice>
-        <mc:Fallback>
-          <p:sp>
-            <p:nvSpPr>
-              <p:cNvPr id="25" name="TextBox 24">
-                <a:extLst>
-                  <a:ext uri="{FF2B5EF4-FFF2-40B4-BE49-F238E27FC236}">
-                    <a16:creationId xmlns:a16="http://schemas.microsoft.com/office/drawing/2014/main" id="{D2206EBA-5D31-4E83-AB7E-13680DE446AF}"/>
-                  </a:ext>
-                </a:extLst>
-              </p:cNvPr>
-              <p:cNvSpPr txBox="1">
-                <a:spLocks noRot="1" noChangeAspect="1" noMove="1" noResize="1" noEditPoints="1" noAdjustHandles="1" noChangeArrowheads="1" noChangeShapeType="1" noTextEdit="1"/>
-              </p:cNvSpPr>
-              <p:nvPr/>
-            </p:nvSpPr>
-            <p:spPr>
-              <a:xfrm>
-                <a:off x="421912" y="5635362"/>
-                <a:ext cx="7310538" cy="830997"/>
-              </a:xfrm>
-              <a:prstGeom prst="rect">
-                <a:avLst/>
-              </a:prstGeom>
-              <a:blipFill>
-                <a:blip r:embed="rId12"/>
-                <a:stretch>
-                  <a:fillRect l="-417" t="-2190" r="-250" b="-8029"/>
-                </a:stretch>
-              </a:blipFill>
-            </p:spPr>
-            <p:txBody>
-              <a:bodyPr/>
-              <a:lstStyle/>
-              <a:p>
-                <a:r>
-                  <a:rPr lang="en-US">
-                    <a:noFill/>
-                  </a:rPr>
-                  <a:t> </a:t>
-                </a:r>
-              </a:p>
-            </p:txBody>
-          </p:sp>
-        </mc:Fallback>
-      </mc:AlternateContent>
       <p:cxnSp>
         <p:nvCxnSpPr>
-          <p:cNvPr id="27" name="Straight Arrow Connector 26">
-            <a:extLst>
-              <a:ext uri="{FF2B5EF4-FFF2-40B4-BE49-F238E27FC236}">
-                <a16:creationId xmlns:a16="http://schemas.microsoft.com/office/drawing/2014/main" id="{8863CB22-42AE-4F15-A7CF-4429489132C3}"/>
+          <p:cNvPr id="7" name="Straight Arrow Connector 6">
+            <a:extLst>
+              <a:ext uri="{FF2B5EF4-FFF2-40B4-BE49-F238E27FC236}">
+                <a16:creationId xmlns:a16="http://schemas.microsoft.com/office/drawing/2014/main" id="{CDD83CE5-F82C-4E96-8F0D-868182962CD1}"/>
               </a:ext>
             </a:extLst>
           </p:cNvPr>
@@ -14239,14 +16337,17 @@
           <p:nvPr/>
         </p:nvCxnSpPr>
         <p:spPr>
-          <a:xfrm>
-            <a:off x="585926" y="3329126"/>
-            <a:ext cx="0" cy="2306236"/>
+          <a:xfrm flipV="1">
+            <a:off x="421912" y="3314700"/>
+            <a:ext cx="0" cy="2330743"/>
           </a:xfrm>
           <a:prstGeom prst="straightConnector1">
             <a:avLst/>
           </a:prstGeom>
           <a:ln>
+            <a:solidFill>
+              <a:srgbClr val="FF0000"/>
+            </a:solidFill>
             <a:tailEnd type="triangle"/>
           </a:ln>
         </p:spPr>
@@ -14265,204 +16366,156 @@
           </a:fontRef>
         </p:style>
       </p:cxnSp>
+      <mc:AlternateContent xmlns:mc="http://schemas.openxmlformats.org/markup-compatibility/2006">
+        <mc:Choice xmlns:a14="http://schemas.microsoft.com/office/drawing/2010/main" Requires="a14">
+          <p:sp>
+            <p:nvSpPr>
+              <p:cNvPr id="8" name="TextBox 7">
+                <a:extLst>
+                  <a:ext uri="{FF2B5EF4-FFF2-40B4-BE49-F238E27FC236}">
+                    <a16:creationId xmlns:a16="http://schemas.microsoft.com/office/drawing/2014/main" id="{F3E0373A-5E53-48F4-AB37-831B725C2BFE}"/>
+                  </a:ext>
+                </a:extLst>
+              </p:cNvPr>
+              <p:cNvSpPr txBox="1"/>
+              <p:nvPr/>
+            </p:nvSpPr>
+            <p:spPr>
+              <a:xfrm>
+                <a:off x="219056" y="5645443"/>
+                <a:ext cx="5811243" cy="646331"/>
+              </a:xfrm>
+              <a:prstGeom prst="rect">
+                <a:avLst/>
+              </a:prstGeom>
+              <a:solidFill>
+                <a:schemeClr val="accent2">
+                  <a:lumMod val="20000"/>
+                  <a:lumOff val="80000"/>
+                </a:schemeClr>
+              </a:solidFill>
+            </p:spPr>
+            <p:txBody>
+              <a:bodyPr wrap="square" rtlCol="0">
+                <a:spAutoFit/>
+              </a:bodyPr>
+              <a:lstStyle/>
+              <a:p>
+                <a:r>
+                  <a:rPr lang="it-IT" dirty="0"/>
+                  <a:t>Note anomalous double peak feature in very low momentum sample </a:t>
+                </a:r>
+                <a14:m>
+                  <m:oMath xmlns:m="http://schemas.openxmlformats.org/officeDocument/2006/math">
+                    <m:d>
+                      <m:dPr>
+                        <m:ctrlPr>
+                          <a:rPr lang="it-IT" b="0" i="0" smtClean="0">
+                            <a:latin typeface="Cambria Math" panose="02040503050406030204" pitchFamily="18" charset="0"/>
+                          </a:rPr>
+                        </m:ctrlPr>
+                      </m:dPr>
+                      <m:e>
+                        <m:r>
+                          <a:rPr lang="it-IT" b="0" i="1" smtClean="0">
+                            <a:latin typeface="Cambria Math" panose="02040503050406030204" pitchFamily="18" charset="0"/>
+                          </a:rPr>
+                          <m:t>0.5&lt;</m:t>
+                        </m:r>
+                        <m:r>
+                          <a:rPr lang="it-IT" b="0" i="1" smtClean="0">
+                            <a:latin typeface="Cambria Math" panose="02040503050406030204" pitchFamily="18" charset="0"/>
+                          </a:rPr>
+                          <m:t>𝑝</m:t>
+                        </m:r>
+                        <m:r>
+                          <a:rPr lang="it-IT" b="0" i="1" smtClean="0">
+                            <a:latin typeface="Cambria Math" panose="02040503050406030204" pitchFamily="18" charset="0"/>
+                          </a:rPr>
+                          <m:t>&lt;1</m:t>
+                        </m:r>
+                      </m:e>
+                    </m:d>
+                    <m:r>
+                      <m:rPr>
+                        <m:sty m:val="p"/>
+                      </m:rPr>
+                      <a:rPr lang="it-IT" b="0" i="1" smtClean="0">
+                        <a:latin typeface="Cambria Math" panose="02040503050406030204" pitchFamily="18" charset="0"/>
+                      </a:rPr>
+                      <m:t>GeV</m:t>
+                    </m:r>
+                    <m:r>
+                      <a:rPr lang="it-IT" b="0" i="1" smtClean="0">
+                        <a:latin typeface="Cambria Math" panose="02040503050406030204" pitchFamily="18" charset="0"/>
+                      </a:rPr>
+                      <m:t>/</m:t>
+                    </m:r>
+                    <m:r>
+                      <m:rPr>
+                        <m:sty m:val="p"/>
+                      </m:rPr>
+                      <a:rPr lang="it-IT" b="0" i="1" smtClean="0">
+                        <a:latin typeface="Cambria Math" panose="02040503050406030204" pitchFamily="18" charset="0"/>
+                      </a:rPr>
+                      <m:t>c</m:t>
+                    </m:r>
+                  </m:oMath>
+                </a14:m>
+                <a:endParaRPr lang="en-US" dirty="0"/>
+              </a:p>
+            </p:txBody>
+          </p:sp>
+        </mc:Choice>
+        <mc:Fallback>
+          <p:sp>
+            <p:nvSpPr>
+              <p:cNvPr id="8" name="TextBox 7">
+                <a:extLst>
+                  <a:ext uri="{FF2B5EF4-FFF2-40B4-BE49-F238E27FC236}">
+                    <a16:creationId xmlns:a16="http://schemas.microsoft.com/office/drawing/2014/main" id="{F3E0373A-5E53-48F4-AB37-831B725C2BFE}"/>
+                  </a:ext>
+                </a:extLst>
+              </p:cNvPr>
+              <p:cNvSpPr txBox="1">
+                <a:spLocks noRot="1" noChangeAspect="1" noMove="1" noResize="1" noEditPoints="1" noAdjustHandles="1" noChangeArrowheads="1" noChangeShapeType="1" noTextEdit="1"/>
+              </p:cNvSpPr>
+              <p:nvPr/>
+            </p:nvSpPr>
+            <p:spPr>
+              <a:xfrm>
+                <a:off x="219056" y="5645443"/>
+                <a:ext cx="5811243" cy="646331"/>
+              </a:xfrm>
+              <a:prstGeom prst="rect">
+                <a:avLst/>
+              </a:prstGeom>
+              <a:blipFill>
+                <a:blip r:embed="rId12"/>
+                <a:stretch>
+                  <a:fillRect l="-944" t="-4717" r="-525" b="-14151"/>
+                </a:stretch>
+              </a:blipFill>
+            </p:spPr>
+            <p:txBody>
+              <a:bodyPr/>
+              <a:lstStyle/>
+              <a:p>
+                <a:r>
+                  <a:rPr lang="en-US">
+                    <a:noFill/>
+                  </a:rPr>
+                  <a:t> </a:t>
+                </a:r>
+              </a:p>
+            </p:txBody>
+          </p:sp>
+        </mc:Fallback>
+      </mc:AlternateContent>
     </p:spTree>
     <p:extLst>
       <p:ext uri="{BB962C8B-B14F-4D97-AF65-F5344CB8AC3E}">
         <p14:creationId xmlns:p14="http://schemas.microsoft.com/office/powerpoint/2010/main" val="2844892826"/>
-      </p:ext>
-    </p:extLst>
-  </p:cSld>
-  <p:clrMapOvr>
-    <a:masterClrMapping/>
-  </p:clrMapOvr>
-</p:sld>
-</file>
-
-<file path=ppt/slides/slide8.xml><?xml version="1.0" encoding="utf-8"?>
-<p:sld xmlns:a="http://schemas.openxmlformats.org/drawingml/2006/main" xmlns:r="http://schemas.openxmlformats.org/officeDocument/2006/relationships" xmlns:p="http://schemas.openxmlformats.org/presentationml/2006/main">
-  <p:cSld>
-    <p:spTree>
-      <p:nvGrpSpPr>
-        <p:cNvPr id="1" name=""/>
-        <p:cNvGrpSpPr/>
-        <p:nvPr/>
-      </p:nvGrpSpPr>
-      <p:grpSpPr>
-        <a:xfrm>
-          <a:off x="0" y="0"/>
-          <a:ext cx="0" cy="0"/>
-          <a:chOff x="0" y="0"/>
-          <a:chExt cx="0" cy="0"/>
-        </a:xfrm>
-      </p:grpSpPr>
-      <p:sp>
-        <p:nvSpPr>
-          <p:cNvPr id="2" name="Titolo 1">
-            <a:extLst>
-              <a:ext uri="{FF2B5EF4-FFF2-40B4-BE49-F238E27FC236}">
-                <a16:creationId xmlns:a16="http://schemas.microsoft.com/office/drawing/2014/main" id="{AEA5083B-CC27-4F1C-AD03-E3DBEC1C9E78}"/>
-              </a:ext>
-            </a:extLst>
-          </p:cNvPr>
-          <p:cNvSpPr>
-            <a:spLocks noGrp="1"/>
-          </p:cNvSpPr>
-          <p:nvPr>
-            <p:ph type="title"/>
-          </p:nvPr>
-        </p:nvSpPr>
-        <p:spPr>
-          <a:xfrm>
-            <a:off x="431999" y="413238"/>
-            <a:ext cx="9198117" cy="450762"/>
-          </a:xfrm>
-          <a:prstGeom prst="rect">
-            <a:avLst/>
-          </a:prstGeom>
-        </p:spPr>
-        <p:txBody>
-          <a:bodyPr rtlCol="0" anchor="ctr">
-            <a:normAutofit/>
-          </a:bodyPr>
-          <a:lstStyle/>
-          <a:p>
-            <a:pPr rtl="0"/>
-            <a:r>
-              <a:rPr lang="it-IT" dirty="0"/>
-              <a:t>ENERGY LOSS as a function ofINITIAL MOMENTUM</a:t>
-            </a:r>
-          </a:p>
-        </p:txBody>
-      </p:sp>
-      <p:sp>
-        <p:nvSpPr>
-          <p:cNvPr id="6" name="Segnaposto numero diapositiva 5">
-            <a:extLst>
-              <a:ext uri="{FF2B5EF4-FFF2-40B4-BE49-F238E27FC236}">
-                <a16:creationId xmlns:a16="http://schemas.microsoft.com/office/drawing/2014/main" id="{46D051DA-5DAD-43A7-A238-51C63BA59FEC}"/>
-              </a:ext>
-            </a:extLst>
-          </p:cNvPr>
-          <p:cNvSpPr>
-            <a:spLocks noGrp="1"/>
-          </p:cNvSpPr>
-          <p:nvPr>
-            <p:ph type="sldNum" sz="quarter" idx="33"/>
-          </p:nvPr>
-        </p:nvSpPr>
-        <p:spPr>
-          <a:xfrm>
-            <a:off x="11772820" y="6401750"/>
-            <a:ext cx="278418" cy="274324"/>
-          </a:xfrm>
-          <a:prstGeom prst="rect">
-            <a:avLst/>
-          </a:prstGeom>
-        </p:spPr>
-        <p:txBody>
-          <a:bodyPr rtlCol="0" anchor="ctr">
-            <a:normAutofit/>
-          </a:bodyPr>
-          <a:lstStyle/>
-          <a:p>
-            <a:pPr rtl="0">
-              <a:spcAft>
-                <a:spcPts val="600"/>
-              </a:spcAft>
-            </a:pPr>
-            <a:fld id="{19B51A1E-902D-48AF-9020-955120F399B6}" type="slidenum">
-              <a:rPr lang="it-IT" smtClean="0"/>
-              <a:pPr rtl="0">
-                <a:spcAft>
-                  <a:spcPts val="600"/>
-                </a:spcAft>
-              </a:pPr>
-              <a:t>8</a:t>
-            </a:fld>
-            <a:endParaRPr lang="it-IT"/>
-          </a:p>
-        </p:txBody>
-      </p:sp>
-      <p:sp>
-        <p:nvSpPr>
-          <p:cNvPr id="3" name="TextBox 2">
-            <a:extLst>
-              <a:ext uri="{FF2B5EF4-FFF2-40B4-BE49-F238E27FC236}">
-                <a16:creationId xmlns:a16="http://schemas.microsoft.com/office/drawing/2014/main" id="{EC437B08-CF6A-46CA-B5D9-F1267286FC73}"/>
-              </a:ext>
-            </a:extLst>
-          </p:cNvPr>
-          <p:cNvSpPr txBox="1"/>
-          <p:nvPr/>
-        </p:nvSpPr>
-        <p:spPr>
-          <a:xfrm>
-            <a:off x="421912" y="953123"/>
-            <a:ext cx="11340822" cy="369332"/>
-          </a:xfrm>
-          <a:prstGeom prst="rect">
-            <a:avLst/>
-          </a:prstGeom>
-          <a:noFill/>
-        </p:spPr>
-        <p:txBody>
-          <a:bodyPr wrap="square" rtlCol="0">
-            <a:spAutoFit/>
-          </a:bodyPr>
-          <a:lstStyle/>
-          <a:p>
-            <a:pPr marL="285750" indent="-285750">
-              <a:buFont typeface="Arial" panose="020B0604020202020204" pitchFamily="34" charset="0"/>
-              <a:buChar char="•"/>
-            </a:pPr>
-            <a:r>
-              <a:rPr lang="it-IT" dirty="0"/>
-              <a:t>We then take the MPV for each distribution and plot them them as a function of initial momentum</a:t>
-            </a:r>
-            <a:endParaRPr lang="en-US" dirty="0"/>
-          </a:p>
-        </p:txBody>
-      </p:sp>
-      <p:pic>
-        <p:nvPicPr>
-          <p:cNvPr id="7" name="Picture 6" descr="A screenshot of a cell phone&#10;&#10;Description automatically generated">
-            <a:extLst>
-              <a:ext uri="{FF2B5EF4-FFF2-40B4-BE49-F238E27FC236}">
-                <a16:creationId xmlns:a16="http://schemas.microsoft.com/office/drawing/2014/main" id="{300DEB47-2D3D-4AC2-8171-1910FE60FBC4}"/>
-              </a:ext>
-            </a:extLst>
-          </p:cNvPr>
-          <p:cNvPicPr>
-            <a:picLocks noChangeAspect="1"/>
-          </p:cNvPicPr>
-          <p:nvPr/>
-        </p:nvPicPr>
-        <p:blipFill>
-          <a:blip r:embed="rId2">
-            <a:extLst>
-              <a:ext uri="{28A0092B-C50C-407E-A947-70E740481C1C}">
-                <a14:useLocalDpi xmlns:a14="http://schemas.microsoft.com/office/drawing/2010/main" val="0"/>
-              </a:ext>
-            </a:extLst>
-          </a:blip>
-          <a:stretch>
-            <a:fillRect/>
-          </a:stretch>
-        </p:blipFill>
-        <p:spPr>
-          <a:xfrm>
-            <a:off x="2828153" y="1495826"/>
-            <a:ext cx="6528339" cy="5063061"/>
-          </a:xfrm>
-          <a:prstGeom prst="rect">
-            <a:avLst/>
-          </a:prstGeom>
-        </p:spPr>
-      </p:pic>
-    </p:spTree>
-    <p:extLst>
-      <p:ext uri="{BB962C8B-B14F-4D97-AF65-F5344CB8AC3E}">
-        <p14:creationId xmlns:p14="http://schemas.microsoft.com/office/powerpoint/2010/main" val="3360979172"/>
       </p:ext>
     </p:extLst>
   </p:cSld>
@@ -14491,10 +16544,10 @@
       </p:grpSpPr>
       <p:sp>
         <p:nvSpPr>
-          <p:cNvPr id="2" name="Titolo 1">
-            <a:extLst>
-              <a:ext uri="{FF2B5EF4-FFF2-40B4-BE49-F238E27FC236}">
-                <a16:creationId xmlns:a16="http://schemas.microsoft.com/office/drawing/2014/main" id="{AEA5083B-CC27-4F1C-AD03-E3DBEC1C9E78}"/>
+          <p:cNvPr id="2" name="Title 1">
+            <a:extLst>
+              <a:ext uri="{FF2B5EF4-FFF2-40B4-BE49-F238E27FC236}">
+                <a16:creationId xmlns:a16="http://schemas.microsoft.com/office/drawing/2014/main" id="{2569DF58-3252-41AF-9F07-A66CDC41EEE6}"/>
               </a:ext>
             </a:extLst>
           </p:cNvPr>
@@ -14505,37 +16558,58 @@
             <p:ph type="title"/>
           </p:nvPr>
         </p:nvSpPr>
-        <p:spPr>
-          <a:xfrm>
-            <a:off x="431999" y="413238"/>
-            <a:ext cx="9198117" cy="450762"/>
-          </a:xfrm>
-          <a:prstGeom prst="rect">
-            <a:avLst/>
-          </a:prstGeom>
-        </p:spPr>
+        <p:spPr/>
         <p:txBody>
-          <a:bodyPr rtlCol="0" anchor="ctr">
-            <a:normAutofit/>
-          </a:bodyPr>
+          <a:bodyPr/>
           <a:lstStyle/>
           <a:p>
-            <a:pPr rtl="0"/>
             <a:r>
               <a:rPr lang="it-IT" dirty="0"/>
-              <a:t>ENERGY LOSS as a function ofINITIAL MOMENTUM</a:t>
-            </a:r>
+              <a:t>VERY LOW momentum SAMPLE</a:t>
+            </a:r>
+            <a:endParaRPr lang="en-US" dirty="0"/>
           </a:p>
         </p:txBody>
       </p:sp>
-      <mc:AlternateContent xmlns:mc="http://schemas.openxmlformats.org/markup-compatibility/2006">
-        <mc:Choice xmlns:a14="http://schemas.microsoft.com/office/drawing/2010/main" Requires="a14">
+      <p:sp>
+        <p:nvSpPr>
+          <p:cNvPr id="5" name="Slide Number Placeholder 4">
+            <a:extLst>
+              <a:ext uri="{FF2B5EF4-FFF2-40B4-BE49-F238E27FC236}">
+                <a16:creationId xmlns:a16="http://schemas.microsoft.com/office/drawing/2014/main" id="{F4B13F92-8348-4B24-834C-F670B37A4E3C}"/>
+              </a:ext>
+            </a:extLst>
+          </p:cNvPr>
+          <p:cNvSpPr>
+            <a:spLocks noGrp="1"/>
+          </p:cNvSpPr>
+          <p:nvPr>
+            <p:ph type="sldNum" sz="quarter" idx="33"/>
+          </p:nvPr>
+        </p:nvSpPr>
+        <p:spPr/>
+        <p:txBody>
+          <a:bodyPr/>
+          <a:lstStyle/>
+          <a:p>
+            <a:pPr rtl="0"/>
+            <a:fld id="{19B51A1E-902D-48AF-9020-955120F399B6}" type="slidenum">
+              <a:rPr lang="it-IT" smtClean="0"/>
+              <a:pPr rtl="0"/>
+              <a:t>9</a:t>
+            </a:fld>
+            <a:endParaRPr lang="it-IT" dirty="0"/>
+          </a:p>
+        </p:txBody>
+      </p:sp>
+      <mc:AlternateContent xmlns:mc="http://schemas.openxmlformats.org/markup-compatibility/2006" xmlns:a14="http://schemas.microsoft.com/office/drawing/2010/main">
+        <mc:Choice Requires="a14">
           <p:sp>
             <p:nvSpPr>
-              <p:cNvPr id="3" name="TextBox 2">
+              <p:cNvPr id="6" name="TextBox 5">
                 <a:extLst>
                   <a:ext uri="{FF2B5EF4-FFF2-40B4-BE49-F238E27FC236}">
-                    <a16:creationId xmlns:a16="http://schemas.microsoft.com/office/drawing/2014/main" id="{EC437B08-CF6A-46CA-B5D9-F1267286FC73}"/>
+                    <a16:creationId xmlns:a16="http://schemas.microsoft.com/office/drawing/2014/main" id="{BADD812B-E56B-4E4C-A1AD-3555001CDE4B}"/>
                   </a:ext>
                 </a:extLst>
               </p:cNvPr>
@@ -14544,8 +16618,8 @@
             </p:nvSpPr>
             <p:spPr>
               <a:xfrm>
-                <a:off x="950857" y="2305615"/>
-                <a:ext cx="10290286" cy="2246769"/>
+                <a:off x="974486" y="4942517"/>
+                <a:ext cx="10243027" cy="1323439"/>
               </a:xfrm>
               <a:prstGeom prst="rect">
                 <a:avLst/>
@@ -14558,22 +16632,125 @@
               </a:bodyPr>
               <a:lstStyle/>
               <a:p>
-                <a:pPr marL="342900" indent="-342900">
-                  <a:buSzPct val="100000"/>
-                  <a:buFont typeface="Times New Roman" panose="02020603050405020304" pitchFamily="18" charset="0"/>
+                <a:pPr marL="285750" indent="-285750">
+                  <a:buFont typeface="Arial" panose="020B0604020202020204" pitchFamily="34" charset="0"/>
                   <a:buChar char="•"/>
                 </a:pPr>
                 <a:r>
-                  <a:rPr lang="it-IT" sz="2000" dirty="0"/>
-                  <a:t>We then wanted to study the difference in </a:t>
-                </a:r>
-                <a:r>
-                  <a:rPr lang="it-IT" sz="2000" dirty="0">
+                  <a:rPr lang="it-IT" sz="1600" dirty="0"/>
+                  <a:t>A </a:t>
+                </a:r>
+                <a:r>
+                  <a:rPr lang="it-IT" sz="1600" dirty="0">
                     <a:solidFill>
                       <a:srgbClr val="FF0000"/>
                     </a:solidFill>
                   </a:rPr>
-                  <a:t>muon energy loss </a:t>
+                  <a:t>double peak structure</a:t>
+                </a:r>
+                <a:r>
+                  <a:rPr lang="it-IT" sz="1600" dirty="0"/>
+                  <a:t> can be noticed in the </a:t>
+                </a:r>
+                <a:r>
+                  <a:rPr lang="it-IT" sz="1600" dirty="0">
+                    <a:solidFill>
+                      <a:srgbClr val="FF0000"/>
+                    </a:solidFill>
+                  </a:rPr>
+                  <a:t>very low momentum sample (</a:t>
+                </a:r>
+                <a14:m>
+                  <m:oMath xmlns:m="http://schemas.openxmlformats.org/officeDocument/2006/math">
+                    <m:sSub>
+                      <m:sSubPr>
+                        <m:ctrlPr>
+                          <a:rPr lang="it-IT" sz="1600" b="0" i="1" smtClean="0">
+                            <a:solidFill>
+                              <a:srgbClr val="FF0000"/>
+                            </a:solidFill>
+                            <a:latin typeface="Cambria Math" panose="02040503050406030204" pitchFamily="18" charset="0"/>
+                          </a:rPr>
+                        </m:ctrlPr>
+                      </m:sSubPr>
+                      <m:e>
+                        <m:r>
+                          <a:rPr lang="it-IT" sz="1600" b="0" i="1" smtClean="0">
+                            <a:solidFill>
+                              <a:srgbClr val="FF0000"/>
+                            </a:solidFill>
+                            <a:latin typeface="Cambria Math" panose="02040503050406030204" pitchFamily="18" charset="0"/>
+                          </a:rPr>
+                          <m:t>0&lt;</m:t>
+                        </m:r>
+                        <m:r>
+                          <a:rPr lang="it-IT" sz="1600" b="0" i="1" smtClean="0">
+                            <a:solidFill>
+                              <a:srgbClr val="FF0000"/>
+                            </a:solidFill>
+                            <a:latin typeface="Cambria Math" panose="02040503050406030204" pitchFamily="18" charset="0"/>
+                          </a:rPr>
+                          <m:t>𝑝</m:t>
+                        </m:r>
+                      </m:e>
+                      <m:sub>
+                        <m:r>
+                          <a:rPr lang="it-IT" sz="1600" b="0" i="1" smtClean="0">
+                            <a:solidFill>
+                              <a:srgbClr val="FF0000"/>
+                            </a:solidFill>
+                            <a:latin typeface="Cambria Math" panose="02040503050406030204" pitchFamily="18" charset="0"/>
+                          </a:rPr>
+                          <m:t>𝑧</m:t>
+                        </m:r>
+                      </m:sub>
+                    </m:sSub>
+                    <m:r>
+                      <a:rPr lang="it-IT" sz="1600" b="0" i="1" smtClean="0">
+                        <a:solidFill>
+                          <a:srgbClr val="FF0000"/>
+                        </a:solidFill>
+                        <a:latin typeface="Cambria Math" panose="02040503050406030204" pitchFamily="18" charset="0"/>
+                      </a:rPr>
+                      <m:t>&lt;0.5</m:t>
+                    </m:r>
+                  </m:oMath>
+                </a14:m>
+                <a:r>
+                  <a:rPr lang="it-IT" sz="1600" dirty="0">
+                    <a:solidFill>
+                      <a:srgbClr val="FF0000"/>
+                    </a:solidFill>
+                  </a:rPr>
+                  <a:t>) GeV/c </a:t>
+                </a:r>
+              </a:p>
+              <a:p>
+                <a:pPr marL="285750" indent="-285750">
+                  <a:buFont typeface="Arial" panose="020B0604020202020204" pitchFamily="34" charset="0"/>
+                  <a:buChar char="•"/>
+                </a:pPr>
+                <a:r>
+                  <a:rPr lang="it-IT" sz="1600" dirty="0"/>
+                  <a:t>Most muons in the sample traverse the barrel ECAL, are bent by the magnetic field and re-enter the barrel calorimeter. </a:t>
+                </a:r>
+              </a:p>
+              <a:p>
+                <a:pPr marL="285750" indent="-285750">
+                  <a:buFont typeface="Arial" panose="020B0604020202020204" pitchFamily="34" charset="0"/>
+                  <a:buChar char="•"/>
+                </a:pPr>
+                <a:r>
+                  <a:rPr lang="it-IT" sz="1600" dirty="0"/>
+                  <a:t>Overall </a:t>
+                </a:r>
+                <a:r>
+                  <a:rPr lang="it-IT" sz="1600" dirty="0">
+                    <a:solidFill>
+                      <a:srgbClr val="FF0000"/>
+                    </a:solidFill>
+                  </a:rPr>
+                  <a:t>muons that traverse the ECAL two times are expected to lose about </a:t>
                 </a:r>
                 <a14:m>
                   <m:oMath xmlns:m="http://schemas.openxmlformats.org/officeDocument/2006/math">
@@ -14581,7 +16758,7 @@
                       <m:rPr>
                         <m:sty m:val="p"/>
                       </m:rPr>
-                      <a:rPr lang="it-IT" sz="2000" b="0" i="0" smtClean="0">
+                      <a:rPr lang="it-IT" sz="1600" b="0" i="0" smtClean="0">
                         <a:solidFill>
                           <a:srgbClr val="FF0000"/>
                         </a:solidFill>
@@ -14590,7 +16767,7 @@
                       <m:t>Δ</m:t>
                     </m:r>
                     <m:r>
-                      <a:rPr lang="it-IT" sz="2000" b="0" i="1" smtClean="0">
+                      <a:rPr lang="it-IT" sz="1600" b="0" i="1" smtClean="0">
                         <a:solidFill>
                           <a:srgbClr val="FF0000"/>
                         </a:solidFill>
@@ -14599,19 +16776,87 @@
                       <m:t>𝐸</m:t>
                     </m:r>
                     <m:r>
-                      <a:rPr lang="it-IT" sz="2000" b="0" i="1" smtClean="0">
+                      <a:rPr lang="it-IT" sz="1600" b="0" i="1" smtClean="0">
                         <a:solidFill>
                           <a:srgbClr val="FF0000"/>
                         </a:solidFill>
                         <a:latin typeface="Cambria Math" panose="02040503050406030204" pitchFamily="18" charset="0"/>
                       </a:rPr>
-                      <m:t>(</m:t>
+                      <m:t>≃0.7</m:t>
+                    </m:r>
+                    <m:r>
+                      <m:rPr>
+                        <m:lit/>
+                      </m:rPr>
+                      <a:rPr lang="it-IT" sz="1600" b="0" i="1" smtClean="0">
+                        <a:solidFill>
+                          <a:srgbClr val="FF0000"/>
+                        </a:solidFill>
+                        <a:latin typeface="Cambria Math" panose="02040503050406030204" pitchFamily="18" charset="0"/>
+                      </a:rPr>
+                      <m:t> </m:t>
                     </m:r>
                     <m:r>
                       <m:rPr>
                         <m:sty m:val="p"/>
                       </m:rPr>
-                      <a:rPr lang="it-IT" sz="2000" b="0" i="1" smtClean="0">
+                      <a:rPr lang="it-IT" sz="1600" b="0" i="1" smtClean="0">
+                        <a:solidFill>
+                          <a:srgbClr val="FF0000"/>
+                        </a:solidFill>
+                        <a:latin typeface="Cambria Math" panose="02040503050406030204" pitchFamily="18" charset="0"/>
+                      </a:rPr>
+                      <m:t>GeV</m:t>
+                    </m:r>
+                  </m:oMath>
+                </a14:m>
+                <a:endParaRPr lang="it-IT" sz="1600" dirty="0"/>
+              </a:p>
+              <a:p>
+                <a:pPr marL="285750" indent="-285750">
+                  <a:buFont typeface="Arial" panose="020B0604020202020204" pitchFamily="34" charset="0"/>
+                  <a:buChar char="•"/>
+                </a:pPr>
+                <a:r>
+                  <a:rPr lang="it-IT" sz="1600" dirty="0"/>
+                  <a:t>The lower peak probably consists of particles </a:t>
+                </a:r>
+                <a:r>
+                  <a:rPr lang="it-IT" sz="1600" dirty="0">
+                    <a:solidFill>
+                      <a:srgbClr val="FF0000"/>
+                    </a:solidFill>
+                  </a:rPr>
+                  <a:t>that have an initial energy lower than </a:t>
+                </a:r>
+                <a14:m>
+                  <m:oMath xmlns:m="http://schemas.openxmlformats.org/officeDocument/2006/math">
+                    <m:r>
+                      <a:rPr lang="it-IT" sz="1600" i="1">
+                        <a:solidFill>
+                          <a:srgbClr val="FF0000"/>
+                        </a:solidFill>
+                        <a:latin typeface="Cambria Math" panose="02040503050406030204" pitchFamily="18" charset="0"/>
+                      </a:rPr>
+                      <m:t>0.7</m:t>
+                    </m:r>
+                    <m:r>
+                      <m:rPr>
+                        <m:lit/>
+                      </m:rPr>
+                      <a:rPr lang="it-IT" sz="1600" i="1">
+                        <a:solidFill>
+                          <a:srgbClr val="FF0000"/>
+                        </a:solidFill>
+                        <a:latin typeface="Cambria Math" panose="02040503050406030204" pitchFamily="18" charset="0"/>
+                      </a:rPr>
+                      <m:t> </m:t>
+                    </m:r>
+                    <m:r>
+                      <m:rPr>
+                        <m:sty m:val="p"/>
+                      </m:rPr>
+                      <a:rPr lang="it-IT" sz="1600" i="1">
                         <a:solidFill>
                           <a:srgbClr val="FF0000"/>
                         </a:solidFill>
@@ -14620,224 +16865,125 @@
                       <m:t>GeV</m:t>
                     </m:r>
                     <m:r>
-                      <a:rPr lang="it-IT" sz="2000" b="0" i="1" smtClean="0">
+                      <a:rPr lang="it-IT" sz="1600" i="1">
                         <a:solidFill>
                           <a:srgbClr val="FF0000"/>
                         </a:solidFill>
                         <a:latin typeface="Cambria Math" panose="02040503050406030204" pitchFamily="18" charset="0"/>
                       </a:rPr>
-                      <m:t>)</m:t>
+                      <m:t> </m:t>
                     </m:r>
                   </m:oMath>
                 </a14:m>
                 <a:r>
-                  <a:rPr lang="it-IT" sz="2000" dirty="0"/>
-                  <a:t> </a:t>
-                </a:r>
-                <a:r>
-                  <a:rPr lang="it-IT" sz="2000" dirty="0">
+                  <a:rPr lang="it-IT" sz="1600" dirty="0">
                     <a:solidFill>
                       <a:srgbClr val="FF0000"/>
                     </a:solidFill>
                   </a:rPr>
-                  <a:t>as a function of the amount of transversed ECAL material</a:t>
-                </a:r>
-                <a:r>
-                  <a:rPr lang="it-IT" sz="2000" dirty="0"/>
-                  <a:t>.</a:t>
-                </a:r>
-              </a:p>
-              <a:p>
-                <a:pPr marL="285750" indent="-285750">
-                  <a:buFont typeface="Arial" panose="020B0604020202020204" pitchFamily="34" charset="0"/>
-                  <a:buChar char="•"/>
-                </a:pPr>
-                <a:r>
-                  <a:rPr lang="it-IT" sz="2000" dirty="0"/>
-                  <a:t> The most immidiate way to do it was to produce upstream muon samples (z=-500cm), whose initial momentum formed an </a:t>
-                </a:r>
-                <a:r>
-                  <a:rPr lang="it-IT" sz="2000" dirty="0">
-                    <a:solidFill>
-                      <a:srgbClr val="FF0000"/>
-                    </a:solidFill>
-                  </a:rPr>
-                  <a:t>increasingly larger angle with the z axis</a:t>
-                </a:r>
-                <a:r>
-                  <a:rPr lang="it-IT" sz="2000" dirty="0"/>
-                  <a:t>. </a:t>
-                </a:r>
-              </a:p>
-              <a:p>
-                <a:pPr marL="285750" indent="-285750">
-                  <a:buFont typeface="Arial" panose="020B0604020202020204" pitchFamily="34" charset="0"/>
-                  <a:buChar char="•"/>
-                </a:pPr>
-                <a:r>
-                  <a:rPr lang="it-IT" sz="2000" dirty="0"/>
-                  <a:t>Specifically I added a small px component, so that the particles formed angles uniformily distributed in </a:t>
-                </a:r>
-                <a:r>
-                  <a:rPr lang="it-IT" sz="2000" dirty="0">
-                    <a:solidFill>
-                      <a:srgbClr val="FF0000"/>
-                    </a:solidFill>
-                  </a:rPr>
-                  <a:t>spans of </a:t>
+                  <a:t>and that are expected to be stopped in the ECAL (</a:t>
                 </a:r>
                 <a14:m>
                   <m:oMath xmlns:m="http://schemas.openxmlformats.org/officeDocument/2006/math">
-                    <m:sSup>
-                      <m:sSupPr>
+                    <m:sSub>
+                      <m:sSubPr>
                         <m:ctrlPr>
-                          <a:rPr lang="it-IT" sz="2000" b="0" i="1" smtClean="0">
+                          <a:rPr lang="it-IT" sz="1600" b="0" i="1" smtClean="0">
                             <a:solidFill>
                               <a:srgbClr val="FF0000"/>
                             </a:solidFill>
                             <a:latin typeface="Cambria Math" panose="02040503050406030204" pitchFamily="18" charset="0"/>
                           </a:rPr>
                         </m:ctrlPr>
-                      </m:sSupPr>
+                      </m:sSubPr>
                       <m:e>
                         <m:r>
-                          <a:rPr lang="it-IT" sz="2000" b="0" i="1" smtClean="0">
+                          <a:rPr lang="it-IT" sz="1600" b="0" i="1" smtClean="0">
                             <a:solidFill>
                               <a:srgbClr val="FF0000"/>
                             </a:solidFill>
                             <a:latin typeface="Cambria Math" panose="02040503050406030204" pitchFamily="18" charset="0"/>
                           </a:rPr>
-                          <m:t>5</m:t>
+                          <m:t>𝑝</m:t>
                         </m:r>
                       </m:e>
-                      <m:sup>
+                      <m:sub>
                         <m:r>
-                          <a:rPr lang="it-IT" sz="2000" b="0" i="1" smtClean="0">
+                          <a:rPr lang="it-IT" sz="1600" b="0" i="1" smtClean="0">
                             <a:solidFill>
                               <a:srgbClr val="FF0000"/>
                             </a:solidFill>
                             <a:latin typeface="Cambria Math" panose="02040503050406030204" pitchFamily="18" charset="0"/>
                           </a:rPr>
-                          <m:t>∘</m:t>
+                          <m:t>𝑒𝑛𝑑</m:t>
                         </m:r>
-                      </m:sup>
-                    </m:sSup>
+                      </m:sub>
+                    </m:sSub>
+                    <m:r>
+                      <a:rPr lang="it-IT" sz="1600" b="0" i="1" smtClean="0">
+                        <a:solidFill>
+                          <a:srgbClr val="FF0000"/>
+                        </a:solidFill>
+                        <a:latin typeface="Cambria Math" panose="02040503050406030204" pitchFamily="18" charset="0"/>
+                      </a:rPr>
+                      <m:t>=0</m:t>
+                    </m:r>
+                    <m:r>
+                      <m:rPr>
+                        <m:sty m:val="p"/>
+                      </m:rPr>
+                      <a:rPr lang="it-IT" sz="1600" b="0" i="1" smtClean="0">
+                        <a:solidFill>
+                          <a:srgbClr val="FF0000"/>
+                        </a:solidFill>
+                        <a:latin typeface="Cambria Math" panose="02040503050406030204" pitchFamily="18" charset="0"/>
+                      </a:rPr>
+                      <m:t>GeV</m:t>
+                    </m:r>
+                    <m:r>
+                      <a:rPr lang="it-IT" sz="1600" b="0" i="1" smtClean="0">
+                        <a:solidFill>
+                          <a:srgbClr val="FF0000"/>
+                        </a:solidFill>
+                        <a:latin typeface="Cambria Math" panose="02040503050406030204" pitchFamily="18" charset="0"/>
+                      </a:rPr>
+                      <m:t>/</m:t>
+                    </m:r>
+                    <m:r>
+                      <a:rPr lang="it-IT" sz="1600" b="0" i="1" smtClean="0">
+                        <a:solidFill>
+                          <a:srgbClr val="FF0000"/>
+                        </a:solidFill>
+                        <a:latin typeface="Cambria Math" panose="02040503050406030204" pitchFamily="18" charset="0"/>
+                      </a:rPr>
+                      <m:t>𝑐</m:t>
+                    </m:r>
                   </m:oMath>
                 </a14:m>
                 <a:r>
-                  <a:rPr lang="it-IT" sz="2000" dirty="0">
+                  <a:rPr lang="it-IT" sz="1600" dirty="0">
                     <a:solidFill>
                       <a:srgbClr val="FF0000"/>
                     </a:solidFill>
                   </a:rPr>
-                  <a:t> from </a:t>
-                </a:r>
-                <a14:m>
-                  <m:oMath xmlns:m="http://schemas.openxmlformats.org/officeDocument/2006/math">
-                    <m:sSup>
-                      <m:sSupPr>
-                        <m:ctrlPr>
-                          <a:rPr lang="it-IT" sz="2000" i="1">
-                            <a:solidFill>
-                              <a:srgbClr val="FF0000"/>
-                            </a:solidFill>
-                            <a:latin typeface="Cambria Math" panose="02040503050406030204" pitchFamily="18" charset="0"/>
-                          </a:rPr>
-                        </m:ctrlPr>
-                      </m:sSupPr>
-                      <m:e>
-                        <m:r>
-                          <a:rPr lang="it-IT" sz="2000" b="0" i="1" smtClean="0">
-                            <a:solidFill>
-                              <a:srgbClr val="FF0000"/>
-                            </a:solidFill>
-                            <a:latin typeface="Cambria Math" panose="02040503050406030204" pitchFamily="18" charset="0"/>
-                          </a:rPr>
-                          <m:t>0</m:t>
-                        </m:r>
-                      </m:e>
-                      <m:sup>
-                        <m:r>
-                          <a:rPr lang="it-IT" sz="2000" i="1">
-                            <a:solidFill>
-                              <a:srgbClr val="FF0000"/>
-                            </a:solidFill>
-                            <a:latin typeface="Cambria Math" panose="02040503050406030204" pitchFamily="18" charset="0"/>
-                          </a:rPr>
-                          <m:t>∘</m:t>
-                        </m:r>
-                      </m:sup>
-                    </m:sSup>
-                  </m:oMath>
-                </a14:m>
-                <a:r>
-                  <a:rPr lang="it-IT" sz="2000" dirty="0">
-                    <a:solidFill>
-                      <a:srgbClr val="FF0000"/>
-                    </a:solidFill>
-                  </a:rPr>
-                  <a:t> to </a:t>
-                </a:r>
-                <a14:m>
-                  <m:oMath xmlns:m="http://schemas.openxmlformats.org/officeDocument/2006/math">
-                    <m:sSup>
-                      <m:sSupPr>
-                        <m:ctrlPr>
-                          <a:rPr lang="it-IT" sz="2000" i="1">
-                            <a:solidFill>
-                              <a:srgbClr val="FF0000"/>
-                            </a:solidFill>
-                            <a:latin typeface="Cambria Math" panose="02040503050406030204" pitchFamily="18" charset="0"/>
-                          </a:rPr>
-                        </m:ctrlPr>
-                      </m:sSupPr>
-                      <m:e>
-                        <m:r>
-                          <a:rPr lang="it-IT" sz="2000" b="0" i="1" smtClean="0">
-                            <a:solidFill>
-                              <a:srgbClr val="FF0000"/>
-                            </a:solidFill>
-                            <a:latin typeface="Cambria Math" panose="02040503050406030204" pitchFamily="18" charset="0"/>
-                          </a:rPr>
-                          <m:t>25</m:t>
-                        </m:r>
-                      </m:e>
-                      <m:sup>
-                        <m:r>
-                          <a:rPr lang="it-IT" sz="2000" i="1">
-                            <a:solidFill>
-                              <a:srgbClr val="FF0000"/>
-                            </a:solidFill>
-                            <a:latin typeface="Cambria Math" panose="02040503050406030204" pitchFamily="18" charset="0"/>
-                          </a:rPr>
-                          <m:t>∘</m:t>
-                        </m:r>
-                      </m:sup>
-                    </m:sSup>
-                  </m:oMath>
-                </a14:m>
-                <a:endParaRPr lang="it-IT" sz="2000" dirty="0"/>
-              </a:p>
-              <a:p>
-                <a:pPr marL="285750" indent="-285750">
-                  <a:buFont typeface="Arial" panose="020B0604020202020204" pitchFamily="34" charset="0"/>
-                  <a:buChar char="•"/>
-                </a:pPr>
-                <a:r>
-                  <a:rPr lang="en-US" sz="2000" dirty="0"/>
-                  <a:t>Each sample contained 1000 muons having a total initial momentum of 3 GeV</a:t>
-                </a:r>
+                  <a:t>) </a:t>
+                </a:r>
+                <a:r>
+                  <a:rPr lang="it-IT" sz="1600" dirty="0"/>
+                  <a:t>the second time they pass through it</a:t>
+                </a:r>
+                <a:endParaRPr lang="en-US" sz="1600" dirty="0"/>
               </a:p>
             </p:txBody>
           </p:sp>
         </mc:Choice>
-        <mc:Fallback>
+        <mc:Fallback xmlns="">
           <p:sp>
             <p:nvSpPr>
-              <p:cNvPr id="3" name="TextBox 2">
+              <p:cNvPr id="6" name="TextBox 5">
                 <a:extLst>
                   <a:ext uri="{FF2B5EF4-FFF2-40B4-BE49-F238E27FC236}">
-                    <a16:creationId xmlns:a16="http://schemas.microsoft.com/office/drawing/2014/main" id="{EC437B08-CF6A-46CA-B5D9-F1267286FC73}"/>
+                    <a16:creationId xmlns:a16="http://schemas.microsoft.com/office/drawing/2014/main" id="{BADD812B-E56B-4E4C-A1AD-3555001CDE4B}"/>
                   </a:ext>
                 </a:extLst>
               </p:cNvPr>
@@ -14848,8 +16994,8 @@
             </p:nvSpPr>
             <p:spPr>
               <a:xfrm>
-                <a:off x="950857" y="2305615"/>
-                <a:ext cx="10290286" cy="2246769"/>
+                <a:off x="974486" y="4942517"/>
+                <a:ext cx="10243027" cy="1323439"/>
               </a:xfrm>
               <a:prstGeom prst="rect">
                 <a:avLst/>
@@ -14857,7 +17003,7 @@
               <a:blipFill>
                 <a:blip r:embed="rId2"/>
                 <a:stretch>
-                  <a:fillRect l="-533" t="-1355" b="-3794"/>
+                  <a:fillRect l="-238" t="-1382" r="-179" b="-5069"/>
                 </a:stretch>
               </a:blipFill>
             </p:spPr>
@@ -14876,10 +17022,178 @@
           </p:sp>
         </mc:Fallback>
       </mc:AlternateContent>
+      <p:pic>
+        <p:nvPicPr>
+          <p:cNvPr id="7" name="Picture 6" descr="A close up of a map&#10;&#10;Description automatically generated">
+            <a:extLst>
+              <a:ext uri="{FF2B5EF4-FFF2-40B4-BE49-F238E27FC236}">
+                <a16:creationId xmlns:a16="http://schemas.microsoft.com/office/drawing/2014/main" id="{687FC383-81D7-4D9E-99EE-20E443FACAB2}"/>
+              </a:ext>
+            </a:extLst>
+          </p:cNvPr>
+          <p:cNvPicPr>
+            <a:picLocks noChangeAspect="1"/>
+          </p:cNvPicPr>
+          <p:nvPr/>
+        </p:nvPicPr>
+        <p:blipFill>
+          <a:blip r:embed="rId3">
+            <a:extLst>
+              <a:ext uri="{28A0092B-C50C-407E-A947-70E740481C1C}">
+                <a14:useLocalDpi xmlns:a14="http://schemas.microsoft.com/office/drawing/2010/main" val="0"/>
+              </a:ext>
+            </a:extLst>
+          </a:blip>
+          <a:stretch>
+            <a:fillRect/>
+          </a:stretch>
+        </p:blipFill>
+        <p:spPr>
+          <a:xfrm>
+            <a:off x="743666" y="852687"/>
+            <a:ext cx="5121513" cy="3971993"/>
+          </a:xfrm>
+          <a:prstGeom prst="rect">
+            <a:avLst/>
+          </a:prstGeom>
+        </p:spPr>
+      </p:pic>
+      <p:pic>
+        <p:nvPicPr>
+          <p:cNvPr id="11" name="Picture 10" descr="A screenshot of a cell phone&#10;&#10;Description automatically generated">
+            <a:extLst>
+              <a:ext uri="{FF2B5EF4-FFF2-40B4-BE49-F238E27FC236}">
+                <a16:creationId xmlns:a16="http://schemas.microsoft.com/office/drawing/2014/main" id="{25E1A48C-DDE5-44CD-8380-46B9F474A169}"/>
+              </a:ext>
+            </a:extLst>
+          </p:cNvPr>
+          <p:cNvPicPr>
+            <a:picLocks noChangeAspect="1"/>
+          </p:cNvPicPr>
+          <p:nvPr/>
+        </p:nvPicPr>
+        <p:blipFill>
+          <a:blip r:embed="rId4">
+            <a:extLst>
+              <a:ext uri="{28A0092B-C50C-407E-A947-70E740481C1C}">
+                <a14:useLocalDpi xmlns:a14="http://schemas.microsoft.com/office/drawing/2010/main" val="0"/>
+              </a:ext>
+            </a:extLst>
+          </a:blip>
+          <a:stretch>
+            <a:fillRect/>
+          </a:stretch>
+        </p:blipFill>
+        <p:spPr>
+          <a:xfrm>
+            <a:off x="5847435" y="851845"/>
+            <a:ext cx="5121514" cy="3971996"/>
+          </a:xfrm>
+          <a:prstGeom prst="rect">
+            <a:avLst/>
+          </a:prstGeom>
+        </p:spPr>
+      </p:pic>
+      <p:sp>
+        <p:nvSpPr>
+          <p:cNvPr id="12" name="Oval 11">
+            <a:extLst>
+              <a:ext uri="{FF2B5EF4-FFF2-40B4-BE49-F238E27FC236}">
+                <a16:creationId xmlns:a16="http://schemas.microsoft.com/office/drawing/2014/main" id="{3F7C7A5B-DF6F-45AA-A6C4-958F4B57CC07}"/>
+              </a:ext>
+            </a:extLst>
+          </p:cNvPr>
+          <p:cNvSpPr/>
+          <p:nvPr/>
+        </p:nvSpPr>
+        <p:spPr>
+          <a:xfrm>
+            <a:off x="7732450" y="4314548"/>
+            <a:ext cx="2059620" cy="150920"/>
+          </a:xfrm>
+          <a:prstGeom prst="ellipse">
+            <a:avLst/>
+          </a:prstGeom>
+          <a:noFill/>
+          <a:ln>
+            <a:solidFill>
+              <a:srgbClr val="FF0000"/>
+            </a:solidFill>
+          </a:ln>
+        </p:spPr>
+        <p:style>
+          <a:lnRef idx="2">
+            <a:schemeClr val="accent1">
+              <a:shade val="50000"/>
+            </a:schemeClr>
+          </a:lnRef>
+          <a:fillRef idx="1">
+            <a:schemeClr val="accent1"/>
+          </a:fillRef>
+          <a:effectRef idx="0">
+            <a:schemeClr val="accent1"/>
+          </a:effectRef>
+          <a:fontRef idx="minor">
+            <a:schemeClr val="lt1"/>
+          </a:fontRef>
+        </p:style>
+        <p:txBody>
+          <a:bodyPr rtlCol="0" anchor="ctr"/>
+          <a:lstStyle/>
+          <a:p>
+            <a:pPr algn="ctr"/>
+            <a:endParaRPr lang="en-US"/>
+          </a:p>
+        </p:txBody>
+      </p:sp>
+      <p:sp>
+        <p:nvSpPr>
+          <p:cNvPr id="13" name="TextBox 12">
+            <a:extLst>
+              <a:ext uri="{FF2B5EF4-FFF2-40B4-BE49-F238E27FC236}">
+                <a16:creationId xmlns:a16="http://schemas.microsoft.com/office/drawing/2014/main" id="{9CC4582E-BE32-4AE7-8C46-2F5509BBD4F1}"/>
+              </a:ext>
+            </a:extLst>
+          </p:cNvPr>
+          <p:cNvSpPr txBox="1"/>
+          <p:nvPr/>
+        </p:nvSpPr>
+        <p:spPr>
+          <a:xfrm>
+            <a:off x="7466119" y="4057372"/>
+            <a:ext cx="1296141" cy="276999"/>
+          </a:xfrm>
+          <a:prstGeom prst="rect">
+            <a:avLst/>
+          </a:prstGeom>
+          <a:noFill/>
+        </p:spPr>
+        <p:txBody>
+          <a:bodyPr wrap="square" rtlCol="0">
+            <a:spAutoFit/>
+          </a:bodyPr>
+          <a:lstStyle/>
+          <a:p>
+            <a:r>
+              <a:rPr lang="it-IT" sz="1200" dirty="0">
+                <a:solidFill>
+                  <a:srgbClr val="FF0000"/>
+                </a:solidFill>
+              </a:rPr>
+              <a:t>Stopped muons</a:t>
+            </a:r>
+            <a:endParaRPr lang="en-US" sz="1200" dirty="0">
+              <a:solidFill>
+                <a:srgbClr val="FF0000"/>
+              </a:solidFill>
+            </a:endParaRPr>
+          </a:p>
+        </p:txBody>
+      </p:sp>
     </p:spTree>
     <p:extLst>
       <p:ext uri="{BB962C8B-B14F-4D97-AF65-F5344CB8AC3E}">
-        <p14:creationId xmlns:p14="http://schemas.microsoft.com/office/powerpoint/2010/main" val="371137732"/>
+        <p14:creationId xmlns:p14="http://schemas.microsoft.com/office/powerpoint/2010/main" val="4157786022"/>
       </p:ext>
     </p:extLst>
   </p:cSld>
@@ -14892,7 +17206,7 @@
 <file path=ppt/theme/theme1.xml><?xml version="1.0" encoding="utf-8"?>
 <a:theme xmlns:a="http://schemas.openxmlformats.org/drawingml/2006/main" name="Tema di Office">
   <a:themeElements>
-    <a:clrScheme name="Rosso arancione">
+    <a:clrScheme name="Blue Warm">
       <a:dk1>
         <a:sysClr val="windowText" lastClr="000000"/>
       </a:dk1>
@@ -14900,34 +17214,34 @@
         <a:sysClr val="window" lastClr="FFFFFF"/>
       </a:lt1>
       <a:dk2>
-        <a:srgbClr val="505046"/>
+        <a:srgbClr val="242852"/>
       </a:dk2>
       <a:lt2>
-        <a:srgbClr val="EEECE1"/>
+        <a:srgbClr val="ACCBF9"/>
       </a:lt2>
       <a:accent1>
-        <a:srgbClr val="E84C22"/>
+        <a:srgbClr val="4A66AC"/>
       </a:accent1>
       <a:accent2>
-        <a:srgbClr val="FFBD47"/>
+        <a:srgbClr val="629DD1"/>
       </a:accent2>
       <a:accent3>
-        <a:srgbClr val="B64926"/>
+        <a:srgbClr val="297FD5"/>
       </a:accent3>
       <a:accent4>
-        <a:srgbClr val="FF8427"/>
+        <a:srgbClr val="7F8FA9"/>
       </a:accent4>
       <a:accent5>
-        <a:srgbClr val="CC9900"/>
+        <a:srgbClr val="5AA2AE"/>
       </a:accent5>
       <a:accent6>
-        <a:srgbClr val="B22600"/>
+        <a:srgbClr val="9D90A0"/>
       </a:accent6>
       <a:hlink>
-        <a:srgbClr val="CC9900"/>
+        <a:srgbClr val="9454C3"/>
       </a:hlink>
       <a:folHlink>
-        <a:srgbClr val="666699"/>
+        <a:srgbClr val="3EBBF0"/>
       </a:folHlink>
     </a:clrScheme>
     <a:fontScheme name="Custom 154">
@@ -15927,17 +18241,17 @@
 <file path=customXml/itemProps1.xml><?xml version="1.0" encoding="utf-8"?>
 <ds:datastoreItem xmlns:ds="http://schemas.openxmlformats.org/officeDocument/2006/customXml" ds:itemID="{8FB61CFE-D4DA-4753-A9A5-D482B9609A35}">
   <ds:schemaRefs>
+    <ds:schemaRef ds:uri="http://schemas.microsoft.com/office/2006/metadata/properties"/>
+    <ds:schemaRef ds:uri="http://purl.org/dc/terms/"/>
     <ds:schemaRef ds:uri="http://schemas.microsoft.com/office/2006/documentManagement/types"/>
-    <ds:schemaRef ds:uri="6dc4bcd6-49db-4c07-9060-8acfc67cef9f"/>
-    <ds:schemaRef ds:uri="http://schemas.microsoft.com/office/2006/metadata/properties"/>
     <ds:schemaRef ds:uri="http://schemas.microsoft.com/sharepoint/v3"/>
     <ds:schemaRef ds:uri="http://www.w3.org/XML/1998/namespace"/>
+    <ds:schemaRef ds:uri="6dc4bcd6-49db-4c07-9060-8acfc67cef9f"/>
+    <ds:schemaRef ds:uri="http://purl.org/dc/dcmitype/"/>
     <ds:schemaRef ds:uri="http://purl.org/dc/elements/1.1/"/>
+    <ds:schemaRef ds:uri="http://schemas.microsoft.com/office/infopath/2007/PartnerControls"/>
     <ds:schemaRef ds:uri="http://schemas.openxmlformats.org/package/2006/metadata/core-properties"/>
-    <ds:schemaRef ds:uri="http://schemas.microsoft.com/office/infopath/2007/PartnerControls"/>
     <ds:schemaRef ds:uri="fb0879af-3eba-417a-a55a-ffe6dcd6ca77"/>
-    <ds:schemaRef ds:uri="http://purl.org/dc/dcmitype/"/>
-    <ds:schemaRef ds:uri="http://purl.org/dc/terms/"/>
   </ds:schemaRefs>
 </ds:datastoreItem>
 </file>
